--- a/DocSources/images/tenantuser.pptx
+++ b/DocSources/images/tenantuser.pptx
@@ -5,17 +5,13 @@
     <p:sldMasterId id="2147483652" r:id="rId1"/>
   </p:sldMasterIdLst>
   <p:notesMasterIdLst>
-    <p:notesMasterId r:id="rId7"/>
+    <p:notesMasterId r:id="rId3"/>
   </p:notesMasterIdLst>
   <p:handoutMasterIdLst>
-    <p:handoutMasterId r:id="rId8"/>
+    <p:handoutMasterId r:id="rId4"/>
   </p:handoutMasterIdLst>
   <p:sldIdLst>
-    <p:sldId id="487" r:id="rId2"/>
-    <p:sldId id="491" r:id="rId3"/>
-    <p:sldId id="492" r:id="rId4"/>
-    <p:sldId id="494" r:id="rId5"/>
-    <p:sldId id="493" r:id="rId6"/>
+    <p:sldId id="492" r:id="rId2"/>
   </p:sldIdLst>
   <p:sldSz cx="9144000" cy="6858000" type="screen4x3"/>
   <p:notesSz cx="6805613" cy="9939338"/>
@@ -1218,502 +1214,6 @@
     </a:lvl9pPr>
   </p:notesStyle>
 </p:notesMaster>
-</file>
-
-<file path=ppt/notesSlides/notesSlide1.xml><?xml version="1.0" encoding="utf-8"?>
-<p:notes xmlns:a="http://schemas.openxmlformats.org/drawingml/2006/main" xmlns:r="http://schemas.openxmlformats.org/officeDocument/2006/relationships" xmlns:p="http://schemas.openxmlformats.org/presentationml/2006/main">
-  <p:cSld>
-    <p:spTree>
-      <p:nvGrpSpPr>
-        <p:cNvPr id="1" name=""/>
-        <p:cNvGrpSpPr/>
-        <p:nvPr/>
-      </p:nvGrpSpPr>
-      <p:grpSpPr>
-        <a:xfrm>
-          <a:off x="0" y="0"/>
-          <a:ext cx="0" cy="0"/>
-          <a:chOff x="0" y="0"/>
-          <a:chExt cx="0" cy="0"/>
-        </a:xfrm>
-      </p:grpSpPr>
-      <p:sp>
-        <p:nvSpPr>
-          <p:cNvPr id="6" name="Rectangle 6"/>
-          <p:cNvSpPr>
-            <a:spLocks noGrp="1" noChangeArrowheads="1"/>
-          </p:cNvSpPr>
-          <p:nvPr>
-            <p:ph type="ftr" sz="quarter" idx="4"/>
-          </p:nvPr>
-        </p:nvSpPr>
-        <p:spPr>
-          <a:ln/>
-        </p:spPr>
-        <p:txBody>
-          <a:bodyPr/>
-          <a:lstStyle/>
-          <a:p>
-            <a:r>
-              <a:rPr lang="en-US" altLang="ja-JP"/>
-              <a:t>Copyright 2010 FUJITSU LIMITED</a:t>
-            </a:r>
-          </a:p>
-        </p:txBody>
-      </p:sp>
-      <p:sp>
-        <p:nvSpPr>
-          <p:cNvPr id="7" name="Rectangle 7"/>
-          <p:cNvSpPr>
-            <a:spLocks noGrp="1" noChangeArrowheads="1"/>
-          </p:cNvSpPr>
-          <p:nvPr>
-            <p:ph type="sldNum" sz="quarter" idx="5"/>
-          </p:nvPr>
-        </p:nvSpPr>
-        <p:spPr>
-          <a:ln/>
-        </p:spPr>
-        <p:txBody>
-          <a:bodyPr/>
-          <a:lstStyle/>
-          <a:p>
-            <a:fld id="{AFAB1BD4-F0CB-46F8-BF26-B2A12923A773}" type="slidenum">
-              <a:rPr lang="en-US" altLang="ja-JP"/>
-              <a:pPr/>
-              <a:t>0</a:t>
-            </a:fld>
-            <a:endParaRPr lang="en-US" altLang="ja-JP"/>
-          </a:p>
-        </p:txBody>
-      </p:sp>
-      <p:sp>
-        <p:nvSpPr>
-          <p:cNvPr id="387074" name="Rectangle 2"/>
-          <p:cNvSpPr>
-            <a:spLocks noGrp="1" noRot="1" noChangeAspect="1" noChangeArrowheads="1" noTextEdit="1"/>
-          </p:cNvSpPr>
-          <p:nvPr>
-            <p:ph type="sldImg"/>
-          </p:nvPr>
-        </p:nvSpPr>
-        <p:spPr>
-          <a:ln/>
-        </p:spPr>
-      </p:sp>
-      <p:sp>
-        <p:nvSpPr>
-          <p:cNvPr id="387075" name="Rectangle 3"/>
-          <p:cNvSpPr>
-            <a:spLocks noGrp="1" noChangeArrowheads="1"/>
-          </p:cNvSpPr>
-          <p:nvPr>
-            <p:ph type="body" idx="1"/>
-          </p:nvPr>
-        </p:nvSpPr>
-        <p:spPr>
-          <a:xfrm>
-            <a:off x="679450" y="4721225"/>
-            <a:ext cx="5626100" cy="4891088"/>
-          </a:xfrm>
-        </p:spPr>
-        <p:txBody>
-          <a:bodyPr/>
-          <a:lstStyle/>
-          <a:p>
-            <a:pPr>
-              <a:spcBef>
-                <a:spcPct val="20000"/>
-              </a:spcBef>
-              <a:buClr>
-                <a:srgbClr val="FF0000"/>
-              </a:buClr>
-              <a:buSzPct val="80000"/>
-              <a:buFont typeface="Wingdings" pitchFamily="2" charset="2"/>
-              <a:buNone/>
-            </a:pPr>
-            <a:endParaRPr lang="en-GB" altLang="ja-JP" dirty="0"/>
-          </a:p>
-        </p:txBody>
-      </p:sp>
-    </p:spTree>
-  </p:cSld>
-  <p:clrMapOvr>
-    <a:masterClrMapping/>
-  </p:clrMapOvr>
-</p:notes>
-</file>
-
-<file path=ppt/notesSlides/notesSlide2.xml><?xml version="1.0" encoding="utf-8"?>
-<p:notes xmlns:a="http://schemas.openxmlformats.org/drawingml/2006/main" xmlns:r="http://schemas.openxmlformats.org/officeDocument/2006/relationships" xmlns:p="http://schemas.openxmlformats.org/presentationml/2006/main">
-  <p:cSld>
-    <p:spTree>
-      <p:nvGrpSpPr>
-        <p:cNvPr id="1" name=""/>
-        <p:cNvGrpSpPr/>
-        <p:nvPr/>
-      </p:nvGrpSpPr>
-      <p:grpSpPr>
-        <a:xfrm>
-          <a:off x="0" y="0"/>
-          <a:ext cx="0" cy="0"/>
-          <a:chOff x="0" y="0"/>
-          <a:chExt cx="0" cy="0"/>
-        </a:xfrm>
-      </p:grpSpPr>
-      <p:sp>
-        <p:nvSpPr>
-          <p:cNvPr id="6" name="Rectangle 6"/>
-          <p:cNvSpPr>
-            <a:spLocks noGrp="1" noChangeArrowheads="1"/>
-          </p:cNvSpPr>
-          <p:nvPr>
-            <p:ph type="ftr" sz="quarter" idx="4"/>
-          </p:nvPr>
-        </p:nvSpPr>
-        <p:spPr>
-          <a:ln/>
-        </p:spPr>
-        <p:txBody>
-          <a:bodyPr/>
-          <a:lstStyle/>
-          <a:p>
-            <a:r>
-              <a:rPr lang="en-US" altLang="ja-JP"/>
-              <a:t>Copyright 2010 FUJITSU LIMITED</a:t>
-            </a:r>
-          </a:p>
-        </p:txBody>
-      </p:sp>
-      <p:sp>
-        <p:nvSpPr>
-          <p:cNvPr id="7" name="Rectangle 7"/>
-          <p:cNvSpPr>
-            <a:spLocks noGrp="1" noChangeArrowheads="1"/>
-          </p:cNvSpPr>
-          <p:nvPr>
-            <p:ph type="sldNum" sz="quarter" idx="5"/>
-          </p:nvPr>
-        </p:nvSpPr>
-        <p:spPr>
-          <a:ln/>
-        </p:spPr>
-        <p:txBody>
-          <a:bodyPr/>
-          <a:lstStyle/>
-          <a:p>
-            <a:fld id="{AFAB1BD4-F0CB-46F8-BF26-B2A12923A773}" type="slidenum">
-              <a:rPr lang="en-US" altLang="ja-JP"/>
-              <a:pPr/>
-              <a:t>1</a:t>
-            </a:fld>
-            <a:endParaRPr lang="en-US" altLang="ja-JP"/>
-          </a:p>
-        </p:txBody>
-      </p:sp>
-      <p:sp>
-        <p:nvSpPr>
-          <p:cNvPr id="387074" name="Rectangle 2"/>
-          <p:cNvSpPr>
-            <a:spLocks noGrp="1" noRot="1" noChangeAspect="1" noChangeArrowheads="1" noTextEdit="1"/>
-          </p:cNvSpPr>
-          <p:nvPr>
-            <p:ph type="sldImg"/>
-          </p:nvPr>
-        </p:nvSpPr>
-        <p:spPr>
-          <a:ln/>
-        </p:spPr>
-      </p:sp>
-      <p:sp>
-        <p:nvSpPr>
-          <p:cNvPr id="387075" name="Rectangle 3"/>
-          <p:cNvSpPr>
-            <a:spLocks noGrp="1" noChangeArrowheads="1"/>
-          </p:cNvSpPr>
-          <p:nvPr>
-            <p:ph type="body" idx="1"/>
-          </p:nvPr>
-        </p:nvSpPr>
-        <p:spPr>
-          <a:xfrm>
-            <a:off x="679450" y="4721225"/>
-            <a:ext cx="5626100" cy="4891088"/>
-          </a:xfrm>
-        </p:spPr>
-        <p:txBody>
-          <a:bodyPr/>
-          <a:lstStyle/>
-          <a:p>
-            <a:pPr>
-              <a:spcBef>
-                <a:spcPct val="20000"/>
-              </a:spcBef>
-              <a:buClr>
-                <a:srgbClr val="FF0000"/>
-              </a:buClr>
-              <a:buSzPct val="80000"/>
-              <a:buFont typeface="Wingdings" pitchFamily="2" charset="2"/>
-              <a:buNone/>
-            </a:pPr>
-            <a:endParaRPr lang="en-GB" altLang="ja-JP"/>
-          </a:p>
-        </p:txBody>
-      </p:sp>
-    </p:spTree>
-  </p:cSld>
-  <p:clrMapOvr>
-    <a:masterClrMapping/>
-  </p:clrMapOvr>
-</p:notes>
-</file>
-
-<file path=ppt/notesSlides/notesSlide3.xml><?xml version="1.0" encoding="utf-8"?>
-<p:notes xmlns:a="http://schemas.openxmlformats.org/drawingml/2006/main" xmlns:r="http://schemas.openxmlformats.org/officeDocument/2006/relationships" xmlns:p="http://schemas.openxmlformats.org/presentationml/2006/main">
-  <p:cSld>
-    <p:spTree>
-      <p:nvGrpSpPr>
-        <p:cNvPr id="1" name=""/>
-        <p:cNvGrpSpPr/>
-        <p:nvPr/>
-      </p:nvGrpSpPr>
-      <p:grpSpPr>
-        <a:xfrm>
-          <a:off x="0" y="0"/>
-          <a:ext cx="0" cy="0"/>
-          <a:chOff x="0" y="0"/>
-          <a:chExt cx="0" cy="0"/>
-        </a:xfrm>
-      </p:grpSpPr>
-      <p:sp>
-        <p:nvSpPr>
-          <p:cNvPr id="6" name="Rectangle 6"/>
-          <p:cNvSpPr>
-            <a:spLocks noGrp="1" noChangeArrowheads="1"/>
-          </p:cNvSpPr>
-          <p:nvPr>
-            <p:ph type="ftr" sz="quarter" idx="4"/>
-          </p:nvPr>
-        </p:nvSpPr>
-        <p:spPr>
-          <a:ln/>
-        </p:spPr>
-        <p:txBody>
-          <a:bodyPr/>
-          <a:lstStyle/>
-          <a:p>
-            <a:r>
-              <a:rPr lang="en-US" altLang="ja-JP"/>
-              <a:t>Copyright 2010 FUJITSU LIMITED</a:t>
-            </a:r>
-          </a:p>
-        </p:txBody>
-      </p:sp>
-      <p:sp>
-        <p:nvSpPr>
-          <p:cNvPr id="7" name="Rectangle 7"/>
-          <p:cNvSpPr>
-            <a:spLocks noGrp="1" noChangeArrowheads="1"/>
-          </p:cNvSpPr>
-          <p:nvPr>
-            <p:ph type="sldNum" sz="quarter" idx="5"/>
-          </p:nvPr>
-        </p:nvSpPr>
-        <p:spPr>
-          <a:ln/>
-        </p:spPr>
-        <p:txBody>
-          <a:bodyPr/>
-          <a:lstStyle/>
-          <a:p>
-            <a:fld id="{AFAB1BD4-F0CB-46F8-BF26-B2A12923A773}" type="slidenum">
-              <a:rPr lang="en-US" altLang="ja-JP"/>
-              <a:pPr/>
-              <a:t>3</a:t>
-            </a:fld>
-            <a:endParaRPr lang="en-US" altLang="ja-JP"/>
-          </a:p>
-        </p:txBody>
-      </p:sp>
-      <p:sp>
-        <p:nvSpPr>
-          <p:cNvPr id="387074" name="Rectangle 2"/>
-          <p:cNvSpPr>
-            <a:spLocks noGrp="1" noRot="1" noChangeAspect="1" noChangeArrowheads="1" noTextEdit="1"/>
-          </p:cNvSpPr>
-          <p:nvPr>
-            <p:ph type="sldImg"/>
-          </p:nvPr>
-        </p:nvSpPr>
-        <p:spPr>
-          <a:ln/>
-        </p:spPr>
-      </p:sp>
-      <p:sp>
-        <p:nvSpPr>
-          <p:cNvPr id="387075" name="Rectangle 3"/>
-          <p:cNvSpPr>
-            <a:spLocks noGrp="1" noChangeArrowheads="1"/>
-          </p:cNvSpPr>
-          <p:nvPr>
-            <p:ph type="body" idx="1"/>
-          </p:nvPr>
-        </p:nvSpPr>
-        <p:spPr>
-          <a:xfrm>
-            <a:off x="679450" y="4721225"/>
-            <a:ext cx="5626100" cy="4891088"/>
-          </a:xfrm>
-        </p:spPr>
-        <p:txBody>
-          <a:bodyPr/>
-          <a:lstStyle/>
-          <a:p>
-            <a:pPr>
-              <a:spcBef>
-                <a:spcPct val="20000"/>
-              </a:spcBef>
-              <a:buClr>
-                <a:srgbClr val="FF0000"/>
-              </a:buClr>
-              <a:buSzPct val="80000"/>
-              <a:buFont typeface="Wingdings" pitchFamily="2" charset="2"/>
-              <a:buNone/>
-            </a:pPr>
-            <a:endParaRPr lang="en-GB" altLang="ja-JP"/>
-          </a:p>
-        </p:txBody>
-      </p:sp>
-    </p:spTree>
-  </p:cSld>
-  <p:clrMapOvr>
-    <a:masterClrMapping/>
-  </p:clrMapOvr>
-</p:notes>
-</file>
-
-<file path=ppt/notesSlides/notesSlide4.xml><?xml version="1.0" encoding="utf-8"?>
-<p:notes xmlns:a="http://schemas.openxmlformats.org/drawingml/2006/main" xmlns:r="http://schemas.openxmlformats.org/officeDocument/2006/relationships" xmlns:p="http://schemas.openxmlformats.org/presentationml/2006/main">
-  <p:cSld>
-    <p:spTree>
-      <p:nvGrpSpPr>
-        <p:cNvPr id="1" name=""/>
-        <p:cNvGrpSpPr/>
-        <p:nvPr/>
-      </p:nvGrpSpPr>
-      <p:grpSpPr>
-        <a:xfrm>
-          <a:off x="0" y="0"/>
-          <a:ext cx="0" cy="0"/>
-          <a:chOff x="0" y="0"/>
-          <a:chExt cx="0" cy="0"/>
-        </a:xfrm>
-      </p:grpSpPr>
-      <p:sp>
-        <p:nvSpPr>
-          <p:cNvPr id="6" name="Rectangle 6"/>
-          <p:cNvSpPr>
-            <a:spLocks noGrp="1" noChangeArrowheads="1"/>
-          </p:cNvSpPr>
-          <p:nvPr>
-            <p:ph type="ftr" sz="quarter" idx="4"/>
-          </p:nvPr>
-        </p:nvSpPr>
-        <p:spPr>
-          <a:ln/>
-        </p:spPr>
-        <p:txBody>
-          <a:bodyPr/>
-          <a:lstStyle/>
-          <a:p>
-            <a:r>
-              <a:rPr lang="en-US" altLang="ja-JP"/>
-              <a:t>Copyright 2010 FUJITSU LIMITED</a:t>
-            </a:r>
-          </a:p>
-        </p:txBody>
-      </p:sp>
-      <p:sp>
-        <p:nvSpPr>
-          <p:cNvPr id="7" name="Rectangle 7"/>
-          <p:cNvSpPr>
-            <a:spLocks noGrp="1" noChangeArrowheads="1"/>
-          </p:cNvSpPr>
-          <p:nvPr>
-            <p:ph type="sldNum" sz="quarter" idx="5"/>
-          </p:nvPr>
-        </p:nvSpPr>
-        <p:spPr>
-          <a:ln/>
-        </p:spPr>
-        <p:txBody>
-          <a:bodyPr/>
-          <a:lstStyle/>
-          <a:p>
-            <a:fld id="{AFAB1BD4-F0CB-46F8-BF26-B2A12923A773}" type="slidenum">
-              <a:rPr lang="en-US" altLang="ja-JP"/>
-              <a:pPr/>
-              <a:t>4</a:t>
-            </a:fld>
-            <a:endParaRPr lang="en-US" altLang="ja-JP"/>
-          </a:p>
-        </p:txBody>
-      </p:sp>
-      <p:sp>
-        <p:nvSpPr>
-          <p:cNvPr id="387074" name="Rectangle 2"/>
-          <p:cNvSpPr>
-            <a:spLocks noGrp="1" noRot="1" noChangeAspect="1" noChangeArrowheads="1" noTextEdit="1"/>
-          </p:cNvSpPr>
-          <p:nvPr>
-            <p:ph type="sldImg"/>
-          </p:nvPr>
-        </p:nvSpPr>
-        <p:spPr>
-          <a:ln/>
-        </p:spPr>
-      </p:sp>
-      <p:sp>
-        <p:nvSpPr>
-          <p:cNvPr id="387075" name="Rectangle 3"/>
-          <p:cNvSpPr>
-            <a:spLocks noGrp="1" noChangeArrowheads="1"/>
-          </p:cNvSpPr>
-          <p:nvPr>
-            <p:ph type="body" idx="1"/>
-          </p:nvPr>
-        </p:nvSpPr>
-        <p:spPr>
-          <a:xfrm>
-            <a:off x="679450" y="4721225"/>
-            <a:ext cx="5626100" cy="4891088"/>
-          </a:xfrm>
-        </p:spPr>
-        <p:txBody>
-          <a:bodyPr/>
-          <a:lstStyle/>
-          <a:p>
-            <a:pPr>
-              <a:spcBef>
-                <a:spcPct val="20000"/>
-              </a:spcBef>
-              <a:buClr>
-                <a:srgbClr val="FF0000"/>
-              </a:buClr>
-              <a:buSzPct val="80000"/>
-              <a:buFont typeface="Wingdings" pitchFamily="2" charset="2"/>
-              <a:buNone/>
-            </a:pPr>
-            <a:endParaRPr lang="en-GB" altLang="ja-JP"/>
-          </a:p>
-        </p:txBody>
-      </p:sp>
-    </p:spTree>
-  </p:cSld>
-  <p:clrMapOvr>
-    <a:masterClrMapping/>
-  </p:clrMapOvr>
-</p:notes>
 </file>
 
 <file path=ppt/slideLayouts/slideLayout1.xml><?xml version="1.0" encoding="utf-8"?>
@@ -12856,1542 +12356,6 @@
       </p:grpSpPr>
       <p:sp>
         <p:nvSpPr>
-          <p:cNvPr id="386089" name="Rectangle 41"/>
-          <p:cNvSpPr>
-            <a:spLocks noGrp="1" noChangeArrowheads="1"/>
-          </p:cNvSpPr>
-          <p:nvPr>
-            <p:ph type="title"/>
-          </p:nvPr>
-        </p:nvSpPr>
-        <p:spPr/>
-        <p:txBody>
-          <a:bodyPr/>
-          <a:lstStyle/>
-          <a:p>
-            <a:endParaRPr lang="en-US" altLang="en-US">
-              <a:latin typeface="Fujitsu Sans" panose="020B0404060202020204" pitchFamily="34" charset="0"/>
-            </a:endParaRPr>
-          </a:p>
-        </p:txBody>
-      </p:sp>
-      <p:grpSp>
-        <p:nvGrpSpPr>
-          <p:cNvPr id="3" name="Group 2"/>
-          <p:cNvGrpSpPr/>
-          <p:nvPr/>
-        </p:nvGrpSpPr>
-        <p:grpSpPr>
-          <a:xfrm>
-            <a:off x="2237832" y="1916832"/>
-            <a:ext cx="4854448" cy="1656184"/>
-            <a:chOff x="2237832" y="1916832"/>
-            <a:chExt cx="4854448" cy="1656184"/>
-          </a:xfrm>
-        </p:grpSpPr>
-        <p:sp>
-          <p:nvSpPr>
-            <p:cNvPr id="38" name="Rectangle 5"/>
-            <p:cNvSpPr/>
-            <p:nvPr/>
-          </p:nvSpPr>
-          <p:spPr bwMode="auto">
-            <a:xfrm rot="10800000">
-              <a:off x="2391876" y="1916832"/>
-              <a:ext cx="4700404" cy="1584179"/>
-            </a:xfrm>
-            <a:custGeom>
-              <a:avLst/>
-              <a:gdLst>
-                <a:gd name="connsiteX0" fmla="*/ 0 w 2880444"/>
-                <a:gd name="connsiteY0" fmla="*/ 0 h 1152128"/>
-                <a:gd name="connsiteX1" fmla="*/ 1440160 w 2880444"/>
-                <a:gd name="connsiteY1" fmla="*/ 0 h 1152128"/>
-                <a:gd name="connsiteX2" fmla="*/ 1430670 w 2880444"/>
-                <a:gd name="connsiteY2" fmla="*/ 576064 h 1152128"/>
-                <a:gd name="connsiteX3" fmla="*/ 2880444 w 2880444"/>
-                <a:gd name="connsiteY3" fmla="*/ 576064 h 1152128"/>
-                <a:gd name="connsiteX4" fmla="*/ 2880444 w 2880444"/>
-                <a:gd name="connsiteY4" fmla="*/ 1152128 h 1152128"/>
-                <a:gd name="connsiteX5" fmla="*/ 1440160 w 2880444"/>
-                <a:gd name="connsiteY5" fmla="*/ 1152128 h 1152128"/>
-                <a:gd name="connsiteX6" fmla="*/ 732408 w 2880444"/>
-                <a:gd name="connsiteY6" fmla="*/ 1152128 h 1152128"/>
-                <a:gd name="connsiteX7" fmla="*/ 0 w 2880444"/>
-                <a:gd name="connsiteY7" fmla="*/ 1152128 h 1152128"/>
-                <a:gd name="connsiteX8" fmla="*/ 0 w 2880444"/>
-                <a:gd name="connsiteY8" fmla="*/ 0 h 1152128"/>
-                <a:gd name="connsiteX0" fmla="*/ 0 w 2880444"/>
-                <a:gd name="connsiteY0" fmla="*/ 0 h 1152128"/>
-                <a:gd name="connsiteX1" fmla="*/ 1432568 w 2880444"/>
-                <a:gd name="connsiteY1" fmla="*/ 0 h 1152128"/>
-                <a:gd name="connsiteX2" fmla="*/ 1430670 w 2880444"/>
-                <a:gd name="connsiteY2" fmla="*/ 576064 h 1152128"/>
-                <a:gd name="connsiteX3" fmla="*/ 2880444 w 2880444"/>
-                <a:gd name="connsiteY3" fmla="*/ 576064 h 1152128"/>
-                <a:gd name="connsiteX4" fmla="*/ 2880444 w 2880444"/>
-                <a:gd name="connsiteY4" fmla="*/ 1152128 h 1152128"/>
-                <a:gd name="connsiteX5" fmla="*/ 1440160 w 2880444"/>
-                <a:gd name="connsiteY5" fmla="*/ 1152128 h 1152128"/>
-                <a:gd name="connsiteX6" fmla="*/ 732408 w 2880444"/>
-                <a:gd name="connsiteY6" fmla="*/ 1152128 h 1152128"/>
-                <a:gd name="connsiteX7" fmla="*/ 0 w 2880444"/>
-                <a:gd name="connsiteY7" fmla="*/ 1152128 h 1152128"/>
-                <a:gd name="connsiteX8" fmla="*/ 0 w 2880444"/>
-                <a:gd name="connsiteY8" fmla="*/ 0 h 1152128"/>
-                <a:gd name="connsiteX0" fmla="*/ 0 w 2880444"/>
-                <a:gd name="connsiteY0" fmla="*/ 0 h 1152128"/>
-                <a:gd name="connsiteX1" fmla="*/ 1432568 w 2880444"/>
-                <a:gd name="connsiteY1" fmla="*/ 0 h 1152128"/>
-                <a:gd name="connsiteX2" fmla="*/ 1421179 w 2880444"/>
-                <a:gd name="connsiteY2" fmla="*/ 576064 h 1152128"/>
-                <a:gd name="connsiteX3" fmla="*/ 2880444 w 2880444"/>
-                <a:gd name="connsiteY3" fmla="*/ 576064 h 1152128"/>
-                <a:gd name="connsiteX4" fmla="*/ 2880444 w 2880444"/>
-                <a:gd name="connsiteY4" fmla="*/ 1152128 h 1152128"/>
-                <a:gd name="connsiteX5" fmla="*/ 1440160 w 2880444"/>
-                <a:gd name="connsiteY5" fmla="*/ 1152128 h 1152128"/>
-                <a:gd name="connsiteX6" fmla="*/ 732408 w 2880444"/>
-                <a:gd name="connsiteY6" fmla="*/ 1152128 h 1152128"/>
-                <a:gd name="connsiteX7" fmla="*/ 0 w 2880444"/>
-                <a:gd name="connsiteY7" fmla="*/ 1152128 h 1152128"/>
-                <a:gd name="connsiteX8" fmla="*/ 0 w 2880444"/>
-                <a:gd name="connsiteY8" fmla="*/ 0 h 1152128"/>
-                <a:gd name="connsiteX0" fmla="*/ 0 w 2880444"/>
-                <a:gd name="connsiteY0" fmla="*/ 0 h 1152128"/>
-                <a:gd name="connsiteX1" fmla="*/ 1421180 w 2880444"/>
-                <a:gd name="connsiteY1" fmla="*/ 0 h 1152128"/>
-                <a:gd name="connsiteX2" fmla="*/ 1421179 w 2880444"/>
-                <a:gd name="connsiteY2" fmla="*/ 576064 h 1152128"/>
-                <a:gd name="connsiteX3" fmla="*/ 2880444 w 2880444"/>
-                <a:gd name="connsiteY3" fmla="*/ 576064 h 1152128"/>
-                <a:gd name="connsiteX4" fmla="*/ 2880444 w 2880444"/>
-                <a:gd name="connsiteY4" fmla="*/ 1152128 h 1152128"/>
-                <a:gd name="connsiteX5" fmla="*/ 1440160 w 2880444"/>
-                <a:gd name="connsiteY5" fmla="*/ 1152128 h 1152128"/>
-                <a:gd name="connsiteX6" fmla="*/ 732408 w 2880444"/>
-                <a:gd name="connsiteY6" fmla="*/ 1152128 h 1152128"/>
-                <a:gd name="connsiteX7" fmla="*/ 0 w 2880444"/>
-                <a:gd name="connsiteY7" fmla="*/ 1152128 h 1152128"/>
-                <a:gd name="connsiteX8" fmla="*/ 0 w 2880444"/>
-                <a:gd name="connsiteY8" fmla="*/ 0 h 1152128"/>
-              </a:gdLst>
-              <a:ahLst/>
-              <a:cxnLst>
-                <a:cxn ang="0">
-                  <a:pos x="connsiteX0" y="connsiteY0"/>
-                </a:cxn>
-                <a:cxn ang="0">
-                  <a:pos x="connsiteX1" y="connsiteY1"/>
-                </a:cxn>
-                <a:cxn ang="0">
-                  <a:pos x="connsiteX2" y="connsiteY2"/>
-                </a:cxn>
-                <a:cxn ang="0">
-                  <a:pos x="connsiteX3" y="connsiteY3"/>
-                </a:cxn>
-                <a:cxn ang="0">
-                  <a:pos x="connsiteX4" y="connsiteY4"/>
-                </a:cxn>
-                <a:cxn ang="0">
-                  <a:pos x="connsiteX5" y="connsiteY5"/>
-                </a:cxn>
-                <a:cxn ang="0">
-                  <a:pos x="connsiteX6" y="connsiteY6"/>
-                </a:cxn>
-                <a:cxn ang="0">
-                  <a:pos x="connsiteX7" y="connsiteY7"/>
-                </a:cxn>
-                <a:cxn ang="0">
-                  <a:pos x="connsiteX8" y="connsiteY8"/>
-                </a:cxn>
-              </a:cxnLst>
-              <a:rect l="l" t="t" r="r" b="b"/>
-              <a:pathLst>
-                <a:path w="2880444" h="1152128">
-                  <a:moveTo>
-                    <a:pt x="0" y="0"/>
-                  </a:moveTo>
-                  <a:lnTo>
-                    <a:pt x="1421180" y="0"/>
-                  </a:lnTo>
-                  <a:cubicBezTo>
-                    <a:pt x="1420547" y="192021"/>
-                    <a:pt x="1421812" y="384043"/>
-                    <a:pt x="1421179" y="576064"/>
-                  </a:cubicBezTo>
-                  <a:lnTo>
-                    <a:pt x="2880444" y="576064"/>
-                  </a:lnTo>
-                  <a:lnTo>
-                    <a:pt x="2880444" y="1152128"/>
-                  </a:lnTo>
-                  <a:lnTo>
-                    <a:pt x="1440160" y="1152128"/>
-                  </a:lnTo>
-                  <a:lnTo>
-                    <a:pt x="732408" y="1152128"/>
-                  </a:lnTo>
-                  <a:lnTo>
-                    <a:pt x="0" y="1152128"/>
-                  </a:lnTo>
-                  <a:lnTo>
-                    <a:pt x="0" y="0"/>
-                  </a:lnTo>
-                  <a:close/>
-                </a:path>
-              </a:pathLst>
-            </a:custGeom>
-            <a:solidFill>
-              <a:srgbClr val="FBE2E1"/>
-            </a:solidFill>
-            <a:ln w="19050">
-              <a:solidFill>
-                <a:schemeClr val="tx1"/>
-              </a:solidFill>
-              <a:prstDash val="solid"/>
-              <a:headEnd type="none" w="med" len="med"/>
-              <a:tailEnd type="none" w="med" len="med"/>
-            </a:ln>
-          </p:spPr>
-          <p:style>
-            <a:lnRef idx="2">
-              <a:schemeClr val="accent2">
-                <a:shade val="50000"/>
-              </a:schemeClr>
-            </a:lnRef>
-            <a:fillRef idx="1">
-              <a:schemeClr val="accent2"/>
-            </a:fillRef>
-            <a:effectRef idx="0">
-              <a:schemeClr val="accent2"/>
-            </a:effectRef>
-            <a:fontRef idx="minor">
-              <a:schemeClr val="lt1"/>
-            </a:fontRef>
-          </p:style>
-          <p:txBody>
-            <a:bodyPr vert="horz" wrap="none" lIns="91440" tIns="45720" rIns="91440" bIns="45720" numCol="1" rtlCol="0" anchor="t" anchorCtr="0" compatLnSpc="1">
-              <a:prstTxWarp prst="textNoShape">
-                <a:avLst/>
-              </a:prstTxWarp>
-            </a:bodyPr>
-            <a:lstStyle/>
-            <a:p>
-              <a:pPr marL="0" marR="0" indent="0" algn="l" defTabSz="914400" rtl="0" eaLnBrk="1" fontAlgn="ctr" latinLnBrk="0" hangingPunct="1">
-                <a:lnSpc>
-                  <a:spcPct val="100000"/>
-                </a:lnSpc>
-                <a:spcBef>
-                  <a:spcPct val="0"/>
-                </a:spcBef>
-                <a:spcAft>
-                  <a:spcPct val="0"/>
-                </a:spcAft>
-                <a:buClrTx/>
-                <a:buSzTx/>
-                <a:buFontTx/>
-                <a:buNone/>
-                <a:tabLst/>
-              </a:pPr>
-              <a:endParaRPr kumimoji="1" lang="en-US" sz="1600" b="0" i="0" u="none" strike="noStrike" cap="none" normalizeH="0" baseline="0" dirty="0" smtClean="0">
-                <a:ln>
-                  <a:noFill/>
-                </a:ln>
-                <a:solidFill>
-                  <a:schemeClr val="tx1"/>
-                </a:solidFill>
-                <a:effectLst/>
-                <a:latin typeface="Fujitsu Sans" panose="020B0404060202020204" pitchFamily="34" charset="0"/>
-                <a:ea typeface="ＭＳ Ｐゴシック" pitchFamily="50" charset="-128"/>
-              </a:endParaRPr>
-            </a:p>
-          </p:txBody>
-        </p:sp>
-        <p:sp>
-          <p:nvSpPr>
-            <p:cNvPr id="39" name="Rectangle 38"/>
-            <p:cNvSpPr/>
-            <p:nvPr/>
-          </p:nvSpPr>
-          <p:spPr bwMode="auto">
-            <a:xfrm>
-              <a:off x="4001434" y="1988840"/>
-              <a:ext cx="2974972" cy="554578"/>
-            </a:xfrm>
-            <a:prstGeom prst="rect">
-              <a:avLst/>
-            </a:prstGeom>
-            <a:ln w="9525">
-              <a:solidFill>
-                <a:schemeClr val="tx1"/>
-              </a:solidFill>
-              <a:headEnd type="none" w="med" len="med"/>
-              <a:tailEnd type="none" w="med" len="med"/>
-            </a:ln>
-          </p:spPr>
-          <p:style>
-            <a:lnRef idx="2">
-              <a:schemeClr val="accent2">
-                <a:shade val="50000"/>
-              </a:schemeClr>
-            </a:lnRef>
-            <a:fillRef idx="1">
-              <a:schemeClr val="accent2"/>
-            </a:fillRef>
-            <a:effectRef idx="0">
-              <a:schemeClr val="accent2"/>
-            </a:effectRef>
-            <a:fontRef idx="minor">
-              <a:schemeClr val="lt1"/>
-            </a:fontRef>
-          </p:style>
-          <p:txBody>
-            <a:bodyPr vert="horz" wrap="none" lIns="91440" tIns="45720" rIns="91440" bIns="45720" numCol="1" rtlCol="0" anchor="ctr" anchorCtr="0" compatLnSpc="1">
-              <a:prstTxWarp prst="textNoShape">
-                <a:avLst/>
-              </a:prstTxWarp>
-            </a:bodyPr>
-            <a:lstStyle/>
-            <a:p>
-              <a:pPr algn="l"/>
-              <a:r>
-                <a:rPr lang="en-US" sz="1100" dirty="0" smtClean="0">
-                  <a:solidFill>
-                    <a:schemeClr val="bg1"/>
-                  </a:solidFill>
-                  <a:latin typeface="Fujitsu Sans" panose="020B0404060202020204" pitchFamily="34" charset="0"/>
-                  <a:ea typeface="ＭＳ Ｐゴシック" pitchFamily="50" charset="-128"/>
-                </a:rPr>
-                <a:t>                         </a:t>
-              </a:r>
-            </a:p>
-            <a:p>
-              <a:pPr algn="l">
-                <a:lnSpc>
-                  <a:spcPts val="1300"/>
-                </a:lnSpc>
-              </a:pPr>
-              <a:r>
-                <a:rPr lang="en-US" sz="1100" dirty="0">
-                  <a:solidFill>
-                    <a:schemeClr val="bg1"/>
-                  </a:solidFill>
-                  <a:latin typeface="Fujitsu Sans" panose="020B0404060202020204" pitchFamily="34" charset="0"/>
-                  <a:ea typeface="ＭＳ Ｐゴシック" pitchFamily="50" charset="-128"/>
-                </a:rPr>
-                <a:t> </a:t>
-              </a:r>
-              <a:r>
-                <a:rPr lang="en-US" sz="1100" dirty="0" smtClean="0">
-                  <a:solidFill>
-                    <a:schemeClr val="bg1"/>
-                  </a:solidFill>
-                  <a:latin typeface="Fujitsu Sans" panose="020B0404060202020204" pitchFamily="34" charset="0"/>
-                  <a:ea typeface="ＭＳ Ｐゴシック" pitchFamily="50" charset="-128"/>
-                </a:rPr>
-                <a:t>                        </a:t>
-              </a:r>
-            </a:p>
-            <a:p>
-              <a:pPr algn="l">
-                <a:lnSpc>
-                  <a:spcPts val="1200"/>
-                </a:lnSpc>
-              </a:pPr>
-              <a:r>
-                <a:rPr lang="en-US" sz="1100" dirty="0">
-                  <a:solidFill>
-                    <a:schemeClr val="bg1"/>
-                  </a:solidFill>
-                  <a:latin typeface="Fujitsu Sans" panose="020B0404060202020204" pitchFamily="34" charset="0"/>
-                  <a:ea typeface="ＭＳ Ｐゴシック" pitchFamily="50" charset="-128"/>
-                </a:rPr>
-                <a:t> </a:t>
-              </a:r>
-              <a:r>
-                <a:rPr lang="en-US" sz="1100" dirty="0" smtClean="0">
-                  <a:solidFill>
-                    <a:schemeClr val="bg1"/>
-                  </a:solidFill>
-                  <a:latin typeface="Fujitsu Sans" panose="020B0404060202020204" pitchFamily="34" charset="0"/>
-                  <a:ea typeface="ＭＳ Ｐゴシック" pitchFamily="50" charset="-128"/>
-                </a:rPr>
-                <a:t>                          </a:t>
-              </a:r>
-              <a:r>
-                <a:rPr lang="en-US" sz="1600" dirty="0" smtClean="0">
-                  <a:solidFill>
-                    <a:schemeClr val="bg1"/>
-                  </a:solidFill>
-                  <a:latin typeface="Fujitsu Sans" panose="020B0404060202020204" pitchFamily="34" charset="0"/>
-                  <a:ea typeface="ＭＳ Ｐゴシック" pitchFamily="50" charset="-128"/>
-                </a:rPr>
-                <a:t>CMM Service</a:t>
-              </a:r>
-            </a:p>
-            <a:p>
-              <a:pPr algn="l">
-                <a:lnSpc>
-                  <a:spcPts val="1200"/>
-                </a:lnSpc>
-              </a:pPr>
-              <a:r>
-                <a:rPr lang="de-DE" sz="1600" dirty="0" smtClean="0">
-                  <a:solidFill>
-                    <a:schemeClr val="bg1"/>
-                  </a:solidFill>
-                  <a:latin typeface="Fujitsu Sans" panose="020B0404060202020204" pitchFamily="34" charset="0"/>
-                  <a:ea typeface="ＭＳ Ｐゴシック" pitchFamily="50" charset="-128"/>
-                </a:rPr>
-                <a:t>           (based on Monasca)</a:t>
-              </a:r>
-              <a:endParaRPr lang="en-US" sz="1600" dirty="0">
-                <a:solidFill>
-                  <a:schemeClr val="bg1"/>
-                </a:solidFill>
-                <a:latin typeface="Fujitsu Sans" panose="020B0404060202020204" pitchFamily="34" charset="0"/>
-                <a:ea typeface="ＭＳ Ｐゴシック" pitchFamily="50" charset="-128"/>
-              </a:endParaRPr>
-            </a:p>
-            <a:p>
-              <a:pPr algn="l"/>
-              <a:endParaRPr kumimoji="1" lang="en-US" sz="1600" b="0" i="0" u="none" strike="noStrike" cap="none" normalizeH="0" baseline="0" dirty="0" smtClean="0">
-                <a:ln>
-                  <a:noFill/>
-                </a:ln>
-                <a:solidFill>
-                  <a:schemeClr val="bg1"/>
-                </a:solidFill>
-                <a:effectLst/>
-                <a:latin typeface="Fujitsu Sans" panose="020B0404060202020204" pitchFamily="34" charset="0"/>
-                <a:ea typeface="ＭＳ Ｐゴシック" pitchFamily="50" charset="-128"/>
-              </a:endParaRPr>
-            </a:p>
-          </p:txBody>
-        </p:sp>
-        <p:sp>
-          <p:nvSpPr>
-            <p:cNvPr id="40" name="Rectangle 39"/>
-            <p:cNvSpPr/>
-            <p:nvPr/>
-          </p:nvSpPr>
-          <p:spPr bwMode="auto">
-            <a:xfrm>
-              <a:off x="4857307" y="2780928"/>
-              <a:ext cx="2119099" cy="216026"/>
-            </a:xfrm>
-            <a:prstGeom prst="rect">
-              <a:avLst/>
-            </a:prstGeom>
-            <a:ln w="9525">
-              <a:solidFill>
-                <a:schemeClr val="tx1"/>
-              </a:solidFill>
-              <a:headEnd type="none" w="med" len="med"/>
-              <a:tailEnd type="none" w="med" len="med"/>
-            </a:ln>
-          </p:spPr>
-          <p:style>
-            <a:lnRef idx="2">
-              <a:schemeClr val="accent2">
-                <a:shade val="50000"/>
-              </a:schemeClr>
-            </a:lnRef>
-            <a:fillRef idx="1">
-              <a:schemeClr val="accent2"/>
-            </a:fillRef>
-            <a:effectRef idx="0">
-              <a:schemeClr val="accent2"/>
-            </a:effectRef>
-            <a:fontRef idx="minor">
-              <a:schemeClr val="lt1"/>
-            </a:fontRef>
-          </p:style>
-          <p:txBody>
-            <a:bodyPr vert="horz" wrap="none" lIns="91440" tIns="45720" rIns="91440" bIns="45720" numCol="1" rtlCol="0" anchor="ctr" anchorCtr="0" compatLnSpc="1">
-              <a:prstTxWarp prst="textNoShape">
-                <a:avLst/>
-              </a:prstTxWarp>
-            </a:bodyPr>
-            <a:lstStyle/>
-            <a:p>
-              <a:pPr marL="0" marR="0" indent="0" algn="l" defTabSz="914400" rtl="0" eaLnBrk="1" fontAlgn="ctr" latinLnBrk="0" hangingPunct="1">
-                <a:lnSpc>
-                  <a:spcPct val="100000"/>
-                </a:lnSpc>
-                <a:spcBef>
-                  <a:spcPct val="0"/>
-                </a:spcBef>
-                <a:spcAft>
-                  <a:spcPct val="0"/>
-                </a:spcAft>
-                <a:buClrTx/>
-                <a:buSzTx/>
-                <a:buFontTx/>
-                <a:buNone/>
-                <a:tabLst/>
-              </a:pPr>
-              <a:r>
-                <a:rPr kumimoji="1" lang="en-US" sz="1600" b="0" i="0" u="none" strike="noStrike" cap="none" normalizeH="0" baseline="0" dirty="0" smtClean="0">
-                  <a:ln>
-                    <a:noFill/>
-                  </a:ln>
-                  <a:solidFill>
-                    <a:schemeClr val="bg1"/>
-                  </a:solidFill>
-                  <a:effectLst/>
-                  <a:latin typeface="Fujitsu Sans" panose="020B0404060202020204" pitchFamily="34" charset="0"/>
-                  <a:ea typeface="ＭＳ Ｐゴシック" pitchFamily="50" charset="-128"/>
-                </a:rPr>
-                <a:t>CMM Horizon</a:t>
-              </a:r>
-              <a:r>
-                <a:rPr kumimoji="1" lang="en-US" sz="1600" b="0" i="0" u="none" strike="noStrike" cap="none" normalizeH="0" dirty="0" smtClean="0">
-                  <a:ln>
-                    <a:noFill/>
-                  </a:ln>
-                  <a:solidFill>
-                    <a:schemeClr val="bg1"/>
-                  </a:solidFill>
-                  <a:effectLst/>
-                  <a:latin typeface="Fujitsu Sans" panose="020B0404060202020204" pitchFamily="34" charset="0"/>
-                  <a:ea typeface="ＭＳ Ｐゴシック" pitchFamily="50" charset="-128"/>
-                </a:rPr>
-                <a:t> </a:t>
-              </a:r>
-              <a:r>
-                <a:rPr kumimoji="1" lang="en-US" sz="1600" b="0" i="0" u="none" strike="noStrike" cap="none" normalizeH="0" baseline="0" dirty="0" smtClean="0">
-                  <a:ln>
-                    <a:noFill/>
-                  </a:ln>
-                  <a:solidFill>
-                    <a:schemeClr val="bg1"/>
-                  </a:solidFill>
-                  <a:effectLst/>
-                  <a:latin typeface="Fujitsu Sans" panose="020B0404060202020204" pitchFamily="34" charset="0"/>
-                  <a:ea typeface="ＭＳ Ｐゴシック" pitchFamily="50" charset="-128"/>
-                </a:rPr>
-                <a:t>Plugin </a:t>
-              </a:r>
-            </a:p>
-          </p:txBody>
-        </p:sp>
-        <p:sp>
-          <p:nvSpPr>
-            <p:cNvPr id="43" name="Rectangle 42"/>
-            <p:cNvSpPr/>
-            <p:nvPr/>
-          </p:nvSpPr>
-          <p:spPr bwMode="auto">
-            <a:xfrm>
-              <a:off x="2391877" y="2636912"/>
-              <a:ext cx="4700403" cy="936104"/>
-            </a:xfrm>
-            <a:prstGeom prst="rect">
-              <a:avLst/>
-            </a:prstGeom>
-            <a:noFill/>
-            <a:ln w="19050">
-              <a:solidFill>
-                <a:schemeClr val="tx1"/>
-              </a:solidFill>
-              <a:prstDash val="sysDot"/>
-              <a:headEnd type="none" w="med" len="med"/>
-              <a:tailEnd type="none" w="med" len="med"/>
-            </a:ln>
-          </p:spPr>
-          <p:style>
-            <a:lnRef idx="2">
-              <a:schemeClr val="dk1"/>
-            </a:lnRef>
-            <a:fillRef idx="1">
-              <a:schemeClr val="lt1"/>
-            </a:fillRef>
-            <a:effectRef idx="0">
-              <a:schemeClr val="dk1"/>
-            </a:effectRef>
-            <a:fontRef idx="minor">
-              <a:schemeClr val="dk1"/>
-            </a:fontRef>
-          </p:style>
-          <p:txBody>
-            <a:bodyPr vert="horz" wrap="none" lIns="91440" tIns="45720" rIns="91440" bIns="45720" numCol="1" rtlCol="0" anchor="t" anchorCtr="0" compatLnSpc="1">
-              <a:prstTxWarp prst="textNoShape">
-                <a:avLst/>
-              </a:prstTxWarp>
-            </a:bodyPr>
-            <a:lstStyle/>
-            <a:p>
-              <a:pPr marL="0" marR="0" indent="0" algn="l" defTabSz="914400" rtl="0" eaLnBrk="1" fontAlgn="ctr" latinLnBrk="0" hangingPunct="1">
-                <a:lnSpc>
-                  <a:spcPct val="100000"/>
-                </a:lnSpc>
-                <a:spcBef>
-                  <a:spcPct val="0"/>
-                </a:spcBef>
-                <a:spcAft>
-                  <a:spcPct val="0"/>
-                </a:spcAft>
-                <a:buClrTx/>
-                <a:buSzTx/>
-                <a:buFontTx/>
-                <a:buNone/>
-                <a:tabLst/>
-              </a:pPr>
-              <a:r>
-                <a:rPr kumimoji="1" lang="en-US" sz="1600" b="0" i="0" u="none" strike="noStrike" cap="none" normalizeH="0" baseline="0" dirty="0" smtClean="0">
-                  <a:ln>
-                    <a:noFill/>
-                  </a:ln>
-                  <a:solidFill>
-                    <a:schemeClr val="tx1"/>
-                  </a:solidFill>
-                  <a:effectLst/>
-                  <a:latin typeface="Fujitsu Sans" panose="020B0404060202020204" pitchFamily="34" charset="0"/>
-                  <a:ea typeface="ＭＳ Ｐゴシック" pitchFamily="50" charset="-128"/>
-                </a:rPr>
-                <a:t>    </a:t>
-              </a:r>
-            </a:p>
-            <a:p>
-              <a:pPr marL="0" marR="0" indent="0" algn="l" defTabSz="914400" rtl="0" eaLnBrk="1" fontAlgn="ctr" latinLnBrk="0" hangingPunct="1">
-                <a:lnSpc>
-                  <a:spcPct val="100000"/>
-                </a:lnSpc>
-                <a:spcBef>
-                  <a:spcPct val="0"/>
-                </a:spcBef>
-                <a:spcAft>
-                  <a:spcPct val="0"/>
-                </a:spcAft>
-                <a:buClrTx/>
-                <a:buSzTx/>
-                <a:buFontTx/>
-                <a:buNone/>
-                <a:tabLst/>
-              </a:pPr>
-              <a:r>
-                <a:rPr kumimoji="1" lang="en-US" sz="1600" b="0" i="0" u="none" strike="noStrike" cap="none" normalizeH="0" baseline="0" dirty="0" smtClean="0">
-                  <a:ln>
-                    <a:noFill/>
-                  </a:ln>
-                  <a:solidFill>
-                    <a:schemeClr val="tx1"/>
-                  </a:solidFill>
-                  <a:effectLst/>
-                  <a:latin typeface="Fujitsu Sans" panose="020B0404060202020204" pitchFamily="34" charset="0"/>
-                  <a:ea typeface="ＭＳ Ｐゴシック" pitchFamily="50" charset="-128"/>
-                </a:rPr>
-                <a:t> </a:t>
-              </a:r>
-            </a:p>
-            <a:p>
-              <a:pPr marL="0" marR="0" indent="0" algn="l" defTabSz="914400" rtl="0" eaLnBrk="1" fontAlgn="ctr" latinLnBrk="0" hangingPunct="1">
-                <a:lnSpc>
-                  <a:spcPct val="100000"/>
-                </a:lnSpc>
-                <a:spcBef>
-                  <a:spcPct val="0"/>
-                </a:spcBef>
-                <a:spcAft>
-                  <a:spcPct val="0"/>
-                </a:spcAft>
-                <a:buClrTx/>
-                <a:buSzTx/>
-                <a:buFontTx/>
-                <a:buNone/>
-                <a:tabLst/>
-              </a:pPr>
-              <a:r>
-                <a:rPr kumimoji="1" lang="en-US" sz="1600" b="0" i="0" u="none" strike="noStrike" cap="none" normalizeH="0" baseline="0" dirty="0" smtClean="0">
-                  <a:ln>
-                    <a:noFill/>
-                  </a:ln>
-                  <a:solidFill>
-                    <a:schemeClr val="tx1"/>
-                  </a:solidFill>
-                  <a:effectLst/>
-                  <a:latin typeface="Fujitsu Sans" panose="020B0404060202020204" pitchFamily="34" charset="0"/>
-                  <a:ea typeface="ＭＳ Ｐゴシック" pitchFamily="50" charset="-128"/>
-                </a:rPr>
-                <a:t>OpenStack</a:t>
-              </a:r>
-              <a:endParaRPr kumimoji="1" lang="en-US" sz="1800" b="0" i="0" u="none" strike="noStrike" cap="none" normalizeH="0" baseline="0" dirty="0" smtClean="0">
-                <a:ln>
-                  <a:noFill/>
-                </a:ln>
-                <a:solidFill>
-                  <a:schemeClr val="tx1"/>
-                </a:solidFill>
-                <a:effectLst/>
-                <a:latin typeface="Fujitsu Sans" panose="020B0404060202020204" pitchFamily="34" charset="0"/>
-                <a:ea typeface="ＭＳ Ｐゴシック" pitchFamily="50" charset="-128"/>
-              </a:endParaRPr>
-            </a:p>
-          </p:txBody>
-        </p:sp>
-        <p:sp>
-          <p:nvSpPr>
-            <p:cNvPr id="45" name="TextBox 44"/>
-            <p:cNvSpPr txBox="1"/>
-            <p:nvPr/>
-          </p:nvSpPr>
-          <p:spPr>
-            <a:xfrm>
-              <a:off x="2237832" y="2348880"/>
-              <a:ext cx="749992" cy="338554"/>
-            </a:xfrm>
-            <a:prstGeom prst="rect">
-              <a:avLst/>
-            </a:prstGeom>
-            <a:noFill/>
-          </p:spPr>
-          <p:txBody>
-            <a:bodyPr wrap="square" rtlCol="0">
-              <a:spAutoFit/>
-            </a:bodyPr>
-            <a:lstStyle/>
-            <a:p>
-              <a:r>
-                <a:rPr lang="en-US" sz="1600" dirty="0" smtClean="0">
-                  <a:latin typeface="Fujitsu Sans" panose="020B0404060202020204" pitchFamily="34" charset="0"/>
-                </a:rPr>
-                <a:t> CMM</a:t>
-              </a:r>
-              <a:endParaRPr lang="en-US" sz="1600" dirty="0">
-                <a:latin typeface="Fujitsu Sans" panose="020B0404060202020204" pitchFamily="34" charset="0"/>
-              </a:endParaRPr>
-            </a:p>
-          </p:txBody>
-        </p:sp>
-        <p:sp>
-          <p:nvSpPr>
-            <p:cNvPr id="13" name="Rectangle 12"/>
-            <p:cNvSpPr/>
-            <p:nvPr/>
-          </p:nvSpPr>
-          <p:spPr bwMode="auto">
-            <a:xfrm>
-              <a:off x="4857306" y="3068960"/>
-              <a:ext cx="2119101" cy="224920"/>
-            </a:xfrm>
-            <a:prstGeom prst="rect">
-              <a:avLst/>
-            </a:prstGeom>
-            <a:ln w="9525">
-              <a:solidFill>
-                <a:schemeClr val="tx1"/>
-              </a:solidFill>
-              <a:headEnd type="none" w="med" len="med"/>
-              <a:tailEnd type="none" w="med" len="med"/>
-            </a:ln>
-          </p:spPr>
-          <p:style>
-            <a:lnRef idx="2">
-              <a:schemeClr val="accent2">
-                <a:shade val="50000"/>
-              </a:schemeClr>
-            </a:lnRef>
-            <a:fillRef idx="1">
-              <a:schemeClr val="accent2"/>
-            </a:fillRef>
-            <a:effectRef idx="0">
-              <a:schemeClr val="accent2"/>
-            </a:effectRef>
-            <a:fontRef idx="minor">
-              <a:schemeClr val="lt1"/>
-            </a:fontRef>
-          </p:style>
-          <p:txBody>
-            <a:bodyPr vert="horz" wrap="none" lIns="91440" tIns="45720" rIns="91440" bIns="45720" numCol="1" rtlCol="0" anchor="ctr" anchorCtr="0" compatLnSpc="1">
-              <a:prstTxWarp prst="textNoShape">
-                <a:avLst/>
-              </a:prstTxWarp>
-            </a:bodyPr>
-            <a:lstStyle/>
-            <a:p>
-              <a:pPr marL="0" marR="0" indent="0" algn="l" defTabSz="914400" rtl="0" eaLnBrk="1" fontAlgn="ctr" latinLnBrk="0" hangingPunct="1">
-                <a:lnSpc>
-                  <a:spcPct val="100000"/>
-                </a:lnSpc>
-                <a:spcBef>
-                  <a:spcPct val="0"/>
-                </a:spcBef>
-                <a:spcAft>
-                  <a:spcPct val="0"/>
-                </a:spcAft>
-                <a:buClrTx/>
-                <a:buSzTx/>
-                <a:buFontTx/>
-                <a:buNone/>
-                <a:tabLst/>
-              </a:pPr>
-              <a:r>
-                <a:rPr kumimoji="1" lang="en-US" sz="1600" b="0" i="0" u="none" strike="noStrike" cap="none" normalizeH="0" baseline="0" dirty="0" smtClean="0">
-                  <a:ln>
-                    <a:noFill/>
-                  </a:ln>
-                  <a:solidFill>
-                    <a:schemeClr val="bg1"/>
-                  </a:solidFill>
-                  <a:effectLst/>
-                  <a:latin typeface="Fujitsu Sans" panose="020B0404060202020204" pitchFamily="34" charset="0"/>
-                  <a:ea typeface="ＭＳ Ｐゴシック" pitchFamily="50" charset="-128"/>
-                </a:rPr>
-                <a:t>CMM Metrics Agent </a:t>
-              </a:r>
-            </a:p>
-          </p:txBody>
-        </p:sp>
-      </p:grpSp>
-    </p:spTree>
-  </p:cSld>
-  <p:clrMapOvr>
-    <a:masterClrMapping/>
-  </p:clrMapOvr>
-  <p:timing>
-    <p:tnLst>
-      <p:par>
-        <p:cTn id="1" dur="indefinite" restart="never" nodeType="tmRoot"/>
-      </p:par>
-    </p:tnLst>
-  </p:timing>
-</p:sld>
-</file>
-
-<file path=ppt/slides/slide2.xml><?xml version="1.0" encoding="utf-8"?>
-<p:sld xmlns:a="http://schemas.openxmlformats.org/drawingml/2006/main" xmlns:r="http://schemas.openxmlformats.org/officeDocument/2006/relationships" xmlns:p="http://schemas.openxmlformats.org/presentationml/2006/main">
-  <p:cSld>
-    <p:spTree>
-      <p:nvGrpSpPr>
-        <p:cNvPr id="1" name=""/>
-        <p:cNvGrpSpPr/>
-        <p:nvPr/>
-      </p:nvGrpSpPr>
-      <p:grpSpPr>
-        <a:xfrm>
-          <a:off x="0" y="0"/>
-          <a:ext cx="0" cy="0"/>
-          <a:chOff x="0" y="0"/>
-          <a:chExt cx="0" cy="0"/>
-        </a:xfrm>
-      </p:grpSpPr>
-      <p:sp>
-        <p:nvSpPr>
-          <p:cNvPr id="3" name="Rectangle 5"/>
-          <p:cNvSpPr/>
-          <p:nvPr/>
-        </p:nvSpPr>
-        <p:spPr bwMode="auto">
-          <a:xfrm rot="10800000">
-            <a:off x="2391876" y="1916832"/>
-            <a:ext cx="4340364" cy="1584179"/>
-          </a:xfrm>
-          <a:custGeom>
-            <a:avLst/>
-            <a:gdLst>
-              <a:gd name="connsiteX0" fmla="*/ 0 w 2880444"/>
-              <a:gd name="connsiteY0" fmla="*/ 0 h 1152128"/>
-              <a:gd name="connsiteX1" fmla="*/ 1440160 w 2880444"/>
-              <a:gd name="connsiteY1" fmla="*/ 0 h 1152128"/>
-              <a:gd name="connsiteX2" fmla="*/ 1430670 w 2880444"/>
-              <a:gd name="connsiteY2" fmla="*/ 576064 h 1152128"/>
-              <a:gd name="connsiteX3" fmla="*/ 2880444 w 2880444"/>
-              <a:gd name="connsiteY3" fmla="*/ 576064 h 1152128"/>
-              <a:gd name="connsiteX4" fmla="*/ 2880444 w 2880444"/>
-              <a:gd name="connsiteY4" fmla="*/ 1152128 h 1152128"/>
-              <a:gd name="connsiteX5" fmla="*/ 1440160 w 2880444"/>
-              <a:gd name="connsiteY5" fmla="*/ 1152128 h 1152128"/>
-              <a:gd name="connsiteX6" fmla="*/ 732408 w 2880444"/>
-              <a:gd name="connsiteY6" fmla="*/ 1152128 h 1152128"/>
-              <a:gd name="connsiteX7" fmla="*/ 0 w 2880444"/>
-              <a:gd name="connsiteY7" fmla="*/ 1152128 h 1152128"/>
-              <a:gd name="connsiteX8" fmla="*/ 0 w 2880444"/>
-              <a:gd name="connsiteY8" fmla="*/ 0 h 1152128"/>
-              <a:gd name="connsiteX0" fmla="*/ 0 w 2880444"/>
-              <a:gd name="connsiteY0" fmla="*/ 0 h 1152128"/>
-              <a:gd name="connsiteX1" fmla="*/ 1432568 w 2880444"/>
-              <a:gd name="connsiteY1" fmla="*/ 0 h 1152128"/>
-              <a:gd name="connsiteX2" fmla="*/ 1430670 w 2880444"/>
-              <a:gd name="connsiteY2" fmla="*/ 576064 h 1152128"/>
-              <a:gd name="connsiteX3" fmla="*/ 2880444 w 2880444"/>
-              <a:gd name="connsiteY3" fmla="*/ 576064 h 1152128"/>
-              <a:gd name="connsiteX4" fmla="*/ 2880444 w 2880444"/>
-              <a:gd name="connsiteY4" fmla="*/ 1152128 h 1152128"/>
-              <a:gd name="connsiteX5" fmla="*/ 1440160 w 2880444"/>
-              <a:gd name="connsiteY5" fmla="*/ 1152128 h 1152128"/>
-              <a:gd name="connsiteX6" fmla="*/ 732408 w 2880444"/>
-              <a:gd name="connsiteY6" fmla="*/ 1152128 h 1152128"/>
-              <a:gd name="connsiteX7" fmla="*/ 0 w 2880444"/>
-              <a:gd name="connsiteY7" fmla="*/ 1152128 h 1152128"/>
-              <a:gd name="connsiteX8" fmla="*/ 0 w 2880444"/>
-              <a:gd name="connsiteY8" fmla="*/ 0 h 1152128"/>
-              <a:gd name="connsiteX0" fmla="*/ 0 w 2880444"/>
-              <a:gd name="connsiteY0" fmla="*/ 0 h 1152128"/>
-              <a:gd name="connsiteX1" fmla="*/ 1432568 w 2880444"/>
-              <a:gd name="connsiteY1" fmla="*/ 0 h 1152128"/>
-              <a:gd name="connsiteX2" fmla="*/ 1421179 w 2880444"/>
-              <a:gd name="connsiteY2" fmla="*/ 576064 h 1152128"/>
-              <a:gd name="connsiteX3" fmla="*/ 2880444 w 2880444"/>
-              <a:gd name="connsiteY3" fmla="*/ 576064 h 1152128"/>
-              <a:gd name="connsiteX4" fmla="*/ 2880444 w 2880444"/>
-              <a:gd name="connsiteY4" fmla="*/ 1152128 h 1152128"/>
-              <a:gd name="connsiteX5" fmla="*/ 1440160 w 2880444"/>
-              <a:gd name="connsiteY5" fmla="*/ 1152128 h 1152128"/>
-              <a:gd name="connsiteX6" fmla="*/ 732408 w 2880444"/>
-              <a:gd name="connsiteY6" fmla="*/ 1152128 h 1152128"/>
-              <a:gd name="connsiteX7" fmla="*/ 0 w 2880444"/>
-              <a:gd name="connsiteY7" fmla="*/ 1152128 h 1152128"/>
-              <a:gd name="connsiteX8" fmla="*/ 0 w 2880444"/>
-              <a:gd name="connsiteY8" fmla="*/ 0 h 1152128"/>
-              <a:gd name="connsiteX0" fmla="*/ 0 w 2880444"/>
-              <a:gd name="connsiteY0" fmla="*/ 0 h 1152128"/>
-              <a:gd name="connsiteX1" fmla="*/ 1421180 w 2880444"/>
-              <a:gd name="connsiteY1" fmla="*/ 0 h 1152128"/>
-              <a:gd name="connsiteX2" fmla="*/ 1421179 w 2880444"/>
-              <a:gd name="connsiteY2" fmla="*/ 576064 h 1152128"/>
-              <a:gd name="connsiteX3" fmla="*/ 2880444 w 2880444"/>
-              <a:gd name="connsiteY3" fmla="*/ 576064 h 1152128"/>
-              <a:gd name="connsiteX4" fmla="*/ 2880444 w 2880444"/>
-              <a:gd name="connsiteY4" fmla="*/ 1152128 h 1152128"/>
-              <a:gd name="connsiteX5" fmla="*/ 1440160 w 2880444"/>
-              <a:gd name="connsiteY5" fmla="*/ 1152128 h 1152128"/>
-              <a:gd name="connsiteX6" fmla="*/ 732408 w 2880444"/>
-              <a:gd name="connsiteY6" fmla="*/ 1152128 h 1152128"/>
-              <a:gd name="connsiteX7" fmla="*/ 0 w 2880444"/>
-              <a:gd name="connsiteY7" fmla="*/ 1152128 h 1152128"/>
-              <a:gd name="connsiteX8" fmla="*/ 0 w 2880444"/>
-              <a:gd name="connsiteY8" fmla="*/ 0 h 1152128"/>
-            </a:gdLst>
-            <a:ahLst/>
-            <a:cxnLst>
-              <a:cxn ang="0">
-                <a:pos x="connsiteX0" y="connsiteY0"/>
-              </a:cxn>
-              <a:cxn ang="0">
-                <a:pos x="connsiteX1" y="connsiteY1"/>
-              </a:cxn>
-              <a:cxn ang="0">
-                <a:pos x="connsiteX2" y="connsiteY2"/>
-              </a:cxn>
-              <a:cxn ang="0">
-                <a:pos x="connsiteX3" y="connsiteY3"/>
-              </a:cxn>
-              <a:cxn ang="0">
-                <a:pos x="connsiteX4" y="connsiteY4"/>
-              </a:cxn>
-              <a:cxn ang="0">
-                <a:pos x="connsiteX5" y="connsiteY5"/>
-              </a:cxn>
-              <a:cxn ang="0">
-                <a:pos x="connsiteX6" y="connsiteY6"/>
-              </a:cxn>
-              <a:cxn ang="0">
-                <a:pos x="connsiteX7" y="connsiteY7"/>
-              </a:cxn>
-              <a:cxn ang="0">
-                <a:pos x="connsiteX8" y="connsiteY8"/>
-              </a:cxn>
-            </a:cxnLst>
-            <a:rect l="l" t="t" r="r" b="b"/>
-            <a:pathLst>
-              <a:path w="2880444" h="1152128">
-                <a:moveTo>
-                  <a:pt x="0" y="0"/>
-                </a:moveTo>
-                <a:lnTo>
-                  <a:pt x="1421180" y="0"/>
-                </a:lnTo>
-                <a:cubicBezTo>
-                  <a:pt x="1420547" y="192021"/>
-                  <a:pt x="1421812" y="384043"/>
-                  <a:pt x="1421179" y="576064"/>
-                </a:cubicBezTo>
-                <a:lnTo>
-                  <a:pt x="2880444" y="576064"/>
-                </a:lnTo>
-                <a:lnTo>
-                  <a:pt x="2880444" y="1152128"/>
-                </a:lnTo>
-                <a:lnTo>
-                  <a:pt x="1440160" y="1152128"/>
-                </a:lnTo>
-                <a:lnTo>
-                  <a:pt x="732408" y="1152128"/>
-                </a:lnTo>
-                <a:lnTo>
-                  <a:pt x="0" y="1152128"/>
-                </a:lnTo>
-                <a:lnTo>
-                  <a:pt x="0" y="0"/>
-                </a:lnTo>
-                <a:close/>
-              </a:path>
-            </a:pathLst>
-          </a:custGeom>
-          <a:solidFill>
-            <a:srgbClr val="FBE2E1"/>
-          </a:solidFill>
-          <a:ln w="19050">
-            <a:solidFill>
-              <a:schemeClr val="tx1"/>
-            </a:solidFill>
-            <a:prstDash val="solid"/>
-            <a:headEnd type="none" w="med" len="med"/>
-            <a:tailEnd type="none" w="med" len="med"/>
-          </a:ln>
-        </p:spPr>
-        <p:style>
-          <a:lnRef idx="2">
-            <a:schemeClr val="accent2">
-              <a:shade val="50000"/>
-            </a:schemeClr>
-          </a:lnRef>
-          <a:fillRef idx="1">
-            <a:schemeClr val="accent2"/>
-          </a:fillRef>
-          <a:effectRef idx="0">
-            <a:schemeClr val="accent2"/>
-          </a:effectRef>
-          <a:fontRef idx="minor">
-            <a:schemeClr val="lt1"/>
-          </a:fontRef>
-        </p:style>
-        <p:txBody>
-          <a:bodyPr vert="horz" wrap="none" lIns="91440" tIns="45720" rIns="91440" bIns="45720" numCol="1" rtlCol="0" anchor="t" anchorCtr="0" compatLnSpc="1">
-            <a:prstTxWarp prst="textNoShape">
-              <a:avLst/>
-            </a:prstTxWarp>
-          </a:bodyPr>
-          <a:lstStyle/>
-          <a:p>
-            <a:pPr marL="0" marR="0" indent="0" algn="l" defTabSz="914400" rtl="0" eaLnBrk="1" fontAlgn="ctr" latinLnBrk="0" hangingPunct="1">
-              <a:lnSpc>
-                <a:spcPct val="100000"/>
-              </a:lnSpc>
-              <a:spcBef>
-                <a:spcPct val="0"/>
-              </a:spcBef>
-              <a:spcAft>
-                <a:spcPct val="0"/>
-              </a:spcAft>
-              <a:buClrTx/>
-              <a:buSzTx/>
-              <a:buFontTx/>
-              <a:buNone/>
-              <a:tabLst/>
-            </a:pPr>
-            <a:endParaRPr kumimoji="1" lang="en-US" sz="1600" b="0" i="0" u="none" strike="noStrike" cap="none" normalizeH="0" baseline="0" dirty="0" smtClean="0">
-              <a:ln>
-                <a:noFill/>
-              </a:ln>
-              <a:solidFill>
-                <a:schemeClr val="tx1"/>
-              </a:solidFill>
-              <a:effectLst/>
-              <a:latin typeface="Fujitsu Sans" panose="020B0404060202020204" pitchFamily="34" charset="0"/>
-              <a:ea typeface="ＭＳ Ｐゴシック" pitchFamily="50" charset="-128"/>
-            </a:endParaRPr>
-          </a:p>
-        </p:txBody>
-      </p:sp>
-      <p:sp>
-        <p:nvSpPr>
-          <p:cNvPr id="4" name="Rectangle 3"/>
-          <p:cNvSpPr/>
-          <p:nvPr/>
-        </p:nvSpPr>
-        <p:spPr bwMode="auto">
-          <a:xfrm>
-            <a:off x="3878146" y="1988840"/>
-            <a:ext cx="2747096" cy="554578"/>
-          </a:xfrm>
-          <a:prstGeom prst="rect">
-            <a:avLst/>
-          </a:prstGeom>
-          <a:ln w="9525">
-            <a:solidFill>
-              <a:schemeClr val="tx1"/>
-            </a:solidFill>
-            <a:headEnd type="none" w="med" len="med"/>
-            <a:tailEnd type="none" w="med" len="med"/>
-          </a:ln>
-        </p:spPr>
-        <p:style>
-          <a:lnRef idx="2">
-            <a:schemeClr val="accent2">
-              <a:shade val="50000"/>
-            </a:schemeClr>
-          </a:lnRef>
-          <a:fillRef idx="1">
-            <a:schemeClr val="accent2"/>
-          </a:fillRef>
-          <a:effectRef idx="0">
-            <a:schemeClr val="accent2"/>
-          </a:effectRef>
-          <a:fontRef idx="minor">
-            <a:schemeClr val="lt1"/>
-          </a:fontRef>
-        </p:style>
-        <p:txBody>
-          <a:bodyPr vert="horz" wrap="none" lIns="91440" tIns="45720" rIns="91440" bIns="45720" numCol="1" rtlCol="0" anchor="ctr" anchorCtr="0" compatLnSpc="1">
-            <a:prstTxWarp prst="textNoShape">
-              <a:avLst/>
-            </a:prstTxWarp>
-          </a:bodyPr>
-          <a:lstStyle/>
-          <a:p>
-            <a:pPr algn="l"/>
-            <a:r>
-              <a:rPr lang="en-US" sz="1100" dirty="0" smtClean="0">
-                <a:solidFill>
-                  <a:schemeClr val="bg1"/>
-                </a:solidFill>
-                <a:latin typeface="Fujitsu Sans" panose="020B0404060202020204" pitchFamily="34" charset="0"/>
-                <a:ea typeface="ＭＳ Ｐゴシック" pitchFamily="50" charset="-128"/>
-              </a:rPr>
-              <a:t>                         </a:t>
-            </a:r>
-          </a:p>
-          <a:p>
-            <a:pPr algn="l">
-              <a:lnSpc>
-                <a:spcPts val="1300"/>
-              </a:lnSpc>
-            </a:pPr>
-            <a:r>
-              <a:rPr lang="en-US" sz="1100" dirty="0">
-                <a:solidFill>
-                  <a:schemeClr val="bg1"/>
-                </a:solidFill>
-                <a:latin typeface="Fujitsu Sans" panose="020B0404060202020204" pitchFamily="34" charset="0"/>
-                <a:ea typeface="ＭＳ Ｐゴシック" pitchFamily="50" charset="-128"/>
-              </a:rPr>
-              <a:t> </a:t>
-            </a:r>
-            <a:r>
-              <a:rPr lang="en-US" sz="1100" dirty="0" smtClean="0">
-                <a:solidFill>
-                  <a:schemeClr val="bg1"/>
-                </a:solidFill>
-                <a:latin typeface="Fujitsu Sans" panose="020B0404060202020204" pitchFamily="34" charset="0"/>
-                <a:ea typeface="ＭＳ Ｐゴシック" pitchFamily="50" charset="-128"/>
-              </a:rPr>
-              <a:t>                        </a:t>
-            </a:r>
-          </a:p>
-          <a:p>
-            <a:pPr algn="l">
-              <a:lnSpc>
-                <a:spcPts val="1200"/>
-              </a:lnSpc>
-            </a:pPr>
-            <a:r>
-              <a:rPr lang="en-US" sz="1100" dirty="0">
-                <a:solidFill>
-                  <a:schemeClr val="bg1"/>
-                </a:solidFill>
-                <a:latin typeface="Fujitsu Sans" panose="020B0404060202020204" pitchFamily="34" charset="0"/>
-                <a:ea typeface="ＭＳ Ｐゴシック" pitchFamily="50" charset="-128"/>
-              </a:rPr>
-              <a:t> </a:t>
-            </a:r>
-            <a:r>
-              <a:rPr lang="en-US" sz="1100" dirty="0" smtClean="0">
-                <a:solidFill>
-                  <a:schemeClr val="bg1"/>
-                </a:solidFill>
-                <a:latin typeface="Fujitsu Sans" panose="020B0404060202020204" pitchFamily="34" charset="0"/>
-                <a:ea typeface="ＭＳ Ｐゴシック" pitchFamily="50" charset="-128"/>
-              </a:rPr>
-              <a:t>                          </a:t>
-            </a:r>
-            <a:r>
-              <a:rPr lang="en-US" sz="1600" dirty="0" smtClean="0">
-                <a:solidFill>
-                  <a:schemeClr val="bg1"/>
-                </a:solidFill>
-                <a:latin typeface="Fujitsu Sans" panose="020B0404060202020204" pitchFamily="34" charset="0"/>
-                <a:ea typeface="ＭＳ Ｐゴシック" pitchFamily="50" charset="-128"/>
-              </a:rPr>
-              <a:t>CMM Service</a:t>
-            </a:r>
-          </a:p>
-          <a:p>
-            <a:pPr algn="l">
-              <a:lnSpc>
-                <a:spcPts val="1200"/>
-              </a:lnSpc>
-            </a:pPr>
-            <a:r>
-              <a:rPr lang="de-DE" sz="1600" dirty="0" smtClean="0">
-                <a:solidFill>
-                  <a:schemeClr val="bg1"/>
-                </a:solidFill>
-                <a:latin typeface="Fujitsu Sans" panose="020B0404060202020204" pitchFamily="34" charset="0"/>
-                <a:ea typeface="ＭＳ Ｐゴシック" pitchFamily="50" charset="-128"/>
-              </a:rPr>
-              <a:t>           (based on Monasca)</a:t>
-            </a:r>
-            <a:endParaRPr lang="en-US" sz="1600" dirty="0">
-              <a:solidFill>
-                <a:schemeClr val="bg1"/>
-              </a:solidFill>
-              <a:latin typeface="Fujitsu Sans" panose="020B0404060202020204" pitchFamily="34" charset="0"/>
-              <a:ea typeface="ＭＳ Ｐゴシック" pitchFamily="50" charset="-128"/>
-            </a:endParaRPr>
-          </a:p>
-          <a:p>
-            <a:pPr algn="l"/>
-            <a:endParaRPr kumimoji="1" lang="en-US" sz="1600" b="0" i="0" u="none" strike="noStrike" cap="none" normalizeH="0" baseline="0" dirty="0" smtClean="0">
-              <a:ln>
-                <a:noFill/>
-              </a:ln>
-              <a:solidFill>
-                <a:schemeClr val="bg1"/>
-              </a:solidFill>
-              <a:effectLst/>
-              <a:latin typeface="Fujitsu Sans" panose="020B0404060202020204" pitchFamily="34" charset="0"/>
-              <a:ea typeface="ＭＳ Ｐゴシック" pitchFamily="50" charset="-128"/>
-            </a:endParaRPr>
-          </a:p>
-        </p:txBody>
-      </p:sp>
-      <p:sp>
-        <p:nvSpPr>
-          <p:cNvPr id="6" name="Rectangle 5"/>
-          <p:cNvSpPr/>
-          <p:nvPr/>
-        </p:nvSpPr>
-        <p:spPr bwMode="auto">
-          <a:xfrm>
-            <a:off x="2391877" y="2636912"/>
-            <a:ext cx="4340363" cy="936104"/>
-          </a:xfrm>
-          <a:prstGeom prst="rect">
-            <a:avLst/>
-          </a:prstGeom>
-          <a:noFill/>
-          <a:ln w="19050">
-            <a:solidFill>
-              <a:schemeClr val="tx1"/>
-            </a:solidFill>
-            <a:prstDash val="sysDot"/>
-            <a:headEnd type="none" w="med" len="med"/>
-            <a:tailEnd type="none" w="med" len="med"/>
-          </a:ln>
-        </p:spPr>
-        <p:style>
-          <a:lnRef idx="2">
-            <a:schemeClr val="dk1"/>
-          </a:lnRef>
-          <a:fillRef idx="1">
-            <a:schemeClr val="lt1"/>
-          </a:fillRef>
-          <a:effectRef idx="0">
-            <a:schemeClr val="dk1"/>
-          </a:effectRef>
-          <a:fontRef idx="minor">
-            <a:schemeClr val="dk1"/>
-          </a:fontRef>
-        </p:style>
-        <p:txBody>
-          <a:bodyPr vert="horz" wrap="none" lIns="91440" tIns="45720" rIns="91440" bIns="45720" numCol="1" rtlCol="0" anchor="t" anchorCtr="0" compatLnSpc="1">
-            <a:prstTxWarp prst="textNoShape">
-              <a:avLst/>
-            </a:prstTxWarp>
-          </a:bodyPr>
-          <a:lstStyle/>
-          <a:p>
-            <a:pPr marL="0" marR="0" indent="0" algn="l" defTabSz="914400" rtl="0" eaLnBrk="1" fontAlgn="ctr" latinLnBrk="0" hangingPunct="1">
-              <a:lnSpc>
-                <a:spcPct val="100000"/>
-              </a:lnSpc>
-              <a:spcBef>
-                <a:spcPct val="0"/>
-              </a:spcBef>
-              <a:spcAft>
-                <a:spcPct val="0"/>
-              </a:spcAft>
-              <a:buClrTx/>
-              <a:buSzTx/>
-              <a:buFontTx/>
-              <a:buNone/>
-              <a:tabLst/>
-            </a:pPr>
-            <a:r>
-              <a:rPr kumimoji="1" lang="en-US" sz="1600" b="0" i="0" u="none" strike="noStrike" cap="none" normalizeH="0" baseline="0" dirty="0" smtClean="0">
-                <a:ln>
-                  <a:noFill/>
-                </a:ln>
-                <a:solidFill>
-                  <a:schemeClr val="tx1"/>
-                </a:solidFill>
-                <a:effectLst/>
-                <a:latin typeface="Fujitsu Sans" panose="020B0404060202020204" pitchFamily="34" charset="0"/>
-                <a:ea typeface="ＭＳ Ｐゴシック" pitchFamily="50" charset="-128"/>
-              </a:rPr>
-              <a:t>    </a:t>
-            </a:r>
-          </a:p>
-          <a:p>
-            <a:pPr marL="0" marR="0" indent="0" algn="l" defTabSz="914400" rtl="0" eaLnBrk="1" fontAlgn="ctr" latinLnBrk="0" hangingPunct="1">
-              <a:lnSpc>
-                <a:spcPct val="100000"/>
-              </a:lnSpc>
-              <a:spcBef>
-                <a:spcPct val="0"/>
-              </a:spcBef>
-              <a:spcAft>
-                <a:spcPct val="0"/>
-              </a:spcAft>
-              <a:buClrTx/>
-              <a:buSzTx/>
-              <a:buFontTx/>
-              <a:buNone/>
-              <a:tabLst/>
-            </a:pPr>
-            <a:r>
-              <a:rPr kumimoji="1" lang="en-US" sz="1600" b="0" i="0" u="none" strike="noStrike" cap="none" normalizeH="0" baseline="0" dirty="0" smtClean="0">
-                <a:ln>
-                  <a:noFill/>
-                </a:ln>
-                <a:solidFill>
-                  <a:schemeClr val="tx1"/>
-                </a:solidFill>
-                <a:effectLst/>
-                <a:latin typeface="Fujitsu Sans" panose="020B0404060202020204" pitchFamily="34" charset="0"/>
-                <a:ea typeface="ＭＳ Ｐゴシック" pitchFamily="50" charset="-128"/>
-              </a:rPr>
-              <a:t> </a:t>
-            </a:r>
-          </a:p>
-          <a:p>
-            <a:pPr marL="0" marR="0" indent="0" algn="l" defTabSz="914400" rtl="0" eaLnBrk="1" fontAlgn="ctr" latinLnBrk="0" hangingPunct="1">
-              <a:lnSpc>
-                <a:spcPct val="100000"/>
-              </a:lnSpc>
-              <a:spcBef>
-                <a:spcPct val="0"/>
-              </a:spcBef>
-              <a:spcAft>
-                <a:spcPct val="0"/>
-              </a:spcAft>
-              <a:buClrTx/>
-              <a:buSzTx/>
-              <a:buFontTx/>
-              <a:buNone/>
-              <a:tabLst/>
-            </a:pPr>
-            <a:r>
-              <a:rPr kumimoji="1" lang="en-US" sz="1600" b="0" i="0" u="none" strike="noStrike" cap="none" normalizeH="0" baseline="0" dirty="0" smtClean="0">
-                <a:ln>
-                  <a:noFill/>
-                </a:ln>
-                <a:solidFill>
-                  <a:schemeClr val="tx1"/>
-                </a:solidFill>
-                <a:effectLst/>
-                <a:latin typeface="Fujitsu Sans" panose="020B0404060202020204" pitchFamily="34" charset="0"/>
-                <a:ea typeface="ＭＳ Ｐゴシック" pitchFamily="50" charset="-128"/>
-              </a:rPr>
-              <a:t>OpenStack</a:t>
-            </a:r>
-            <a:endParaRPr kumimoji="1" lang="en-US" sz="1800" b="0" i="0" u="none" strike="noStrike" cap="none" normalizeH="0" baseline="0" dirty="0" smtClean="0">
-              <a:ln>
-                <a:noFill/>
-              </a:ln>
-              <a:solidFill>
-                <a:schemeClr val="tx1"/>
-              </a:solidFill>
-              <a:effectLst/>
-              <a:latin typeface="Fujitsu Sans" panose="020B0404060202020204" pitchFamily="34" charset="0"/>
-              <a:ea typeface="ＭＳ Ｐゴシック" pitchFamily="50" charset="-128"/>
-            </a:endParaRPr>
-          </a:p>
-        </p:txBody>
-      </p:sp>
-      <p:sp>
-        <p:nvSpPr>
-          <p:cNvPr id="7" name="TextBox 6"/>
-          <p:cNvSpPr txBox="1"/>
-          <p:nvPr/>
-        </p:nvSpPr>
-        <p:spPr>
-          <a:xfrm>
-            <a:off x="2267744" y="2348880"/>
-            <a:ext cx="692545" cy="338554"/>
-          </a:xfrm>
-          <a:prstGeom prst="rect">
-            <a:avLst/>
-          </a:prstGeom>
-          <a:noFill/>
-        </p:spPr>
-        <p:txBody>
-          <a:bodyPr wrap="square" rtlCol="0">
-            <a:spAutoFit/>
-          </a:bodyPr>
-          <a:lstStyle/>
-          <a:p>
-            <a:r>
-              <a:rPr lang="en-US" sz="1600" dirty="0" smtClean="0">
-                <a:latin typeface="Fujitsu Sans" panose="020B0404060202020204" pitchFamily="34" charset="0"/>
-              </a:rPr>
-              <a:t>  CMM</a:t>
-            </a:r>
-            <a:endParaRPr lang="en-US" sz="1600" dirty="0">
-              <a:latin typeface="Fujitsu Sans" panose="020B0404060202020204" pitchFamily="34" charset="0"/>
-            </a:endParaRPr>
-          </a:p>
-        </p:txBody>
-      </p:sp>
-      <p:sp>
-        <p:nvSpPr>
-          <p:cNvPr id="5" name="Rectangle 4"/>
-          <p:cNvSpPr/>
-          <p:nvPr/>
-        </p:nvSpPr>
-        <p:spPr bwMode="auto">
-          <a:xfrm>
-            <a:off x="4668461" y="2924942"/>
-            <a:ext cx="1956781" cy="216026"/>
-          </a:xfrm>
-          <a:prstGeom prst="rect">
-            <a:avLst/>
-          </a:prstGeom>
-          <a:ln w="9525">
-            <a:solidFill>
-              <a:schemeClr val="tx1"/>
-            </a:solidFill>
-            <a:headEnd type="none" w="med" len="med"/>
-            <a:tailEnd type="none" w="med" len="med"/>
-          </a:ln>
-        </p:spPr>
-        <p:style>
-          <a:lnRef idx="2">
-            <a:schemeClr val="accent2">
-              <a:shade val="50000"/>
-            </a:schemeClr>
-          </a:lnRef>
-          <a:fillRef idx="1">
-            <a:schemeClr val="accent2"/>
-          </a:fillRef>
-          <a:effectRef idx="0">
-            <a:schemeClr val="accent2"/>
-          </a:effectRef>
-          <a:fontRef idx="minor">
-            <a:schemeClr val="lt1"/>
-          </a:fontRef>
-        </p:style>
-        <p:txBody>
-          <a:bodyPr vert="horz" wrap="none" lIns="91440" tIns="45720" rIns="91440" bIns="45720" numCol="1" rtlCol="0" anchor="ctr" anchorCtr="0" compatLnSpc="1">
-            <a:prstTxWarp prst="textNoShape">
-              <a:avLst/>
-            </a:prstTxWarp>
-          </a:bodyPr>
-          <a:lstStyle/>
-          <a:p>
-            <a:pPr marL="0" marR="0" indent="0" algn="l" defTabSz="914400" rtl="0" eaLnBrk="1" fontAlgn="ctr" latinLnBrk="0" hangingPunct="1">
-              <a:lnSpc>
-                <a:spcPct val="100000"/>
-              </a:lnSpc>
-              <a:spcBef>
-                <a:spcPct val="0"/>
-              </a:spcBef>
-              <a:spcAft>
-                <a:spcPct val="0"/>
-              </a:spcAft>
-              <a:buClrTx/>
-              <a:buSzTx/>
-              <a:buFontTx/>
-              <a:buNone/>
-              <a:tabLst/>
-            </a:pPr>
-            <a:r>
-              <a:rPr kumimoji="1" lang="en-US" sz="1600" b="0" i="0" u="none" strike="noStrike" cap="none" normalizeH="0" baseline="0" dirty="0" smtClean="0">
-                <a:ln>
-                  <a:noFill/>
-                </a:ln>
-                <a:solidFill>
-                  <a:schemeClr val="bg1"/>
-                </a:solidFill>
-                <a:effectLst/>
-                <a:latin typeface="Fujitsu Sans" panose="020B0404060202020204" pitchFamily="34" charset="0"/>
-                <a:ea typeface="ＭＳ Ｐゴシック" pitchFamily="50" charset="-128"/>
-              </a:rPr>
-              <a:t>CMM Horizon</a:t>
-            </a:r>
-            <a:r>
-              <a:rPr kumimoji="1" lang="en-US" sz="1600" b="0" i="0" u="none" strike="noStrike" cap="none" normalizeH="0" dirty="0" smtClean="0">
-                <a:ln>
-                  <a:noFill/>
-                </a:ln>
-                <a:solidFill>
-                  <a:schemeClr val="bg1"/>
-                </a:solidFill>
-                <a:effectLst/>
-                <a:latin typeface="Fujitsu Sans" panose="020B0404060202020204" pitchFamily="34" charset="0"/>
-                <a:ea typeface="ＭＳ Ｐゴシック" pitchFamily="50" charset="-128"/>
-              </a:rPr>
-              <a:t> </a:t>
-            </a:r>
-            <a:r>
-              <a:rPr kumimoji="1" lang="en-US" sz="1600" b="0" i="0" u="none" strike="noStrike" cap="none" normalizeH="0" baseline="0" dirty="0" smtClean="0">
-                <a:ln>
-                  <a:noFill/>
-                </a:ln>
-                <a:solidFill>
-                  <a:schemeClr val="bg1"/>
-                </a:solidFill>
-                <a:effectLst/>
-                <a:latin typeface="Fujitsu Sans" panose="020B0404060202020204" pitchFamily="34" charset="0"/>
-                <a:ea typeface="ＭＳ Ｐゴシック" pitchFamily="50" charset="-128"/>
-              </a:rPr>
-              <a:t>Plugin </a:t>
-            </a:r>
-          </a:p>
-        </p:txBody>
-      </p:sp>
-    </p:spTree>
-    <p:extLst>
-      <p:ext uri="{BB962C8B-B14F-4D97-AF65-F5344CB8AC3E}">
-        <p14:creationId xmlns:p14="http://schemas.microsoft.com/office/powerpoint/2010/main" val="1558794737"/>
-      </p:ext>
-    </p:extLst>
-  </p:cSld>
-  <p:clrMapOvr>
-    <a:masterClrMapping/>
-  </p:clrMapOvr>
-  <p:timing>
-    <p:tnLst>
-      <p:par>
-        <p:cTn id="1" dur="indefinite" restart="never" nodeType="tmRoot"/>
-      </p:par>
-    </p:tnLst>
-  </p:timing>
-</p:sld>
-</file>
-
-<file path=ppt/slides/slide3.xml><?xml version="1.0" encoding="utf-8"?>
-<p:sld xmlns:a="http://schemas.openxmlformats.org/drawingml/2006/main" xmlns:r="http://schemas.openxmlformats.org/officeDocument/2006/relationships" xmlns:p="http://schemas.openxmlformats.org/presentationml/2006/main">
-  <p:cSld>
-    <p:spTree>
-      <p:nvGrpSpPr>
-        <p:cNvPr id="1" name=""/>
-        <p:cNvGrpSpPr/>
-        <p:nvPr/>
-      </p:nvGrpSpPr>
-      <p:grpSpPr>
-        <a:xfrm>
-          <a:off x="0" y="0"/>
-          <a:ext cx="0" cy="0"/>
-          <a:chOff x="0" y="0"/>
-          <a:chExt cx="0" cy="0"/>
-        </a:xfrm>
-      </p:grpSpPr>
-      <p:sp>
-        <p:nvSpPr>
           <p:cNvPr id="2" name="Title 1"/>
           <p:cNvSpPr>
             <a:spLocks noGrp="1"/>
@@ -14427,7 +12391,7 @@
             <a:fld id="{4187B82A-CA21-49DD-8C10-E6A012C0F0FD}" type="slidenum">
               <a:rPr lang="de-DE" altLang="ja-JP" smtClean="0"/>
               <a:pPr/>
-              <a:t>2</a:t>
+              <a:t>0</a:t>
             </a:fld>
             <a:endParaRPr lang="de-DE" altLang="ja-JP"/>
           </a:p>
@@ -15162,17 +13126,6 @@
                 </a:rPr>
                 <a:t>Neutron</a:t>
               </a:r>
-              <a:endParaRPr kumimoji="1" lang="en-US" sz="1600" b="0" i="0" u="none" strike="noStrike" cap="none" normalizeH="0" baseline="0" dirty="0" smtClean="0">
-                <a:ln>
-                  <a:noFill/>
-                </a:ln>
-                <a:solidFill>
-                  <a:schemeClr val="tx1"/>
-                </a:solidFill>
-                <a:effectLst/>
-                <a:latin typeface="Fujitsu Sans" panose="020B0404060202020204" pitchFamily="34" charset="0"/>
-                <a:ea typeface="ＭＳ Ｐゴシック" pitchFamily="50" charset="-128"/>
-              </a:endParaRPr>
             </a:p>
           </p:txBody>
         </p:sp>
@@ -15975,4472 +13928,6 @@
   <p:clrMapOvr>
     <a:masterClrMapping/>
   </p:clrMapOvr>
-</p:sld>
-</file>
-
-<file path=ppt/slides/slide4.xml><?xml version="1.0" encoding="utf-8"?>
-<p:sld xmlns:a="http://schemas.openxmlformats.org/drawingml/2006/main" xmlns:r="http://schemas.openxmlformats.org/officeDocument/2006/relationships" xmlns:p="http://schemas.openxmlformats.org/presentationml/2006/main">
-  <p:cSld>
-    <p:spTree>
-      <p:nvGrpSpPr>
-        <p:cNvPr id="1" name=""/>
-        <p:cNvGrpSpPr/>
-        <p:nvPr/>
-      </p:nvGrpSpPr>
-      <p:grpSpPr>
-        <a:xfrm>
-          <a:off x="0" y="0"/>
-          <a:ext cx="0" cy="0"/>
-          <a:chOff x="0" y="0"/>
-          <a:chExt cx="0" cy="0"/>
-        </a:xfrm>
-      </p:grpSpPr>
-      <p:sp>
-        <p:nvSpPr>
-          <p:cNvPr id="30" name="Rectangle 29"/>
-          <p:cNvSpPr/>
-          <p:nvPr/>
-        </p:nvSpPr>
-        <p:spPr bwMode="auto">
-          <a:xfrm>
-            <a:off x="3525261" y="1751021"/>
-            <a:ext cx="1872208" cy="1245931"/>
-          </a:xfrm>
-          <a:prstGeom prst="rect">
-            <a:avLst/>
-          </a:prstGeom>
-          <a:solidFill>
-            <a:srgbClr val="FBE2E1"/>
-          </a:solidFill>
-          <a:ln w="6350" cap="flat" cmpd="sng" algn="ctr">
-            <a:solidFill>
-              <a:srgbClr val="57564F"/>
-            </a:solidFill>
-            <a:prstDash val="dash"/>
-            <a:round/>
-            <a:headEnd type="none" w="med" len="med"/>
-            <a:tailEnd type="none" w="med" len="med"/>
-          </a:ln>
-          <a:effectLst/>
-          <a:extLst/>
-        </p:spPr>
-        <p:txBody>
-          <a:bodyPr vert="horz" wrap="none" lIns="91440" tIns="45720" rIns="91440" bIns="45720" numCol="1" rtlCol="0" anchor="t" anchorCtr="0" compatLnSpc="1">
-            <a:prstTxWarp prst="textNoShape">
-              <a:avLst/>
-            </a:prstTxWarp>
-          </a:bodyPr>
-          <a:lstStyle/>
-          <a:p>
-            <a:pPr algn="l"/>
-            <a:r>
-              <a:rPr lang="en-US" sz="1000" dirty="0" smtClean="0">
-                <a:latin typeface="Fujitsu Sans" panose="020B0404060202020204" pitchFamily="34" charset="0"/>
-              </a:rPr>
-              <a:t>Cluster Management</a:t>
-            </a:r>
-            <a:endParaRPr lang="en-US" sz="1000" dirty="0">
-              <a:latin typeface="Fujitsu Sans" panose="020B0404060202020204" pitchFamily="34" charset="0"/>
-            </a:endParaRPr>
-          </a:p>
-        </p:txBody>
-      </p:sp>
-      <p:sp>
-        <p:nvSpPr>
-          <p:cNvPr id="386089" name="Rectangle 41"/>
-          <p:cNvSpPr>
-            <a:spLocks noGrp="1" noChangeArrowheads="1"/>
-          </p:cNvSpPr>
-          <p:nvPr>
-            <p:ph type="title"/>
-          </p:nvPr>
-        </p:nvSpPr>
-        <p:spPr/>
-        <p:txBody>
-          <a:bodyPr/>
-          <a:lstStyle/>
-          <a:p>
-            <a:r>
-              <a:rPr lang="de-DE" altLang="en-US" dirty="0" smtClean="0">
-                <a:latin typeface="Fujitsu Sans" panose="020B0404060202020204" pitchFamily="34" charset="0"/>
-              </a:rPr>
-              <a:t>NOT USED</a:t>
-            </a:r>
-            <a:endParaRPr lang="en-US" altLang="en-US" dirty="0">
-              <a:latin typeface="Fujitsu Sans" panose="020B0404060202020204" pitchFamily="34" charset="0"/>
-            </a:endParaRPr>
-          </a:p>
-        </p:txBody>
-      </p:sp>
-      <p:grpSp>
-        <p:nvGrpSpPr>
-          <p:cNvPr id="60" name="Group 59"/>
-          <p:cNvGrpSpPr/>
-          <p:nvPr/>
-        </p:nvGrpSpPr>
-        <p:grpSpPr>
-          <a:xfrm>
-            <a:off x="1903160" y="3918243"/>
-            <a:ext cx="580608" cy="950917"/>
-            <a:chOff x="1103624" y="3591158"/>
-            <a:chExt cx="580608" cy="950917"/>
-          </a:xfrm>
-        </p:grpSpPr>
-        <p:pic>
-          <p:nvPicPr>
-            <p:cNvPr id="61" name="Picture 157" descr="fj_person.png"/>
-            <p:cNvPicPr>
-              <a:picLocks noChangeAspect="1"/>
-            </p:cNvPicPr>
-            <p:nvPr/>
-          </p:nvPicPr>
-          <p:blipFill rotWithShape="1">
-            <a:blip r:embed="rId3" cstate="print"/>
-            <a:srcRect l="16537" t="10102" r="18612" b="13337"/>
-            <a:stretch/>
-          </p:blipFill>
-          <p:spPr bwMode="auto">
-            <a:xfrm>
-              <a:off x="1177038" y="3591158"/>
-              <a:ext cx="433779" cy="540340"/>
-            </a:xfrm>
-            <a:prstGeom prst="rect">
-              <a:avLst/>
-            </a:prstGeom>
-            <a:noFill/>
-            <a:ln w="9525">
-              <a:noFill/>
-              <a:miter lim="800000"/>
-              <a:headEnd/>
-              <a:tailEnd/>
-            </a:ln>
-          </p:spPr>
-        </p:pic>
-        <p:sp>
-          <p:nvSpPr>
-            <p:cNvPr id="62" name="TextBox 61"/>
-            <p:cNvSpPr txBox="1"/>
-            <p:nvPr/>
-          </p:nvSpPr>
-          <p:spPr>
-            <a:xfrm>
-              <a:off x="1103624" y="4111188"/>
-              <a:ext cx="580608" cy="430887"/>
-            </a:xfrm>
-            <a:prstGeom prst="rect">
-              <a:avLst/>
-            </a:prstGeom>
-            <a:noFill/>
-          </p:spPr>
-          <p:txBody>
-            <a:bodyPr wrap="none" rtlCol="0">
-              <a:spAutoFit/>
-            </a:bodyPr>
-            <a:lstStyle/>
-            <a:p>
-              <a:r>
-                <a:rPr lang="en-US" sz="1100" dirty="0" smtClean="0">
-                  <a:latin typeface="Fujitsu Sans" panose="020B0404060202020204" pitchFamily="34" charset="0"/>
-                </a:rPr>
-                <a:t>Cluster</a:t>
-              </a:r>
-            </a:p>
-            <a:p>
-              <a:r>
-                <a:rPr lang="en-US" sz="1100" dirty="0" smtClean="0">
-                  <a:latin typeface="Fujitsu Sans" panose="020B0404060202020204" pitchFamily="34" charset="0"/>
-                </a:rPr>
-                <a:t>User</a:t>
-              </a:r>
-            </a:p>
-          </p:txBody>
-        </p:sp>
-      </p:grpSp>
-      <p:sp>
-        <p:nvSpPr>
-          <p:cNvPr id="63" name="Rounded Rectangle 62"/>
-          <p:cNvSpPr/>
-          <p:nvPr/>
-        </p:nvSpPr>
-        <p:spPr bwMode="gray">
-          <a:xfrm>
-            <a:off x="1750691" y="1638547"/>
-            <a:ext cx="817930" cy="295200"/>
-          </a:xfrm>
-          <a:prstGeom prst="roundRect">
-            <a:avLst/>
-          </a:prstGeom>
-          <a:solidFill>
-            <a:srgbClr val="B22B30"/>
-          </a:solidFill>
-          <a:ln w="9525" cap="flat" cmpd="sng" algn="ctr">
-            <a:solidFill>
-              <a:srgbClr val="B22B30"/>
-            </a:solidFill>
-            <a:prstDash val="solid"/>
-            <a:round/>
-            <a:headEnd type="none" w="med" len="med"/>
-            <a:tailEnd type="none" w="med" len="med"/>
-          </a:ln>
-          <a:effectLst/>
-          <a:extLst>
-            <a:ext uri="{AF507438-7753-43E0-B8FC-AC1667EBCBE1}">
-              <a14:hiddenEffects xmlns:a14="http://schemas.microsoft.com/office/drawing/2010/main">
-                <a:effectLst>
-                  <a:outerShdw dist="53882" dir="2700000" algn="ctr" rotWithShape="0">
-                    <a:schemeClr val="bg2">
-                      <a:alpha val="50000"/>
-                    </a:schemeClr>
-                  </a:outerShdw>
-                </a:effectLst>
-              </a14:hiddenEffects>
-            </a:ext>
-          </a:extLst>
-        </p:spPr>
-        <p:txBody>
-          <a:bodyPr vert="horz" wrap="none" lIns="91440" tIns="45720" rIns="91440" bIns="45720" numCol="1" rtlCol="0" anchor="ctr" anchorCtr="0" compatLnSpc="1">
-            <a:prstTxWarp prst="textNoShape">
-              <a:avLst/>
-            </a:prstTxWarp>
-          </a:bodyPr>
-          <a:lstStyle/>
-          <a:p>
-            <a:pPr marL="0" marR="0" indent="0" algn="ctr" defTabSz="914400" rtl="0" eaLnBrk="1" fontAlgn="ctr" latinLnBrk="0" hangingPunct="1">
-              <a:lnSpc>
-                <a:spcPct val="100000"/>
-              </a:lnSpc>
-              <a:spcBef>
-                <a:spcPct val="0"/>
-              </a:spcBef>
-              <a:spcAft>
-                <a:spcPct val="0"/>
-              </a:spcAft>
-              <a:buClrTx/>
-              <a:buSzTx/>
-              <a:buFontTx/>
-              <a:buNone/>
-              <a:tabLst/>
-            </a:pPr>
-            <a:r>
-              <a:rPr lang="en-US" sz="1100" dirty="0" smtClean="0">
-                <a:solidFill>
-                  <a:srgbClr val="FFFFFF"/>
-                </a:solidFill>
-                <a:latin typeface="Fujitsu Sans" panose="020B0404060202020204" pitchFamily="34" charset="0"/>
-              </a:rPr>
-              <a:t>Installer</a:t>
-            </a:r>
-            <a:endParaRPr kumimoji="1" lang="en-US" sz="1100" b="0" i="0" u="none" strike="noStrike" cap="none" normalizeH="0" baseline="0" dirty="0" smtClean="0">
-              <a:ln>
-                <a:noFill/>
-              </a:ln>
-              <a:solidFill>
-                <a:srgbClr val="FFFFFF"/>
-              </a:solidFill>
-              <a:effectLst/>
-              <a:latin typeface="Fujitsu Sans" panose="020B0404060202020204" pitchFamily="34" charset="0"/>
-            </a:endParaRPr>
-          </a:p>
-        </p:txBody>
-      </p:sp>
-      <p:sp>
-        <p:nvSpPr>
-          <p:cNvPr id="64" name="Rounded Rectangle 63"/>
-          <p:cNvSpPr/>
-          <p:nvPr/>
-        </p:nvSpPr>
-        <p:spPr bwMode="gray">
-          <a:xfrm>
-            <a:off x="3599785" y="2042637"/>
-            <a:ext cx="1655973" cy="295200"/>
-          </a:xfrm>
-          <a:prstGeom prst="roundRect">
-            <a:avLst/>
-          </a:prstGeom>
-          <a:solidFill>
-            <a:srgbClr val="B22B30"/>
-          </a:solidFill>
-          <a:ln w="9525" cap="flat" cmpd="sng" algn="ctr">
-            <a:solidFill>
-              <a:srgbClr val="B22B30"/>
-            </a:solidFill>
-            <a:prstDash val="solid"/>
-            <a:round/>
-            <a:headEnd type="none" w="med" len="med"/>
-            <a:tailEnd type="none" w="med" len="med"/>
-          </a:ln>
-          <a:effectLst/>
-          <a:extLst>
-            <a:ext uri="{AF507438-7753-43E0-B8FC-AC1667EBCBE1}">
-              <a14:hiddenEffects xmlns:a14="http://schemas.microsoft.com/office/drawing/2010/main">
-                <a:effectLst>
-                  <a:outerShdw dist="53882" dir="2700000" algn="ctr" rotWithShape="0">
-                    <a:schemeClr val="bg2">
-                      <a:alpha val="50000"/>
-                    </a:schemeClr>
-                  </a:outerShdw>
-                </a:effectLst>
-              </a14:hiddenEffects>
-            </a:ext>
-          </a:extLst>
-        </p:spPr>
-        <p:txBody>
-          <a:bodyPr vert="horz" wrap="none" lIns="91440" tIns="45720" rIns="91440" bIns="45720" numCol="1" rtlCol="0" anchor="ctr" anchorCtr="0" compatLnSpc="1">
-            <a:prstTxWarp prst="textNoShape">
-              <a:avLst/>
-            </a:prstTxWarp>
-          </a:bodyPr>
-          <a:lstStyle/>
-          <a:p>
-            <a:r>
-              <a:rPr lang="en-US" sz="1100" dirty="0">
-                <a:solidFill>
-                  <a:schemeClr val="bg1"/>
-                </a:solidFill>
-                <a:latin typeface="Fujitsu Sans" panose="020B0404060202020204" pitchFamily="34" charset="0"/>
-              </a:rPr>
-              <a:t>Cluster Management UI</a:t>
-            </a:r>
-          </a:p>
-        </p:txBody>
-      </p:sp>
-      <p:sp>
-        <p:nvSpPr>
-          <p:cNvPr id="65" name="Rounded Rectangle 64"/>
-          <p:cNvSpPr/>
-          <p:nvPr/>
-        </p:nvSpPr>
-        <p:spPr bwMode="gray">
-          <a:xfrm>
-            <a:off x="3599785" y="2601786"/>
-            <a:ext cx="1655973" cy="295200"/>
-          </a:xfrm>
-          <a:prstGeom prst="roundRect">
-            <a:avLst/>
-          </a:prstGeom>
-          <a:solidFill>
-            <a:srgbClr val="B22B30"/>
-          </a:solidFill>
-          <a:ln w="9525" cap="flat" cmpd="sng" algn="ctr">
-            <a:solidFill>
-              <a:srgbClr val="B22B30"/>
-            </a:solidFill>
-            <a:prstDash val="solid"/>
-            <a:round/>
-            <a:headEnd type="none" w="med" len="med"/>
-            <a:tailEnd type="none" w="med" len="med"/>
-          </a:ln>
-          <a:effectLst/>
-          <a:extLst>
-            <a:ext uri="{AF507438-7753-43E0-B8FC-AC1667EBCBE1}">
-              <a14:hiddenEffects xmlns:a14="http://schemas.microsoft.com/office/drawing/2010/main">
-                <a:effectLst>
-                  <a:outerShdw dist="53882" dir="2700000" algn="ctr" rotWithShape="0">
-                    <a:schemeClr val="bg2">
-                      <a:alpha val="50000"/>
-                    </a:schemeClr>
-                  </a:outerShdw>
-                </a:effectLst>
-              </a14:hiddenEffects>
-            </a:ext>
-          </a:extLst>
-        </p:spPr>
-        <p:txBody>
-          <a:bodyPr vert="horz" wrap="none" lIns="91440" tIns="45720" rIns="91440" bIns="45720" numCol="1" rtlCol="0" anchor="ctr" anchorCtr="0" compatLnSpc="1">
-            <a:prstTxWarp prst="textNoShape">
-              <a:avLst/>
-            </a:prstTxWarp>
-          </a:bodyPr>
-          <a:lstStyle/>
-          <a:p>
-            <a:r>
-              <a:rPr lang="en-US" sz="1100" dirty="0">
-                <a:solidFill>
-                  <a:schemeClr val="bg1"/>
-                </a:solidFill>
-                <a:latin typeface="Fujitsu Sans" panose="020B0404060202020204" pitchFamily="34" charset="0"/>
-              </a:rPr>
-              <a:t>Cluster Provisioning</a:t>
-            </a:r>
-          </a:p>
-        </p:txBody>
-      </p:sp>
-      <p:grpSp>
-        <p:nvGrpSpPr>
-          <p:cNvPr id="3" name="Group 2"/>
-          <p:cNvGrpSpPr/>
-          <p:nvPr/>
-        </p:nvGrpSpPr>
-        <p:grpSpPr>
-          <a:xfrm>
-            <a:off x="1750691" y="2429346"/>
-            <a:ext cx="846785" cy="912570"/>
-            <a:chOff x="1423198" y="3467923"/>
-            <a:chExt cx="846785" cy="912570"/>
-          </a:xfrm>
-        </p:grpSpPr>
-        <p:sp>
-          <p:nvSpPr>
-            <p:cNvPr id="59" name="TextBox 58"/>
-            <p:cNvSpPr txBox="1"/>
-            <p:nvPr/>
-          </p:nvSpPr>
-          <p:spPr>
-            <a:xfrm>
-              <a:off x="1466558" y="3949606"/>
-              <a:ext cx="803425" cy="430887"/>
-            </a:xfrm>
-            <a:prstGeom prst="rect">
-              <a:avLst/>
-            </a:prstGeom>
-            <a:noFill/>
-          </p:spPr>
-          <p:txBody>
-            <a:bodyPr wrap="none" rtlCol="0">
-              <a:spAutoFit/>
-            </a:bodyPr>
-            <a:lstStyle/>
-            <a:p>
-              <a:r>
-                <a:rPr lang="en-US" sz="1100" dirty="0" smtClean="0">
-                  <a:latin typeface="Fujitsu Sans" panose="020B0404060202020204" pitchFamily="34" charset="0"/>
-                </a:rPr>
-                <a:t>OpenStack</a:t>
-              </a:r>
-            </a:p>
-            <a:p>
-              <a:r>
-                <a:rPr lang="en-US" sz="1100" dirty="0" smtClean="0">
-                  <a:latin typeface="Fujitsu Sans" panose="020B0404060202020204" pitchFamily="34" charset="0"/>
-                </a:rPr>
-                <a:t>Operator</a:t>
-              </a:r>
-            </a:p>
-          </p:txBody>
-        </p:sp>
-        <p:pic>
-          <p:nvPicPr>
-            <p:cNvPr id="66" name="Picture 7" descr="Z:\CTO_Cloud_ppt\graphics\1096_iconsPersonalApps.png"/>
-            <p:cNvPicPr>
-              <a:picLocks noChangeAspect="1" noChangeArrowheads="1"/>
-            </p:cNvPicPr>
-            <p:nvPr/>
-          </p:nvPicPr>
-          <p:blipFill rotWithShape="1">
-            <a:blip r:embed="rId4" cstate="print"/>
-            <a:srcRect t="20885"/>
-            <a:stretch/>
-          </p:blipFill>
-          <p:spPr bwMode="auto">
-            <a:xfrm>
-              <a:off x="1423198" y="3467923"/>
-              <a:ext cx="792163" cy="626720"/>
-            </a:xfrm>
-            <a:prstGeom prst="rect">
-              <a:avLst/>
-            </a:prstGeom>
-            <a:noFill/>
-            <a:ln w="9525">
-              <a:noFill/>
-              <a:miter lim="800000"/>
-              <a:headEnd/>
-              <a:tailEnd/>
-            </a:ln>
-          </p:spPr>
-        </p:pic>
-      </p:grpSp>
-      <p:grpSp>
-        <p:nvGrpSpPr>
-          <p:cNvPr id="67" name="Group 66"/>
-          <p:cNvGrpSpPr/>
-          <p:nvPr/>
-        </p:nvGrpSpPr>
-        <p:grpSpPr>
-          <a:xfrm>
-            <a:off x="6872853" y="3212976"/>
-            <a:ext cx="795491" cy="934622"/>
-            <a:chOff x="1423198" y="3445871"/>
-            <a:chExt cx="795491" cy="934622"/>
-          </a:xfrm>
-        </p:grpSpPr>
-        <p:sp>
-          <p:nvSpPr>
-            <p:cNvPr id="68" name="TextBox 67"/>
-            <p:cNvSpPr txBox="1"/>
-            <p:nvPr/>
-          </p:nvSpPr>
-          <p:spPr>
-            <a:xfrm>
-              <a:off x="1517855" y="3949606"/>
-              <a:ext cx="700834" cy="430887"/>
-            </a:xfrm>
-            <a:prstGeom prst="rect">
-              <a:avLst/>
-            </a:prstGeom>
-            <a:noFill/>
-          </p:spPr>
-          <p:txBody>
-            <a:bodyPr wrap="none" rtlCol="0">
-              <a:spAutoFit/>
-            </a:bodyPr>
-            <a:lstStyle/>
-            <a:p>
-              <a:r>
-                <a:rPr lang="en-US" sz="1100" dirty="0" smtClean="0">
-                  <a:latin typeface="Fujitsu Sans" panose="020B0404060202020204" pitchFamily="34" charset="0"/>
-                </a:rPr>
-                <a:t>Cluster</a:t>
-              </a:r>
-            </a:p>
-            <a:p>
-              <a:r>
-                <a:rPr lang="en-US" sz="1100" dirty="0" smtClean="0">
-                  <a:latin typeface="Fujitsu Sans" panose="020B0404060202020204" pitchFamily="34" charset="0"/>
-                </a:rPr>
-                <a:t>Operator</a:t>
-              </a:r>
-            </a:p>
-          </p:txBody>
-        </p:sp>
-        <p:pic>
-          <p:nvPicPr>
-            <p:cNvPr id="69" name="Picture 7" descr="Z:\CTO_Cloud_ppt\graphics\1096_iconsPersonalApps.png"/>
-            <p:cNvPicPr>
-              <a:picLocks noChangeAspect="1" noChangeArrowheads="1"/>
-            </p:cNvPicPr>
-            <p:nvPr/>
-          </p:nvPicPr>
-          <p:blipFill rotWithShape="1">
-            <a:blip r:embed="rId4" cstate="print"/>
-            <a:srcRect t="18101"/>
-            <a:stretch/>
-          </p:blipFill>
-          <p:spPr bwMode="auto">
-            <a:xfrm>
-              <a:off x="1423198" y="3445871"/>
-              <a:ext cx="792163" cy="648772"/>
-            </a:xfrm>
-            <a:prstGeom prst="rect">
-              <a:avLst/>
-            </a:prstGeom>
-            <a:noFill/>
-            <a:ln w="9525">
-              <a:noFill/>
-              <a:miter lim="800000"/>
-              <a:headEnd/>
-              <a:tailEnd/>
-            </a:ln>
-          </p:spPr>
-        </p:pic>
-      </p:grpSp>
-      <p:sp>
-        <p:nvSpPr>
-          <p:cNvPr id="71" name="Rounded Rectangle 70"/>
-          <p:cNvSpPr/>
-          <p:nvPr/>
-        </p:nvSpPr>
-        <p:spPr>
-          <a:xfrm>
-            <a:off x="3161556" y="4316558"/>
-            <a:ext cx="811640" cy="1076848"/>
-          </a:xfrm>
-          <a:prstGeom prst="roundRect">
-            <a:avLst>
-              <a:gd name="adj" fmla="val 4048"/>
-            </a:avLst>
-          </a:prstGeom>
-          <a:noFill/>
-          <a:ln w="9525">
-            <a:solidFill>
-              <a:schemeClr val="tx1"/>
-            </a:solidFill>
-          </a:ln>
-        </p:spPr>
-        <p:style>
-          <a:lnRef idx="2">
-            <a:schemeClr val="accent1">
-              <a:shade val="50000"/>
-            </a:schemeClr>
-          </a:lnRef>
-          <a:fillRef idx="1">
-            <a:schemeClr val="accent1"/>
-          </a:fillRef>
-          <a:effectRef idx="0">
-            <a:schemeClr val="accent1"/>
-          </a:effectRef>
-          <a:fontRef idx="minor">
-            <a:schemeClr val="lt1"/>
-          </a:fontRef>
-        </p:style>
-        <p:txBody>
-          <a:bodyPr rtlCol="0" anchor="t"/>
-          <a:lstStyle/>
-          <a:p>
-            <a:pPr algn="ctr"/>
-            <a:r>
-              <a:rPr lang="en-US" sz="1000" dirty="0" smtClean="0">
-                <a:solidFill>
-                  <a:schemeClr val="tx1"/>
-                </a:solidFill>
-                <a:latin typeface="Fujitsu Sans" panose="020B0404060202020204" pitchFamily="34" charset="0"/>
-              </a:rPr>
-              <a:t>Node 1</a:t>
-            </a:r>
-            <a:endParaRPr lang="en-US" sz="1000" dirty="0">
-              <a:solidFill>
-                <a:schemeClr val="tx1"/>
-              </a:solidFill>
-              <a:latin typeface="Fujitsu Sans" panose="020B0404060202020204" pitchFamily="34" charset="0"/>
-            </a:endParaRPr>
-          </a:p>
-        </p:txBody>
-      </p:sp>
-      <p:sp>
-        <p:nvSpPr>
-          <p:cNvPr id="72" name="Rounded Rectangle 71"/>
-          <p:cNvSpPr/>
-          <p:nvPr/>
-        </p:nvSpPr>
-        <p:spPr>
-          <a:xfrm>
-            <a:off x="4035321" y="4316558"/>
-            <a:ext cx="811640" cy="1076848"/>
-          </a:xfrm>
-          <a:prstGeom prst="roundRect">
-            <a:avLst>
-              <a:gd name="adj" fmla="val 4048"/>
-            </a:avLst>
-          </a:prstGeom>
-          <a:noFill/>
-          <a:ln w="9525">
-            <a:solidFill>
-              <a:schemeClr val="tx1"/>
-            </a:solidFill>
-          </a:ln>
-        </p:spPr>
-        <p:style>
-          <a:lnRef idx="2">
-            <a:schemeClr val="accent1">
-              <a:shade val="50000"/>
-            </a:schemeClr>
-          </a:lnRef>
-          <a:fillRef idx="1">
-            <a:schemeClr val="accent1"/>
-          </a:fillRef>
-          <a:effectRef idx="0">
-            <a:schemeClr val="accent1"/>
-          </a:effectRef>
-          <a:fontRef idx="minor">
-            <a:schemeClr val="lt1"/>
-          </a:fontRef>
-        </p:style>
-        <p:txBody>
-          <a:bodyPr rtlCol="0" anchor="t"/>
-          <a:lstStyle/>
-          <a:p>
-            <a:pPr algn="ctr"/>
-            <a:r>
-              <a:rPr lang="en-US" sz="1000" dirty="0" smtClean="0">
-                <a:solidFill>
-                  <a:schemeClr val="tx1"/>
-                </a:solidFill>
-                <a:latin typeface="Fujitsu Sans" panose="020B0404060202020204" pitchFamily="34" charset="0"/>
-              </a:rPr>
-              <a:t>Node 2</a:t>
-            </a:r>
-            <a:endParaRPr lang="en-US" sz="1000" dirty="0">
-              <a:solidFill>
-                <a:schemeClr val="tx1"/>
-              </a:solidFill>
-              <a:latin typeface="Fujitsu Sans" panose="020B0404060202020204" pitchFamily="34" charset="0"/>
-            </a:endParaRPr>
-          </a:p>
-        </p:txBody>
-      </p:sp>
-      <p:sp>
-        <p:nvSpPr>
-          <p:cNvPr id="73" name="Rounded Rectangle 72"/>
-          <p:cNvSpPr/>
-          <p:nvPr/>
-        </p:nvSpPr>
-        <p:spPr>
-          <a:xfrm>
-            <a:off x="4909300" y="4316558"/>
-            <a:ext cx="811640" cy="1076848"/>
-          </a:xfrm>
-          <a:prstGeom prst="roundRect">
-            <a:avLst>
-              <a:gd name="adj" fmla="val 4048"/>
-            </a:avLst>
-          </a:prstGeom>
-          <a:noFill/>
-          <a:ln w="9525">
-            <a:solidFill>
-              <a:schemeClr val="tx1"/>
-            </a:solidFill>
-          </a:ln>
-        </p:spPr>
-        <p:style>
-          <a:lnRef idx="2">
-            <a:schemeClr val="accent1">
-              <a:shade val="50000"/>
-            </a:schemeClr>
-          </a:lnRef>
-          <a:fillRef idx="1">
-            <a:schemeClr val="accent1"/>
-          </a:fillRef>
-          <a:effectRef idx="0">
-            <a:schemeClr val="accent1"/>
-          </a:effectRef>
-          <a:fontRef idx="minor">
-            <a:schemeClr val="lt1"/>
-          </a:fontRef>
-        </p:style>
-        <p:txBody>
-          <a:bodyPr rtlCol="0" anchor="t"/>
-          <a:lstStyle/>
-          <a:p>
-            <a:pPr algn="ctr"/>
-            <a:r>
-              <a:rPr lang="en-US" sz="1000" dirty="0" smtClean="0">
-                <a:solidFill>
-                  <a:schemeClr val="tx1"/>
-                </a:solidFill>
-                <a:latin typeface="Fujitsu Sans" panose="020B0404060202020204" pitchFamily="34" charset="0"/>
-              </a:rPr>
-              <a:t>Node X</a:t>
-            </a:r>
-            <a:endParaRPr lang="en-US" sz="1000" dirty="0">
-              <a:solidFill>
-                <a:schemeClr val="tx1"/>
-              </a:solidFill>
-              <a:latin typeface="Fujitsu Sans" panose="020B0404060202020204" pitchFamily="34" charset="0"/>
-            </a:endParaRPr>
-          </a:p>
-        </p:txBody>
-      </p:sp>
-      <p:sp>
-        <p:nvSpPr>
-          <p:cNvPr id="74" name="Rounded Rectangle 73"/>
-          <p:cNvSpPr/>
-          <p:nvPr/>
-        </p:nvSpPr>
-        <p:spPr bwMode="gray">
-          <a:xfrm>
-            <a:off x="2987824" y="4655346"/>
-            <a:ext cx="2929588" cy="501846"/>
-          </a:xfrm>
-          <a:prstGeom prst="roundRect">
-            <a:avLst>
-              <a:gd name="adj" fmla="val 13570"/>
-            </a:avLst>
-          </a:prstGeom>
-          <a:solidFill>
-            <a:srgbClr val="B22B30"/>
-          </a:solidFill>
-          <a:ln w="9525" cap="flat" cmpd="sng" algn="ctr">
-            <a:solidFill>
-              <a:srgbClr val="B22B30"/>
-            </a:solidFill>
-            <a:prstDash val="solid"/>
-            <a:round/>
-            <a:headEnd type="none" w="med" len="med"/>
-            <a:tailEnd type="none" w="med" len="med"/>
-          </a:ln>
-          <a:effectLst/>
-          <a:extLst>
-            <a:ext uri="{AF507438-7753-43E0-B8FC-AC1667EBCBE1}">
-              <a14:hiddenEffects xmlns:a14="http://schemas.microsoft.com/office/drawing/2010/main">
-                <a:effectLst>
-                  <a:outerShdw dist="53882" dir="2700000" algn="ctr" rotWithShape="0">
-                    <a:schemeClr val="bg2">
-                      <a:alpha val="50000"/>
-                    </a:schemeClr>
-                  </a:outerShdw>
-                </a:effectLst>
-              </a14:hiddenEffects>
-            </a:ext>
-          </a:extLst>
-        </p:spPr>
-        <p:txBody>
-          <a:bodyPr vert="horz" wrap="none" lIns="91440" tIns="45720" rIns="91440" bIns="45720" numCol="1" rtlCol="0" anchor="t" anchorCtr="0" compatLnSpc="1">
-            <a:prstTxWarp prst="textNoShape">
-              <a:avLst/>
-            </a:prstTxWarp>
-          </a:bodyPr>
-          <a:lstStyle/>
-          <a:p>
-            <a:r>
-              <a:rPr lang="en-US" sz="1100" dirty="0">
-                <a:solidFill>
-                  <a:schemeClr val="bg1"/>
-                </a:solidFill>
-                <a:latin typeface="Fujitsu Sans" panose="020B0404060202020204" pitchFamily="34" charset="0"/>
-              </a:rPr>
-              <a:t>Cluster Orchestration</a:t>
-            </a:r>
-            <a:endParaRPr lang="en-US" sz="1600" dirty="0">
-              <a:solidFill>
-                <a:schemeClr val="bg1"/>
-              </a:solidFill>
-              <a:latin typeface="Fujitsu Sans" panose="020B0404060202020204" pitchFamily="34" charset="0"/>
-            </a:endParaRPr>
-          </a:p>
-        </p:txBody>
-      </p:sp>
-      <p:cxnSp>
-        <p:nvCxnSpPr>
-          <p:cNvPr id="5" name="Elbow Connector 4"/>
-          <p:cNvCxnSpPr>
-            <a:stCxn id="79" idx="2"/>
-            <a:endCxn id="71" idx="0"/>
-          </p:cNvCxnSpPr>
-          <p:nvPr/>
-        </p:nvCxnSpPr>
-        <p:spPr bwMode="auto">
-          <a:xfrm rot="5400000">
-            <a:off x="3661807" y="3550594"/>
-            <a:ext cx="671534" cy="860395"/>
-          </a:xfrm>
-          <a:prstGeom prst="curvedConnector3">
-            <a:avLst>
-              <a:gd name="adj1" fmla="val 65886"/>
-            </a:avLst>
-          </a:prstGeom>
-          <a:gradFill rotWithShape="0">
-            <a:gsLst>
-              <a:gs pos="0">
-                <a:srgbClr val="FFFFFF"/>
-              </a:gs>
-              <a:gs pos="100000">
-                <a:srgbClr val="CACAC7"/>
-              </a:gs>
-            </a:gsLst>
-            <a:lin ang="5400000" scaled="1"/>
-          </a:gradFill>
-          <a:ln w="19050" cap="flat" cmpd="sng" algn="ctr">
-            <a:solidFill>
-              <a:srgbClr val="57564F"/>
-            </a:solidFill>
-            <a:prstDash val="solid"/>
-            <a:round/>
-            <a:headEnd type="none" w="med" len="med"/>
-            <a:tailEnd type="triangle" w="med" len="med"/>
-          </a:ln>
-          <a:effectLst/>
-          <a:extLst>
-            <a:ext uri="{AF507438-7753-43E0-B8FC-AC1667EBCBE1}">
-              <a14:hiddenEffects xmlns:a14="http://schemas.microsoft.com/office/drawing/2010/main">
-                <a:effectLst>
-                  <a:outerShdw dist="53882" dir="2700000" algn="ctr" rotWithShape="0">
-                    <a:schemeClr val="bg2">
-                      <a:alpha val="50000"/>
-                    </a:schemeClr>
-                  </a:outerShdw>
-                </a:effectLst>
-              </a14:hiddenEffects>
-            </a:ext>
-          </a:extLst>
-        </p:spPr>
-      </p:cxnSp>
-      <p:cxnSp>
-        <p:nvCxnSpPr>
-          <p:cNvPr id="76" name="Elbow Connector 4"/>
-          <p:cNvCxnSpPr>
-            <a:stCxn id="79" idx="2"/>
-            <a:endCxn id="72" idx="0"/>
-          </p:cNvCxnSpPr>
-          <p:nvPr/>
-        </p:nvCxnSpPr>
-        <p:spPr bwMode="auto">
-          <a:xfrm rot="16200000" flipH="1">
-            <a:off x="4098689" y="3974106"/>
-            <a:ext cx="671534" cy="13370"/>
-          </a:xfrm>
-          <a:prstGeom prst="curvedConnector3">
-            <a:avLst>
-              <a:gd name="adj1" fmla="val 50000"/>
-            </a:avLst>
-          </a:prstGeom>
-          <a:gradFill rotWithShape="0">
-            <a:gsLst>
-              <a:gs pos="0">
-                <a:srgbClr val="FFFFFF"/>
-              </a:gs>
-              <a:gs pos="100000">
-                <a:srgbClr val="CACAC7"/>
-              </a:gs>
-            </a:gsLst>
-            <a:lin ang="5400000" scaled="1"/>
-          </a:gradFill>
-          <a:ln w="19050" cap="flat" cmpd="sng" algn="ctr">
-            <a:solidFill>
-              <a:srgbClr val="57564F"/>
-            </a:solidFill>
-            <a:prstDash val="solid"/>
-            <a:round/>
-            <a:headEnd type="none" w="med" len="med"/>
-            <a:tailEnd type="triangle" w="med" len="med"/>
-          </a:ln>
-          <a:effectLst/>
-          <a:extLst>
-            <a:ext uri="{AF507438-7753-43E0-B8FC-AC1667EBCBE1}">
-              <a14:hiddenEffects xmlns:a14="http://schemas.microsoft.com/office/drawing/2010/main">
-                <a:effectLst>
-                  <a:outerShdw dist="53882" dir="2700000" algn="ctr" rotWithShape="0">
-                    <a:schemeClr val="bg2">
-                      <a:alpha val="50000"/>
-                    </a:schemeClr>
-                  </a:outerShdw>
-                </a:effectLst>
-              </a14:hiddenEffects>
-            </a:ext>
-          </a:extLst>
-        </p:spPr>
-      </p:cxnSp>
-      <p:cxnSp>
-        <p:nvCxnSpPr>
-          <p:cNvPr id="77" name="Elbow Connector 4"/>
-          <p:cNvCxnSpPr>
-            <a:stCxn id="79" idx="2"/>
-            <a:endCxn id="73" idx="0"/>
-          </p:cNvCxnSpPr>
-          <p:nvPr/>
-        </p:nvCxnSpPr>
-        <p:spPr bwMode="auto">
-          <a:xfrm rot="16200000" flipH="1">
-            <a:off x="4535678" y="3537116"/>
-            <a:ext cx="671534" cy="887349"/>
-          </a:xfrm>
-          <a:prstGeom prst="curvedConnector3">
-            <a:avLst>
-              <a:gd name="adj1" fmla="val 65886"/>
-            </a:avLst>
-          </a:prstGeom>
-          <a:gradFill rotWithShape="0">
-            <a:gsLst>
-              <a:gs pos="0">
-                <a:srgbClr val="FFFFFF"/>
-              </a:gs>
-              <a:gs pos="100000">
-                <a:srgbClr val="CACAC7"/>
-              </a:gs>
-            </a:gsLst>
-            <a:lin ang="5400000" scaled="1"/>
-          </a:gradFill>
-          <a:ln w="19050" cap="flat" cmpd="sng" algn="ctr">
-            <a:solidFill>
-              <a:srgbClr val="57564F"/>
-            </a:solidFill>
-            <a:prstDash val="solid"/>
-            <a:round/>
-            <a:headEnd type="none" w="med" len="med"/>
-            <a:tailEnd type="triangle" w="med" len="med"/>
-          </a:ln>
-          <a:effectLst/>
-          <a:extLst>
-            <a:ext uri="{AF507438-7753-43E0-B8FC-AC1667EBCBE1}">
-              <a14:hiddenEffects xmlns:a14="http://schemas.microsoft.com/office/drawing/2010/main">
-                <a:effectLst>
-                  <a:outerShdw dist="53882" dir="2700000" algn="ctr" rotWithShape="0">
-                    <a:schemeClr val="bg2">
-                      <a:alpha val="50000"/>
-                    </a:schemeClr>
-                  </a:outerShdw>
-                </a:effectLst>
-              </a14:hiddenEffects>
-            </a:ext>
-          </a:extLst>
-        </p:spPr>
-      </p:cxnSp>
-      <p:sp>
-        <p:nvSpPr>
-          <p:cNvPr id="79" name="Rounded Rectangle 78"/>
-          <p:cNvSpPr/>
-          <p:nvPr/>
-        </p:nvSpPr>
-        <p:spPr>
-          <a:xfrm>
-            <a:off x="3288908" y="3349824"/>
-            <a:ext cx="2277726" cy="295200"/>
-          </a:xfrm>
-          <a:prstGeom prst="roundRect">
-            <a:avLst>
-              <a:gd name="adj" fmla="val 24699"/>
-            </a:avLst>
-          </a:prstGeom>
-          <a:noFill/>
-          <a:ln w="9525">
-            <a:solidFill>
-              <a:schemeClr val="tx1"/>
-            </a:solidFill>
-          </a:ln>
-        </p:spPr>
-        <p:style>
-          <a:lnRef idx="2">
-            <a:schemeClr val="accent1">
-              <a:shade val="50000"/>
-            </a:schemeClr>
-          </a:lnRef>
-          <a:fillRef idx="1">
-            <a:schemeClr val="accent1"/>
-          </a:fillRef>
-          <a:effectRef idx="0">
-            <a:schemeClr val="accent1"/>
-          </a:effectRef>
-          <a:fontRef idx="minor">
-            <a:schemeClr val="lt1"/>
-          </a:fontRef>
-        </p:style>
-        <p:txBody>
-          <a:bodyPr rtlCol="0" anchor="t"/>
-          <a:lstStyle/>
-          <a:p>
-            <a:pPr algn="ctr"/>
-            <a:r>
-              <a:rPr lang="en-US" sz="1000" dirty="0" smtClean="0">
-                <a:solidFill>
-                  <a:schemeClr val="tx1"/>
-                </a:solidFill>
-                <a:latin typeface="Fujitsu Sans" panose="020B0404060202020204" pitchFamily="34" charset="0"/>
-              </a:rPr>
-              <a:t>OpenStack Orchestration (Heat)</a:t>
-            </a:r>
-            <a:endParaRPr lang="en-US" sz="1000" dirty="0">
-              <a:solidFill>
-                <a:schemeClr val="tx1"/>
-              </a:solidFill>
-              <a:latin typeface="Fujitsu Sans" panose="020B0404060202020204" pitchFamily="34" charset="0"/>
-            </a:endParaRPr>
-          </a:p>
-        </p:txBody>
-      </p:sp>
-      <p:cxnSp>
-        <p:nvCxnSpPr>
-          <p:cNvPr id="81" name="Elbow Connector 4"/>
-          <p:cNvCxnSpPr>
-            <a:stCxn id="65" idx="2"/>
-            <a:endCxn id="79" idx="0"/>
-          </p:cNvCxnSpPr>
-          <p:nvPr/>
-        </p:nvCxnSpPr>
-        <p:spPr bwMode="auto">
-          <a:xfrm rot="5400000">
-            <a:off x="4201353" y="3123405"/>
-            <a:ext cx="452838" cy="1"/>
-          </a:xfrm>
-          <a:prstGeom prst="curvedConnector3">
-            <a:avLst>
-              <a:gd name="adj1" fmla="val 50000"/>
-            </a:avLst>
-          </a:prstGeom>
-          <a:gradFill rotWithShape="0">
-            <a:gsLst>
-              <a:gs pos="0">
-                <a:srgbClr val="FFFFFF"/>
-              </a:gs>
-              <a:gs pos="100000">
-                <a:srgbClr val="CACAC7"/>
-              </a:gs>
-            </a:gsLst>
-            <a:lin ang="5400000" scaled="1"/>
-          </a:gradFill>
-          <a:ln w="19050" cap="flat" cmpd="sng" algn="ctr">
-            <a:solidFill>
-              <a:srgbClr val="57564F"/>
-            </a:solidFill>
-            <a:prstDash val="solid"/>
-            <a:round/>
-            <a:headEnd type="none" w="med" len="med"/>
-            <a:tailEnd type="triangle" w="med" len="med"/>
-          </a:ln>
-          <a:effectLst/>
-          <a:extLst>
-            <a:ext uri="{AF507438-7753-43E0-B8FC-AC1667EBCBE1}">
-              <a14:hiddenEffects xmlns:a14="http://schemas.microsoft.com/office/drawing/2010/main">
-                <a:effectLst>
-                  <a:outerShdw dist="53882" dir="2700000" algn="ctr" rotWithShape="0">
-                    <a:schemeClr val="bg2">
-                      <a:alpha val="50000"/>
-                    </a:schemeClr>
-                  </a:outerShdw>
-                </a:effectLst>
-              </a14:hiddenEffects>
-            </a:ext>
-          </a:extLst>
-        </p:spPr>
-      </p:cxnSp>
-      <p:cxnSp>
-        <p:nvCxnSpPr>
-          <p:cNvPr id="84" name="Elbow Connector 4"/>
-          <p:cNvCxnSpPr>
-            <a:stCxn id="79" idx="1"/>
-            <a:endCxn id="74" idx="1"/>
-          </p:cNvCxnSpPr>
-          <p:nvPr/>
-        </p:nvCxnSpPr>
-        <p:spPr bwMode="auto">
-          <a:xfrm rot="10800000" flipV="1">
-            <a:off x="2987824" y="3497423"/>
-            <a:ext cx="301084" cy="1408845"/>
-          </a:xfrm>
-          <a:prstGeom prst="curvedConnector3">
-            <a:avLst>
-              <a:gd name="adj1" fmla="val 246790"/>
-            </a:avLst>
-          </a:prstGeom>
-          <a:gradFill rotWithShape="0">
-            <a:gsLst>
-              <a:gs pos="0">
-                <a:srgbClr val="FFFFFF"/>
-              </a:gs>
-              <a:gs pos="100000">
-                <a:srgbClr val="CACAC7"/>
-              </a:gs>
-            </a:gsLst>
-            <a:lin ang="5400000" scaled="1"/>
-          </a:gradFill>
-          <a:ln w="19050" cap="flat" cmpd="sng" algn="ctr">
-            <a:solidFill>
-              <a:srgbClr val="57564F"/>
-            </a:solidFill>
-            <a:prstDash val="solid"/>
-            <a:round/>
-            <a:headEnd type="none" w="med" len="med"/>
-            <a:tailEnd type="triangle" w="med" len="med"/>
-          </a:ln>
-          <a:effectLst/>
-          <a:extLst>
-            <a:ext uri="{AF507438-7753-43E0-B8FC-AC1667EBCBE1}">
-              <a14:hiddenEffects xmlns:a14="http://schemas.microsoft.com/office/drawing/2010/main">
-                <a:effectLst>
-                  <a:outerShdw dist="53882" dir="2700000" algn="ctr" rotWithShape="0">
-                    <a:schemeClr val="bg2">
-                      <a:alpha val="50000"/>
-                    </a:schemeClr>
-                  </a:outerShdw>
-                </a:effectLst>
-              </a14:hiddenEffects>
-            </a:ext>
-          </a:extLst>
-        </p:spPr>
-      </p:cxnSp>
-      <p:cxnSp>
-        <p:nvCxnSpPr>
-          <p:cNvPr id="104" name="Elbow Connector 4"/>
-          <p:cNvCxnSpPr>
-            <a:stCxn id="64" idx="2"/>
-            <a:endCxn id="65" idx="0"/>
-          </p:cNvCxnSpPr>
-          <p:nvPr/>
-        </p:nvCxnSpPr>
-        <p:spPr bwMode="auto">
-          <a:xfrm rot="5400000">
-            <a:off x="4295798" y="2469811"/>
-            <a:ext cx="263949" cy="12700"/>
-          </a:xfrm>
-          <a:prstGeom prst="curvedConnector3">
-            <a:avLst>
-              <a:gd name="adj1" fmla="val 50000"/>
-            </a:avLst>
-          </a:prstGeom>
-          <a:gradFill rotWithShape="0">
-            <a:gsLst>
-              <a:gs pos="0">
-                <a:srgbClr val="FFFFFF"/>
-              </a:gs>
-              <a:gs pos="100000">
-                <a:srgbClr val="CACAC7"/>
-              </a:gs>
-            </a:gsLst>
-            <a:lin ang="5400000" scaled="1"/>
-          </a:gradFill>
-          <a:ln w="19050" cap="flat" cmpd="sng" algn="ctr">
-            <a:solidFill>
-              <a:srgbClr val="57564F"/>
-            </a:solidFill>
-            <a:prstDash val="solid"/>
-            <a:round/>
-            <a:headEnd type="none" w="med" len="med"/>
-            <a:tailEnd type="triangle" w="med" len="med"/>
-          </a:ln>
-          <a:effectLst/>
-          <a:extLst>
-            <a:ext uri="{AF507438-7753-43E0-B8FC-AC1667EBCBE1}">
-              <a14:hiddenEffects xmlns:a14="http://schemas.microsoft.com/office/drawing/2010/main">
-                <a:effectLst>
-                  <a:outerShdw dist="53882" dir="2700000" algn="ctr" rotWithShape="0">
-                    <a:schemeClr val="bg2">
-                      <a:alpha val="50000"/>
-                    </a:schemeClr>
-                  </a:outerShdw>
-                </a:effectLst>
-              </a14:hiddenEffects>
-            </a:ext>
-          </a:extLst>
-        </p:spPr>
-      </p:cxnSp>
-      <p:cxnSp>
-        <p:nvCxnSpPr>
-          <p:cNvPr id="107" name="Elbow Connector 4"/>
-          <p:cNvCxnSpPr>
-            <a:stCxn id="63" idx="3"/>
-            <a:endCxn id="30" idx="1"/>
-          </p:cNvCxnSpPr>
-          <p:nvPr/>
-        </p:nvCxnSpPr>
-        <p:spPr bwMode="auto">
-          <a:xfrm>
-            <a:off x="2568621" y="1786147"/>
-            <a:ext cx="956640" cy="587840"/>
-          </a:xfrm>
-          <a:prstGeom prst="curvedConnector3">
-            <a:avLst>
-              <a:gd name="adj1" fmla="val 50000"/>
-            </a:avLst>
-          </a:prstGeom>
-          <a:gradFill rotWithShape="0">
-            <a:gsLst>
-              <a:gs pos="0">
-                <a:srgbClr val="FFFFFF"/>
-              </a:gs>
-              <a:gs pos="100000">
-                <a:srgbClr val="CACAC7"/>
-              </a:gs>
-            </a:gsLst>
-            <a:lin ang="5400000" scaled="1"/>
-          </a:gradFill>
-          <a:ln w="19050" cap="flat" cmpd="sng" algn="ctr">
-            <a:solidFill>
-              <a:srgbClr val="57564F"/>
-            </a:solidFill>
-            <a:prstDash val="solid"/>
-            <a:round/>
-            <a:headEnd type="none" w="med" len="med"/>
-            <a:tailEnd type="triangle" w="med" len="med"/>
-          </a:ln>
-          <a:effectLst/>
-          <a:extLst>
-            <a:ext uri="{AF507438-7753-43E0-B8FC-AC1667EBCBE1}">
-              <a14:hiddenEffects xmlns:a14="http://schemas.microsoft.com/office/drawing/2010/main">
-                <a:effectLst>
-                  <a:outerShdw dist="53882" dir="2700000" algn="ctr" rotWithShape="0">
-                    <a:schemeClr val="bg2">
-                      <a:alpha val="50000"/>
-                    </a:schemeClr>
-                  </a:outerShdw>
-                </a:effectLst>
-              </a14:hiddenEffects>
-            </a:ext>
-          </a:extLst>
-        </p:spPr>
-      </p:cxnSp>
-      <p:cxnSp>
-        <p:nvCxnSpPr>
-          <p:cNvPr id="113" name="Elbow Connector 4"/>
-          <p:cNvCxnSpPr>
-            <a:stCxn id="69" idx="0"/>
-            <a:endCxn id="64" idx="3"/>
-          </p:cNvCxnSpPr>
-          <p:nvPr/>
-        </p:nvCxnSpPr>
-        <p:spPr bwMode="auto">
-          <a:xfrm rot="16200000" flipV="1">
-            <a:off x="5750978" y="1695018"/>
-            <a:ext cx="1022739" cy="2013177"/>
-          </a:xfrm>
-          <a:prstGeom prst="curvedConnector2">
-            <a:avLst/>
-          </a:prstGeom>
-          <a:gradFill rotWithShape="0">
-            <a:gsLst>
-              <a:gs pos="0">
-                <a:srgbClr val="FFFFFF"/>
-              </a:gs>
-              <a:gs pos="100000">
-                <a:srgbClr val="CACAC7"/>
-              </a:gs>
-            </a:gsLst>
-            <a:lin ang="5400000" scaled="1"/>
-          </a:gradFill>
-          <a:ln w="19050" cap="flat" cmpd="sng" algn="ctr">
-            <a:solidFill>
-              <a:srgbClr val="57564F"/>
-            </a:solidFill>
-            <a:prstDash val="solid"/>
-            <a:round/>
-            <a:headEnd type="none" w="med" len="med"/>
-            <a:tailEnd type="triangle" w="med" len="med"/>
-          </a:ln>
-          <a:effectLst/>
-          <a:extLst>
-            <a:ext uri="{AF507438-7753-43E0-B8FC-AC1667EBCBE1}">
-              <a14:hiddenEffects xmlns:a14="http://schemas.microsoft.com/office/drawing/2010/main">
-                <a:effectLst>
-                  <a:outerShdw dist="53882" dir="2700000" algn="ctr" rotWithShape="0">
-                    <a:schemeClr val="bg2">
-                      <a:alpha val="50000"/>
-                    </a:schemeClr>
-                  </a:outerShdw>
-                </a:effectLst>
-              </a14:hiddenEffects>
-            </a:ext>
-          </a:extLst>
-        </p:spPr>
-      </p:cxnSp>
-      <p:cxnSp>
-        <p:nvCxnSpPr>
-          <p:cNvPr id="117" name="Elbow Connector 4"/>
-          <p:cNvCxnSpPr>
-            <a:stCxn id="68" idx="2"/>
-            <a:endCxn id="120" idx="3"/>
-          </p:cNvCxnSpPr>
-          <p:nvPr/>
-        </p:nvCxnSpPr>
-        <p:spPr bwMode="auto">
-          <a:xfrm rot="5400000">
-            <a:off x="6286144" y="3778865"/>
-            <a:ext cx="663050" cy="1400516"/>
-          </a:xfrm>
-          <a:prstGeom prst="curvedConnector2">
-            <a:avLst/>
-          </a:prstGeom>
-          <a:gradFill rotWithShape="0">
-            <a:gsLst>
-              <a:gs pos="0">
-                <a:srgbClr val="FFFFFF"/>
-              </a:gs>
-              <a:gs pos="100000">
-                <a:srgbClr val="CACAC7"/>
-              </a:gs>
-            </a:gsLst>
-            <a:lin ang="5400000" scaled="1"/>
-          </a:gradFill>
-          <a:ln w="19050" cap="flat" cmpd="sng" algn="ctr">
-            <a:solidFill>
-              <a:srgbClr val="57564F"/>
-            </a:solidFill>
-            <a:prstDash val="solid"/>
-            <a:round/>
-            <a:headEnd type="none" w="med" len="med"/>
-            <a:tailEnd type="triangle" w="med" len="med"/>
-          </a:ln>
-          <a:effectLst/>
-          <a:extLst>
-            <a:ext uri="{AF507438-7753-43E0-B8FC-AC1667EBCBE1}">
-              <a14:hiddenEffects xmlns:a14="http://schemas.microsoft.com/office/drawing/2010/main">
-                <a:effectLst>
-                  <a:outerShdw dist="53882" dir="2700000" algn="ctr" rotWithShape="0">
-                    <a:schemeClr val="bg2">
-                      <a:alpha val="50000"/>
-                    </a:schemeClr>
-                  </a:outerShdw>
-                </a:effectLst>
-              </a14:hiddenEffects>
-            </a:ext>
-          </a:extLst>
-        </p:spPr>
-      </p:cxnSp>
-      <p:sp>
-        <p:nvSpPr>
-          <p:cNvPr id="120" name="Rounded Rectangle 119"/>
-          <p:cNvSpPr/>
-          <p:nvPr/>
-        </p:nvSpPr>
-        <p:spPr bwMode="gray">
-          <a:xfrm>
-            <a:off x="5315120" y="4655345"/>
-            <a:ext cx="602291" cy="310605"/>
-          </a:xfrm>
-          <a:prstGeom prst="roundRect">
-            <a:avLst/>
-          </a:prstGeom>
-          <a:solidFill>
-            <a:srgbClr val="B22B30"/>
-          </a:solidFill>
-          <a:ln w="6350" cap="flat" cmpd="sng" algn="ctr">
-            <a:solidFill>
-              <a:schemeClr val="tx1"/>
-            </a:solidFill>
-            <a:prstDash val="solid"/>
-            <a:round/>
-            <a:headEnd type="none" w="med" len="med"/>
-            <a:tailEnd type="none" w="med" len="med"/>
-          </a:ln>
-          <a:effectLst/>
-          <a:extLst>
-            <a:ext uri="{AF507438-7753-43E0-B8FC-AC1667EBCBE1}">
-              <a14:hiddenEffects xmlns:a14="http://schemas.microsoft.com/office/drawing/2010/main">
-                <a:effectLst>
-                  <a:outerShdw dist="53882" dir="2700000" algn="ctr" rotWithShape="0">
-                    <a:schemeClr val="bg2">
-                      <a:alpha val="50000"/>
-                    </a:schemeClr>
-                  </a:outerShdw>
-                </a:effectLst>
-              </a14:hiddenEffects>
-            </a:ext>
-          </a:extLst>
-        </p:spPr>
-        <p:txBody>
-          <a:bodyPr vert="horz" wrap="none" lIns="91440" tIns="45720" rIns="91440" bIns="45720" numCol="1" rtlCol="0" anchor="ctr" anchorCtr="0" compatLnSpc="1">
-            <a:prstTxWarp prst="textNoShape">
-              <a:avLst/>
-            </a:prstTxWarp>
-          </a:bodyPr>
-          <a:lstStyle/>
-          <a:p>
-            <a:r>
-              <a:rPr lang="en-US" sz="1000" dirty="0" smtClean="0">
-                <a:solidFill>
-                  <a:schemeClr val="bg1"/>
-                </a:solidFill>
-                <a:latin typeface="Fujitsu Sans" panose="020B0404060202020204" pitchFamily="34" charset="0"/>
-              </a:rPr>
-              <a:t>Operator</a:t>
-            </a:r>
-          </a:p>
-          <a:p>
-            <a:r>
-              <a:rPr lang="en-US" sz="1000" dirty="0" smtClean="0">
-                <a:solidFill>
-                  <a:schemeClr val="bg1"/>
-                </a:solidFill>
-                <a:latin typeface="Fujitsu Sans" panose="020B0404060202020204" pitchFamily="34" charset="0"/>
-              </a:rPr>
-              <a:t>View</a:t>
-            </a:r>
-            <a:endParaRPr lang="en-US" sz="1000" dirty="0">
-              <a:solidFill>
-                <a:schemeClr val="bg1"/>
-              </a:solidFill>
-              <a:latin typeface="Fujitsu Sans" panose="020B0404060202020204" pitchFamily="34" charset="0"/>
-            </a:endParaRPr>
-          </a:p>
-        </p:txBody>
-      </p:sp>
-      <p:cxnSp>
-        <p:nvCxnSpPr>
-          <p:cNvPr id="123" name="Elbow Connector 4"/>
-          <p:cNvCxnSpPr>
-            <a:stCxn id="66" idx="0"/>
-            <a:endCxn id="63" idx="2"/>
-          </p:cNvCxnSpPr>
-          <p:nvPr/>
-        </p:nvCxnSpPr>
-        <p:spPr bwMode="auto">
-          <a:xfrm rot="5400000" flipH="1" flipV="1">
-            <a:off x="1905415" y="2175106"/>
-            <a:ext cx="495599" cy="12883"/>
-          </a:xfrm>
-          <a:prstGeom prst="curvedConnector3">
-            <a:avLst>
-              <a:gd name="adj1" fmla="val 50000"/>
-            </a:avLst>
-          </a:prstGeom>
-          <a:gradFill rotWithShape="0">
-            <a:gsLst>
-              <a:gs pos="0">
-                <a:srgbClr val="FFFFFF"/>
-              </a:gs>
-              <a:gs pos="100000">
-                <a:srgbClr val="CACAC7"/>
-              </a:gs>
-            </a:gsLst>
-            <a:lin ang="5400000" scaled="1"/>
-          </a:gradFill>
-          <a:ln w="19050" cap="flat" cmpd="sng" algn="ctr">
-            <a:solidFill>
-              <a:srgbClr val="57564F"/>
-            </a:solidFill>
-            <a:prstDash val="solid"/>
-            <a:round/>
-            <a:headEnd type="none" w="med" len="med"/>
-            <a:tailEnd type="triangle" w="med" len="med"/>
-          </a:ln>
-          <a:effectLst/>
-          <a:extLst>
-            <a:ext uri="{AF507438-7753-43E0-B8FC-AC1667EBCBE1}">
-              <a14:hiddenEffects xmlns:a14="http://schemas.microsoft.com/office/drawing/2010/main">
-                <a:effectLst>
-                  <a:outerShdw dist="53882" dir="2700000" algn="ctr" rotWithShape="0">
-                    <a:schemeClr val="bg2">
-                      <a:alpha val="50000"/>
-                    </a:schemeClr>
-                  </a:outerShdw>
-                </a:effectLst>
-              </a14:hiddenEffects>
-            </a:ext>
-          </a:extLst>
-        </p:spPr>
-      </p:cxnSp>
-      <p:cxnSp>
-        <p:nvCxnSpPr>
-          <p:cNvPr id="129" name="Elbow Connector 4"/>
-          <p:cNvCxnSpPr>
-            <a:stCxn id="62" idx="2"/>
-            <a:endCxn id="172" idx="1"/>
-          </p:cNvCxnSpPr>
-          <p:nvPr/>
-        </p:nvCxnSpPr>
-        <p:spPr bwMode="auto">
-          <a:xfrm rot="16200000" flipH="1">
-            <a:off x="2494439" y="4568185"/>
-            <a:ext cx="192411" cy="794360"/>
-          </a:xfrm>
-          <a:prstGeom prst="curvedConnector2">
-            <a:avLst/>
-          </a:prstGeom>
-          <a:gradFill rotWithShape="0">
-            <a:gsLst>
-              <a:gs pos="0">
-                <a:srgbClr val="FFFFFF"/>
-              </a:gs>
-              <a:gs pos="100000">
-                <a:srgbClr val="CACAC7"/>
-              </a:gs>
-            </a:gsLst>
-            <a:lin ang="5400000" scaled="1"/>
-          </a:gradFill>
-          <a:ln w="19050" cap="flat" cmpd="sng" algn="ctr">
-            <a:solidFill>
-              <a:srgbClr val="57564F"/>
-            </a:solidFill>
-            <a:prstDash val="solid"/>
-            <a:round/>
-            <a:headEnd type="none" w="med" len="med"/>
-            <a:tailEnd type="triangle" w="med" len="med"/>
-          </a:ln>
-          <a:effectLst/>
-          <a:extLst>
-            <a:ext uri="{AF507438-7753-43E0-B8FC-AC1667EBCBE1}">
-              <a14:hiddenEffects xmlns:a14="http://schemas.microsoft.com/office/drawing/2010/main">
-                <a:effectLst>
-                  <a:outerShdw dist="53882" dir="2700000" algn="ctr" rotWithShape="0">
-                    <a:schemeClr val="bg2">
-                      <a:alpha val="50000"/>
-                    </a:schemeClr>
-                  </a:outerShdw>
-                </a:effectLst>
-              </a14:hiddenEffects>
-            </a:ext>
-          </a:extLst>
-        </p:spPr>
-      </p:cxnSp>
-      <p:sp>
-        <p:nvSpPr>
-          <p:cNvPr id="138" name="Rounded Rectangle 137"/>
-          <p:cNvSpPr/>
-          <p:nvPr/>
-        </p:nvSpPr>
-        <p:spPr>
-          <a:xfrm>
-            <a:off x="3302384" y="1412777"/>
-            <a:ext cx="2277728" cy="1713696"/>
-          </a:xfrm>
-          <a:prstGeom prst="roundRect">
-            <a:avLst>
-              <a:gd name="adj" fmla="val 4048"/>
-            </a:avLst>
-          </a:prstGeom>
-          <a:noFill/>
-          <a:ln w="9525">
-            <a:solidFill>
-              <a:schemeClr val="tx1"/>
-            </a:solidFill>
-          </a:ln>
-        </p:spPr>
-        <p:style>
-          <a:lnRef idx="2">
-            <a:schemeClr val="accent1">
-              <a:shade val="50000"/>
-            </a:schemeClr>
-          </a:lnRef>
-          <a:fillRef idx="1">
-            <a:schemeClr val="accent1"/>
-          </a:fillRef>
-          <a:effectRef idx="0">
-            <a:schemeClr val="accent1"/>
-          </a:effectRef>
-          <a:fontRef idx="minor">
-            <a:schemeClr val="lt1"/>
-          </a:fontRef>
-        </p:style>
-        <p:txBody>
-          <a:bodyPr vert="horz" rtlCol="0" anchor="t"/>
-          <a:lstStyle/>
-          <a:p>
-            <a:r>
-              <a:rPr lang="en-US" sz="1000" dirty="0" smtClean="0">
-                <a:solidFill>
-                  <a:schemeClr val="tx1"/>
-                </a:solidFill>
-                <a:latin typeface="Fujitsu Sans" panose="020B0404060202020204" pitchFamily="34" charset="0"/>
-              </a:rPr>
-              <a:t>OpenStack Dashboard (Horizon)</a:t>
-            </a:r>
-            <a:endParaRPr lang="en-US" sz="1000" dirty="0">
-              <a:solidFill>
-                <a:schemeClr val="tx1"/>
-              </a:solidFill>
-              <a:latin typeface="Fujitsu Sans" panose="020B0404060202020204" pitchFamily="34" charset="0"/>
-            </a:endParaRPr>
-          </a:p>
-        </p:txBody>
-      </p:sp>
-      <p:sp>
-        <p:nvSpPr>
-          <p:cNvPr id="135" name="TextBox 134"/>
-          <p:cNvSpPr txBox="1"/>
-          <p:nvPr/>
-        </p:nvSpPr>
-        <p:spPr>
-          <a:xfrm>
-            <a:off x="1619672" y="2094558"/>
-            <a:ext cx="558166" cy="230832"/>
-          </a:xfrm>
-          <a:prstGeom prst="rect">
-            <a:avLst/>
-          </a:prstGeom>
-          <a:noFill/>
-        </p:spPr>
-        <p:txBody>
-          <a:bodyPr wrap="none" rtlCol="0">
-            <a:spAutoFit/>
-          </a:bodyPr>
-          <a:lstStyle/>
-          <a:p>
-            <a:r>
-              <a:rPr lang="en-US" sz="900" dirty="0" smtClean="0">
-                <a:latin typeface="Fujitsu Sans" panose="020B0404060202020204" pitchFamily="34" charset="0"/>
-              </a:rPr>
-              <a:t>Execute</a:t>
-            </a:r>
-            <a:endParaRPr lang="en-US" sz="900" dirty="0">
-              <a:latin typeface="Fujitsu Sans" panose="020B0404060202020204" pitchFamily="34" charset="0"/>
-            </a:endParaRPr>
-          </a:p>
-        </p:txBody>
-      </p:sp>
-      <p:sp>
-        <p:nvSpPr>
-          <p:cNvPr id="169" name="TextBox 168"/>
-          <p:cNvSpPr txBox="1"/>
-          <p:nvPr/>
-        </p:nvSpPr>
-        <p:spPr>
-          <a:xfrm>
-            <a:off x="6012160" y="2007483"/>
-            <a:ext cx="1233030" cy="369332"/>
-          </a:xfrm>
-          <a:prstGeom prst="rect">
-            <a:avLst/>
-          </a:prstGeom>
-          <a:noFill/>
-        </p:spPr>
-        <p:txBody>
-          <a:bodyPr wrap="none" rtlCol="0">
-            <a:spAutoFit/>
-          </a:bodyPr>
-          <a:lstStyle/>
-          <a:p>
-            <a:pPr algn="l"/>
-            <a:r>
-              <a:rPr lang="en-US" sz="900" dirty="0">
-                <a:latin typeface="Fujitsu Sans" panose="020B0404060202020204" pitchFamily="34" charset="0"/>
-              </a:rPr>
-              <a:t>- </a:t>
-            </a:r>
-            <a:r>
-              <a:rPr lang="en-US" sz="900" dirty="0" smtClean="0">
-                <a:latin typeface="Fujitsu Sans" panose="020B0404060202020204" pitchFamily="34" charset="0"/>
-              </a:rPr>
-              <a:t>Create/delete cluster</a:t>
-            </a:r>
-            <a:endParaRPr lang="en-US" sz="900" dirty="0">
-              <a:latin typeface="Fujitsu Sans" panose="020B0404060202020204" pitchFamily="34" charset="0"/>
-            </a:endParaRPr>
-          </a:p>
-          <a:p>
-            <a:pPr algn="l"/>
-            <a:r>
-              <a:rPr lang="en-US" sz="900" dirty="0" smtClean="0">
-                <a:latin typeface="Fujitsu Sans" panose="020B0404060202020204" pitchFamily="34" charset="0"/>
-              </a:rPr>
-              <a:t>- View clusters</a:t>
-            </a:r>
-          </a:p>
-        </p:txBody>
-      </p:sp>
-      <p:sp>
-        <p:nvSpPr>
-          <p:cNvPr id="170" name="TextBox 169"/>
-          <p:cNvSpPr txBox="1"/>
-          <p:nvPr/>
-        </p:nvSpPr>
-        <p:spPr>
-          <a:xfrm>
-            <a:off x="5796136" y="4283804"/>
-            <a:ext cx="1335622" cy="369332"/>
-          </a:xfrm>
-          <a:prstGeom prst="rect">
-            <a:avLst/>
-          </a:prstGeom>
-          <a:noFill/>
-        </p:spPr>
-        <p:txBody>
-          <a:bodyPr wrap="none" rtlCol="0">
-            <a:spAutoFit/>
-          </a:bodyPr>
-          <a:lstStyle/>
-          <a:p>
-            <a:pPr algn="l"/>
-            <a:r>
-              <a:rPr lang="en-US" sz="900" dirty="0" smtClean="0">
-                <a:latin typeface="Fujitsu Sans" panose="020B0404060202020204" pitchFamily="34" charset="0"/>
-              </a:rPr>
-              <a:t>- View cluster utilization</a:t>
-            </a:r>
-          </a:p>
-          <a:p>
-            <a:pPr algn="l"/>
-            <a:r>
-              <a:rPr lang="en-US" sz="900" dirty="0" smtClean="0">
-                <a:latin typeface="Fujitsu Sans" panose="020B0404060202020204" pitchFamily="34" charset="0"/>
-              </a:rPr>
-              <a:t>- Check cluster health</a:t>
-            </a:r>
-          </a:p>
-        </p:txBody>
-      </p:sp>
-      <p:sp>
-        <p:nvSpPr>
-          <p:cNvPr id="171" name="TextBox 170"/>
-          <p:cNvSpPr txBox="1"/>
-          <p:nvPr/>
-        </p:nvSpPr>
-        <p:spPr>
-          <a:xfrm>
-            <a:off x="2019543" y="5035252"/>
-            <a:ext cx="978153" cy="230832"/>
-          </a:xfrm>
-          <a:prstGeom prst="rect">
-            <a:avLst/>
-          </a:prstGeom>
-          <a:noFill/>
-        </p:spPr>
-        <p:txBody>
-          <a:bodyPr wrap="none" rtlCol="0">
-            <a:spAutoFit/>
-          </a:bodyPr>
-          <a:lstStyle/>
-          <a:p>
-            <a:pPr algn="l"/>
-            <a:r>
-              <a:rPr lang="en-US" sz="900" dirty="0" smtClean="0">
-                <a:latin typeface="Fujitsu Sans" panose="020B0404060202020204" pitchFamily="34" charset="0"/>
-              </a:rPr>
-              <a:t>Deploy workload</a:t>
-            </a:r>
-          </a:p>
-        </p:txBody>
-      </p:sp>
-      <p:sp>
-        <p:nvSpPr>
-          <p:cNvPr id="172" name="Rounded Rectangle 171"/>
-          <p:cNvSpPr/>
-          <p:nvPr/>
-        </p:nvSpPr>
-        <p:spPr bwMode="gray">
-          <a:xfrm>
-            <a:off x="2987824" y="4965950"/>
-            <a:ext cx="2929587" cy="191242"/>
-          </a:xfrm>
-          <a:prstGeom prst="roundRect">
-            <a:avLst>
-              <a:gd name="adj" fmla="val 27874"/>
-            </a:avLst>
-          </a:prstGeom>
-          <a:solidFill>
-            <a:srgbClr val="B22B30"/>
-          </a:solidFill>
-          <a:ln w="6350" cap="flat" cmpd="sng" algn="ctr">
-            <a:solidFill>
-              <a:schemeClr val="tx1"/>
-            </a:solidFill>
-            <a:prstDash val="solid"/>
-            <a:round/>
-            <a:headEnd type="none" w="med" len="med"/>
-            <a:tailEnd type="none" w="med" len="med"/>
-          </a:ln>
-          <a:effectLst/>
-          <a:extLst>
-            <a:ext uri="{AF507438-7753-43E0-B8FC-AC1667EBCBE1}">
-              <a14:hiddenEffects xmlns:a14="http://schemas.microsoft.com/office/drawing/2010/main">
-                <a:effectLst>
-                  <a:outerShdw dist="53882" dir="2700000" algn="ctr" rotWithShape="0">
-                    <a:schemeClr val="bg2">
-                      <a:alpha val="50000"/>
-                    </a:schemeClr>
-                  </a:outerShdw>
-                </a:effectLst>
-              </a14:hiddenEffects>
-            </a:ext>
-          </a:extLst>
-        </p:spPr>
-        <p:txBody>
-          <a:bodyPr vert="horz" wrap="none" lIns="91440" tIns="45720" rIns="91440" bIns="45720" numCol="1" rtlCol="0" anchor="ctr" anchorCtr="0" compatLnSpc="1">
-            <a:prstTxWarp prst="textNoShape">
-              <a:avLst/>
-            </a:prstTxWarp>
-          </a:bodyPr>
-          <a:lstStyle/>
-          <a:p>
-            <a:r>
-              <a:rPr lang="en-US" sz="1000" dirty="0" smtClean="0">
-                <a:solidFill>
-                  <a:schemeClr val="bg1"/>
-                </a:solidFill>
-                <a:latin typeface="Fujitsu Sans" panose="020B0404060202020204" pitchFamily="34" charset="0"/>
-              </a:rPr>
-              <a:t>CLI</a:t>
-            </a:r>
-            <a:endParaRPr lang="en-US" sz="1000" dirty="0">
-              <a:solidFill>
-                <a:schemeClr val="bg1"/>
-              </a:solidFill>
-              <a:latin typeface="Fujitsu Sans" panose="020B0404060202020204" pitchFamily="34" charset="0"/>
-            </a:endParaRPr>
-          </a:p>
-        </p:txBody>
-      </p:sp>
-      <p:sp>
-        <p:nvSpPr>
-          <p:cNvPr id="178" name="TextBox 177"/>
-          <p:cNvSpPr txBox="1"/>
-          <p:nvPr/>
-        </p:nvSpPr>
-        <p:spPr>
-          <a:xfrm>
-            <a:off x="3851920" y="2355565"/>
-            <a:ext cx="607859" cy="246221"/>
-          </a:xfrm>
-          <a:prstGeom prst="rect">
-            <a:avLst/>
-          </a:prstGeom>
-          <a:noFill/>
-        </p:spPr>
-        <p:txBody>
-          <a:bodyPr wrap="none" rtlCol="0">
-            <a:spAutoFit/>
-          </a:bodyPr>
-          <a:lstStyle/>
-          <a:p>
-            <a:pPr algn="l"/>
-            <a:r>
-              <a:rPr lang="en-US" sz="1000" dirty="0" smtClean="0">
-                <a:latin typeface="Fujitsu Sans" panose="020B0404060202020204" pitchFamily="34" charset="0"/>
-              </a:rPr>
-              <a:t>Triggers</a:t>
-            </a:r>
-          </a:p>
-        </p:txBody>
-      </p:sp>
-      <p:sp>
-        <p:nvSpPr>
-          <p:cNvPr id="179" name="TextBox 178"/>
-          <p:cNvSpPr txBox="1"/>
-          <p:nvPr/>
-        </p:nvSpPr>
-        <p:spPr>
-          <a:xfrm>
-            <a:off x="3927398" y="3110771"/>
-            <a:ext cx="534121" cy="230832"/>
-          </a:xfrm>
-          <a:prstGeom prst="rect">
-            <a:avLst/>
-          </a:prstGeom>
-          <a:noFill/>
-        </p:spPr>
-        <p:txBody>
-          <a:bodyPr wrap="none" rtlCol="0">
-            <a:spAutoFit/>
-          </a:bodyPr>
-          <a:lstStyle/>
-          <a:p>
-            <a:pPr algn="l"/>
-            <a:r>
-              <a:rPr lang="en-US" sz="900" dirty="0" smtClean="0">
-                <a:latin typeface="Fujitsu Sans" panose="020B0404060202020204" pitchFamily="34" charset="0"/>
-              </a:rPr>
-              <a:t>Utilizes</a:t>
-            </a:r>
-          </a:p>
-        </p:txBody>
-      </p:sp>
-      <p:sp>
-        <p:nvSpPr>
-          <p:cNvPr id="180" name="TextBox 179"/>
-          <p:cNvSpPr txBox="1"/>
-          <p:nvPr/>
-        </p:nvSpPr>
-        <p:spPr>
-          <a:xfrm>
-            <a:off x="4644008" y="3861048"/>
-            <a:ext cx="989373" cy="230832"/>
-          </a:xfrm>
-          <a:prstGeom prst="rect">
-            <a:avLst/>
-          </a:prstGeom>
-          <a:noFill/>
-        </p:spPr>
-        <p:txBody>
-          <a:bodyPr wrap="none" rtlCol="0">
-            <a:spAutoFit/>
-          </a:bodyPr>
-          <a:lstStyle/>
-          <a:p>
-            <a:pPr algn="l"/>
-            <a:r>
-              <a:rPr lang="en-US" sz="900" dirty="0" smtClean="0">
-                <a:latin typeface="Fujitsu Sans" panose="020B0404060202020204" pitchFamily="34" charset="0"/>
-              </a:rPr>
-              <a:t>Deploy resources</a:t>
-            </a:r>
-          </a:p>
-        </p:txBody>
-      </p:sp>
-      <p:sp>
-        <p:nvSpPr>
-          <p:cNvPr id="188" name="TextBox 187"/>
-          <p:cNvSpPr txBox="1"/>
-          <p:nvPr/>
-        </p:nvSpPr>
-        <p:spPr>
-          <a:xfrm>
-            <a:off x="2525203" y="3933056"/>
-            <a:ext cx="822661" cy="369332"/>
-          </a:xfrm>
-          <a:prstGeom prst="rect">
-            <a:avLst/>
-          </a:prstGeom>
-          <a:noFill/>
-        </p:spPr>
-        <p:txBody>
-          <a:bodyPr wrap="none" rtlCol="0">
-            <a:spAutoFit/>
-          </a:bodyPr>
-          <a:lstStyle/>
-          <a:p>
-            <a:pPr algn="l"/>
-            <a:r>
-              <a:rPr lang="en-US" sz="900" dirty="0" smtClean="0">
-                <a:latin typeface="Fujitsu Sans" panose="020B0404060202020204" pitchFamily="34" charset="0"/>
-              </a:rPr>
-              <a:t>Setup cluster</a:t>
-            </a:r>
-          </a:p>
-          <a:p>
-            <a:pPr algn="l"/>
-            <a:r>
-              <a:rPr lang="en-US" sz="900" dirty="0" smtClean="0">
-                <a:latin typeface="Fujitsu Sans" panose="020B0404060202020204" pitchFamily="34" charset="0"/>
-              </a:rPr>
-              <a:t>orchestration</a:t>
-            </a:r>
-          </a:p>
-        </p:txBody>
-      </p:sp>
-      <p:cxnSp>
-        <p:nvCxnSpPr>
-          <p:cNvPr id="192" name="Elbow Connector 4"/>
-          <p:cNvCxnSpPr>
-            <a:stCxn id="68" idx="2"/>
-            <a:endCxn id="172" idx="3"/>
-          </p:cNvCxnSpPr>
-          <p:nvPr/>
-        </p:nvCxnSpPr>
-        <p:spPr bwMode="auto">
-          <a:xfrm rot="5400000">
-            <a:off x="6160683" y="3904326"/>
-            <a:ext cx="913973" cy="1400516"/>
-          </a:xfrm>
-          <a:prstGeom prst="curvedConnector2">
-            <a:avLst/>
-          </a:prstGeom>
-          <a:gradFill rotWithShape="0">
-            <a:gsLst>
-              <a:gs pos="0">
-                <a:srgbClr val="FFFFFF"/>
-              </a:gs>
-              <a:gs pos="100000">
-                <a:srgbClr val="CACAC7"/>
-              </a:gs>
-            </a:gsLst>
-            <a:lin ang="5400000" scaled="1"/>
-          </a:gradFill>
-          <a:ln w="19050" cap="flat" cmpd="sng" algn="ctr">
-            <a:solidFill>
-              <a:srgbClr val="57564F"/>
-            </a:solidFill>
-            <a:prstDash val="solid"/>
-            <a:round/>
-            <a:headEnd type="none" w="med" len="med"/>
-            <a:tailEnd type="triangle" w="med" len="med"/>
-          </a:ln>
-          <a:effectLst/>
-          <a:extLst>
-            <a:ext uri="{AF507438-7753-43E0-B8FC-AC1667EBCBE1}">
-              <a14:hiddenEffects xmlns:a14="http://schemas.microsoft.com/office/drawing/2010/main">
-                <a:effectLst>
-                  <a:outerShdw dist="53882" dir="2700000" algn="ctr" rotWithShape="0">
-                    <a:schemeClr val="bg2">
-                      <a:alpha val="50000"/>
-                    </a:schemeClr>
-                  </a:outerShdw>
-                </a:effectLst>
-              </a14:hiddenEffects>
-            </a:ext>
-          </a:extLst>
-        </p:spPr>
-      </p:cxnSp>
-      <p:sp>
-        <p:nvSpPr>
-          <p:cNvPr id="235" name="TextBox 234"/>
-          <p:cNvSpPr txBox="1"/>
-          <p:nvPr/>
-        </p:nvSpPr>
-        <p:spPr>
-          <a:xfrm>
-            <a:off x="5950024" y="5035252"/>
-            <a:ext cx="1027845" cy="369332"/>
-          </a:xfrm>
-          <a:prstGeom prst="rect">
-            <a:avLst/>
-          </a:prstGeom>
-          <a:noFill/>
-        </p:spPr>
-        <p:txBody>
-          <a:bodyPr wrap="none" rtlCol="0">
-            <a:spAutoFit/>
-          </a:bodyPr>
-          <a:lstStyle/>
-          <a:p>
-            <a:pPr algn="l"/>
-            <a:r>
-              <a:rPr lang="en-US" sz="900" dirty="0" smtClean="0">
-                <a:latin typeface="Fujitsu Sans" panose="020B0404060202020204" pitchFamily="34" charset="0"/>
-              </a:rPr>
-              <a:t>Maintenance and</a:t>
-            </a:r>
-          </a:p>
-          <a:p>
-            <a:pPr algn="l"/>
-            <a:r>
-              <a:rPr lang="en-US" sz="900" dirty="0" smtClean="0">
-                <a:latin typeface="Fujitsu Sans" panose="020B0404060202020204" pitchFamily="34" charset="0"/>
-              </a:rPr>
-              <a:t>troubleshooting</a:t>
-            </a:r>
-          </a:p>
-        </p:txBody>
-      </p:sp>
-      <p:sp>
-        <p:nvSpPr>
-          <p:cNvPr id="45" name="Rectangle 44"/>
-          <p:cNvSpPr/>
-          <p:nvPr/>
-        </p:nvSpPr>
-        <p:spPr bwMode="auto">
-          <a:xfrm>
-            <a:off x="2987825" y="908720"/>
-            <a:ext cx="2929586" cy="2953028"/>
-          </a:xfrm>
-          <a:prstGeom prst="rect">
-            <a:avLst/>
-          </a:prstGeom>
-          <a:noFill/>
-          <a:ln w="19050">
-            <a:solidFill>
-              <a:schemeClr val="tx1"/>
-            </a:solidFill>
-            <a:prstDash val="sysDot"/>
-            <a:headEnd type="none" w="med" len="med"/>
-            <a:tailEnd type="none" w="med" len="med"/>
-          </a:ln>
-        </p:spPr>
-        <p:style>
-          <a:lnRef idx="2">
-            <a:schemeClr val="dk1"/>
-          </a:lnRef>
-          <a:fillRef idx="1">
-            <a:schemeClr val="lt1"/>
-          </a:fillRef>
-          <a:effectRef idx="0">
-            <a:schemeClr val="dk1"/>
-          </a:effectRef>
-          <a:fontRef idx="minor">
-            <a:schemeClr val="dk1"/>
-          </a:fontRef>
-        </p:style>
-        <p:txBody>
-          <a:bodyPr vert="horz" wrap="none" lIns="91440" tIns="45720" rIns="91440" bIns="45720" numCol="1" rtlCol="0" anchor="t" anchorCtr="0" compatLnSpc="1">
-            <a:prstTxWarp prst="textNoShape">
-              <a:avLst/>
-            </a:prstTxWarp>
-          </a:bodyPr>
-          <a:lstStyle/>
-          <a:p>
-            <a:pPr marL="0" marR="0" indent="0" algn="l" defTabSz="914400" rtl="0" eaLnBrk="1" fontAlgn="ctr" latinLnBrk="0" hangingPunct="1">
-              <a:lnSpc>
-                <a:spcPct val="100000"/>
-              </a:lnSpc>
-              <a:spcBef>
-                <a:spcPct val="0"/>
-              </a:spcBef>
-              <a:spcAft>
-                <a:spcPct val="0"/>
-              </a:spcAft>
-              <a:buClrTx/>
-              <a:buSzTx/>
-              <a:buFontTx/>
-              <a:buNone/>
-              <a:tabLst/>
-            </a:pPr>
-            <a:r>
-              <a:rPr kumimoji="1" lang="en-US" sz="1400" b="0" i="0" u="none" strike="noStrike" cap="none" normalizeH="0" baseline="0" dirty="0" smtClean="0">
-                <a:ln>
-                  <a:noFill/>
-                </a:ln>
-                <a:solidFill>
-                  <a:schemeClr val="tx1"/>
-                </a:solidFill>
-                <a:effectLst/>
-                <a:latin typeface="Fujitsu Sans" panose="020B0404060202020204" pitchFamily="34" charset="0"/>
-                <a:ea typeface="ＭＳ Ｐゴシック" pitchFamily="50" charset="-128"/>
-              </a:rPr>
-              <a:t>OpenStack</a:t>
-            </a:r>
-            <a:endParaRPr kumimoji="1" lang="en-US" sz="1600" b="0" i="0" u="none" strike="noStrike" cap="none" normalizeH="0" baseline="0" dirty="0" smtClean="0">
-              <a:ln>
-                <a:noFill/>
-              </a:ln>
-              <a:solidFill>
-                <a:schemeClr val="tx1"/>
-              </a:solidFill>
-              <a:effectLst/>
-              <a:latin typeface="Fujitsu Sans" panose="020B0404060202020204" pitchFamily="34" charset="0"/>
-              <a:ea typeface="ＭＳ Ｐゴシック" pitchFamily="50" charset="-128"/>
-            </a:endParaRPr>
-          </a:p>
-        </p:txBody>
-      </p:sp>
-    </p:spTree>
-    <p:extLst>
-      <p:ext uri="{BB962C8B-B14F-4D97-AF65-F5344CB8AC3E}">
-        <p14:creationId xmlns:p14="http://schemas.microsoft.com/office/powerpoint/2010/main" val="1312192522"/>
-      </p:ext>
-    </p:extLst>
-  </p:cSld>
-  <p:clrMapOvr>
-    <a:masterClrMapping/>
-  </p:clrMapOvr>
-  <p:timing>
-    <p:tnLst>
-      <p:par>
-        <p:cTn id="1" dur="indefinite" restart="never" nodeType="tmRoot"/>
-      </p:par>
-    </p:tnLst>
-  </p:timing>
-</p:sld>
-</file>
-
-<file path=ppt/slides/slide5.xml><?xml version="1.0" encoding="utf-8"?>
-<p:sld xmlns:a="http://schemas.openxmlformats.org/drawingml/2006/main" xmlns:r="http://schemas.openxmlformats.org/officeDocument/2006/relationships" xmlns:p="http://schemas.openxmlformats.org/presentationml/2006/main">
-  <p:cSld>
-    <p:spTree>
-      <p:nvGrpSpPr>
-        <p:cNvPr id="1" name=""/>
-        <p:cNvGrpSpPr/>
-        <p:nvPr/>
-      </p:nvGrpSpPr>
-      <p:grpSpPr>
-        <a:xfrm>
-          <a:off x="0" y="0"/>
-          <a:ext cx="0" cy="0"/>
-          <a:chOff x="0" y="0"/>
-          <a:chExt cx="0" cy="0"/>
-        </a:xfrm>
-      </p:grpSpPr>
-      <p:sp>
-        <p:nvSpPr>
-          <p:cNvPr id="2" name="Rounded Rectangle 1"/>
-          <p:cNvSpPr/>
-          <p:nvPr/>
-        </p:nvSpPr>
-        <p:spPr bwMode="gray">
-          <a:xfrm>
-            <a:off x="5544431" y="4527865"/>
-            <a:ext cx="1368152" cy="294839"/>
-          </a:xfrm>
-          <a:prstGeom prst="roundRect">
-            <a:avLst/>
-          </a:prstGeom>
-          <a:solidFill>
-            <a:srgbClr val="CACAC7"/>
-          </a:solidFill>
-          <a:ln w="9525" cap="flat" cmpd="sng" algn="ctr">
-            <a:solidFill>
-              <a:srgbClr val="57564F"/>
-            </a:solidFill>
-            <a:prstDash val="solid"/>
-            <a:round/>
-            <a:headEnd type="none" w="med" len="med"/>
-            <a:tailEnd type="none" w="med" len="med"/>
-          </a:ln>
-          <a:effectLst/>
-          <a:extLst>
-            <a:ext uri="{AF507438-7753-43E0-B8FC-AC1667EBCBE1}">
-              <a14:hiddenEffects xmlns:a14="http://schemas.microsoft.com/office/drawing/2010/main">
-                <a:effectLst>
-                  <a:outerShdw dist="53882" dir="2700000" algn="ctr" rotWithShape="0">
-                    <a:schemeClr val="bg2">
-                      <a:alpha val="50000"/>
-                    </a:schemeClr>
-                  </a:outerShdw>
-                </a:effectLst>
-              </a14:hiddenEffects>
-            </a:ext>
-          </a:extLst>
-        </p:spPr>
-        <p:txBody>
-          <a:bodyPr vert="horz" wrap="none" lIns="91440" tIns="45720" rIns="91440" bIns="45720" numCol="1" rtlCol="0" anchor="ctr" anchorCtr="0" compatLnSpc="1">
-            <a:prstTxWarp prst="textNoShape">
-              <a:avLst/>
-            </a:prstTxWarp>
-          </a:bodyPr>
-          <a:lstStyle/>
-          <a:p>
-            <a:pPr marL="0" marR="0" indent="0" algn="ctr" defTabSz="914400" rtl="0" eaLnBrk="1" fontAlgn="ctr" latinLnBrk="0" hangingPunct="1">
-              <a:lnSpc>
-                <a:spcPct val="100000"/>
-              </a:lnSpc>
-              <a:spcBef>
-                <a:spcPct val="0"/>
-              </a:spcBef>
-              <a:spcAft>
-                <a:spcPct val="0"/>
-              </a:spcAft>
-              <a:buClrTx/>
-              <a:buSzTx/>
-              <a:buFontTx/>
-              <a:buNone/>
-              <a:tabLst/>
-            </a:pPr>
-            <a:r>
-              <a:rPr kumimoji="1" lang="en-US" sz="1100" b="0" i="0" u="none" strike="noStrike" cap="none" normalizeH="0" baseline="0" dirty="0" smtClean="0">
-                <a:ln>
-                  <a:noFill/>
-                </a:ln>
-                <a:effectLst/>
-                <a:latin typeface="Fujitsu Sans" panose="020B0404060202020204" pitchFamily="34" charset="0"/>
-              </a:rPr>
-              <a:t>Workload</a:t>
-            </a:r>
-          </a:p>
-        </p:txBody>
-      </p:sp>
-      <p:sp>
-        <p:nvSpPr>
-          <p:cNvPr id="67" name="Rounded Rectangle 66"/>
-          <p:cNvSpPr/>
-          <p:nvPr/>
-        </p:nvSpPr>
-        <p:spPr bwMode="gray">
-          <a:xfrm>
-            <a:off x="5544431" y="5244787"/>
-            <a:ext cx="1368000" cy="295200"/>
-          </a:xfrm>
-          <a:prstGeom prst="roundRect">
-            <a:avLst/>
-          </a:prstGeom>
-          <a:solidFill>
-            <a:srgbClr val="B22B30"/>
-          </a:solidFill>
-          <a:ln w="9525" cap="flat" cmpd="sng" algn="ctr">
-            <a:solidFill>
-              <a:srgbClr val="B22B30"/>
-            </a:solidFill>
-            <a:prstDash val="solid"/>
-            <a:round/>
-            <a:headEnd type="none" w="med" len="med"/>
-            <a:tailEnd type="none" w="med" len="med"/>
-          </a:ln>
-          <a:effectLst/>
-          <a:extLst>
-            <a:ext uri="{AF507438-7753-43E0-B8FC-AC1667EBCBE1}">
-              <a14:hiddenEffects xmlns:a14="http://schemas.microsoft.com/office/drawing/2010/main">
-                <a:effectLst>
-                  <a:outerShdw dist="53882" dir="2700000" algn="ctr" rotWithShape="0">
-                    <a:schemeClr val="bg2">
-                      <a:alpha val="50000"/>
-                    </a:schemeClr>
-                  </a:outerShdw>
-                </a:effectLst>
-              </a14:hiddenEffects>
-            </a:ext>
-          </a:extLst>
-        </p:spPr>
-        <p:txBody>
-          <a:bodyPr vert="horz" wrap="none" lIns="91440" tIns="45720" rIns="91440" bIns="45720" numCol="1" rtlCol="0" anchor="ctr" anchorCtr="0" compatLnSpc="1">
-            <a:prstTxWarp prst="textNoShape">
-              <a:avLst/>
-            </a:prstTxWarp>
-          </a:bodyPr>
-          <a:lstStyle/>
-          <a:p>
-            <a:pPr marL="0" marR="0" indent="0" algn="ctr" defTabSz="914400" rtl="0" eaLnBrk="1" fontAlgn="ctr" latinLnBrk="0" hangingPunct="1">
-              <a:lnSpc>
-                <a:spcPct val="100000"/>
-              </a:lnSpc>
-              <a:spcBef>
-                <a:spcPct val="0"/>
-              </a:spcBef>
-              <a:spcAft>
-                <a:spcPct val="0"/>
-              </a:spcAft>
-              <a:buClrTx/>
-              <a:buSzTx/>
-              <a:buFontTx/>
-              <a:buNone/>
-              <a:tabLst/>
-            </a:pPr>
-            <a:r>
-              <a:rPr kumimoji="1" lang="en-US" sz="1100" b="0" i="0" u="none" strike="noStrike" cap="none" normalizeH="0" baseline="0" dirty="0" smtClean="0">
-                <a:ln>
-                  <a:noFill/>
-                </a:ln>
-                <a:solidFill>
-                  <a:srgbClr val="FFFFFF"/>
-                </a:solidFill>
-                <a:effectLst/>
-                <a:latin typeface="Fujitsu Sans" panose="020B0404060202020204" pitchFamily="34" charset="0"/>
-              </a:rPr>
-              <a:t>Cluster</a:t>
-            </a:r>
-            <a:r>
-              <a:rPr kumimoji="1" lang="en-US" sz="1100" b="0" i="0" u="none" strike="noStrike" cap="none" normalizeH="0" dirty="0" smtClean="0">
-                <a:ln>
-                  <a:noFill/>
-                </a:ln>
-                <a:solidFill>
-                  <a:srgbClr val="FFFFFF"/>
-                </a:solidFill>
-                <a:effectLst/>
-                <a:latin typeface="Fujitsu Sans" panose="020B0404060202020204" pitchFamily="34" charset="0"/>
-              </a:rPr>
-              <a:t> Orchestration</a:t>
-            </a:r>
-            <a:endParaRPr kumimoji="1" lang="en-US" sz="1100" b="0" i="0" u="none" strike="noStrike" cap="none" normalizeH="0" baseline="0" dirty="0" smtClean="0">
-              <a:ln>
-                <a:noFill/>
-              </a:ln>
-              <a:solidFill>
-                <a:srgbClr val="FFFFFF"/>
-              </a:solidFill>
-              <a:effectLst/>
-              <a:latin typeface="Fujitsu Sans" panose="020B0404060202020204" pitchFamily="34" charset="0"/>
-            </a:endParaRPr>
-          </a:p>
-        </p:txBody>
-      </p:sp>
-      <p:sp>
-        <p:nvSpPr>
-          <p:cNvPr id="68" name="Rounded Rectangle 67"/>
-          <p:cNvSpPr/>
-          <p:nvPr/>
-        </p:nvSpPr>
-        <p:spPr bwMode="gray">
-          <a:xfrm>
-            <a:off x="5544583" y="5968024"/>
-            <a:ext cx="1368000" cy="295200"/>
-          </a:xfrm>
-          <a:prstGeom prst="roundRect">
-            <a:avLst/>
-          </a:prstGeom>
-          <a:solidFill>
-            <a:schemeClr val="bg1"/>
-          </a:solidFill>
-          <a:ln w="9525" cap="flat" cmpd="sng" algn="ctr">
-            <a:solidFill>
-              <a:schemeClr val="tx1"/>
-            </a:solidFill>
-            <a:prstDash val="solid"/>
-            <a:round/>
-            <a:headEnd type="none" w="med" len="med"/>
-            <a:tailEnd type="none" w="med" len="med"/>
-          </a:ln>
-          <a:effectLst/>
-          <a:extLst/>
-        </p:spPr>
-        <p:txBody>
-          <a:bodyPr vert="horz" wrap="none" lIns="91440" tIns="45720" rIns="91440" bIns="45720" numCol="1" rtlCol="0" anchor="ctr" anchorCtr="0" compatLnSpc="1">
-            <a:prstTxWarp prst="textNoShape">
-              <a:avLst/>
-            </a:prstTxWarp>
-          </a:bodyPr>
-          <a:lstStyle/>
-          <a:p>
-            <a:pPr marL="0" marR="0" indent="0" algn="ctr" defTabSz="914400" rtl="0" eaLnBrk="1" fontAlgn="ctr" latinLnBrk="0" hangingPunct="1">
-              <a:lnSpc>
-                <a:spcPct val="100000"/>
-              </a:lnSpc>
-              <a:spcBef>
-                <a:spcPct val="0"/>
-              </a:spcBef>
-              <a:spcAft>
-                <a:spcPct val="0"/>
-              </a:spcAft>
-              <a:buClrTx/>
-              <a:buSzTx/>
-              <a:buFontTx/>
-              <a:buNone/>
-              <a:tabLst/>
-            </a:pPr>
-            <a:r>
-              <a:rPr kumimoji="1" lang="en-US" sz="1100" b="0" i="0" u="none" strike="noStrike" cap="none" normalizeH="0" baseline="0" dirty="0" smtClean="0">
-                <a:ln>
-                  <a:noFill/>
-                </a:ln>
-                <a:effectLst/>
-                <a:latin typeface="Fujitsu Sans" panose="020B0404060202020204" pitchFamily="34" charset="0"/>
-              </a:rPr>
-              <a:t>Infrastructure</a:t>
-            </a:r>
-          </a:p>
-        </p:txBody>
-      </p:sp>
-      <p:sp>
-        <p:nvSpPr>
-          <p:cNvPr id="69" name="Rounded Rectangle 68"/>
-          <p:cNvSpPr/>
-          <p:nvPr/>
-        </p:nvSpPr>
-        <p:spPr bwMode="gray">
-          <a:xfrm>
-            <a:off x="5544431" y="4887288"/>
-            <a:ext cx="1368152" cy="294839"/>
-          </a:xfrm>
-          <a:prstGeom prst="roundRect">
-            <a:avLst/>
-          </a:prstGeom>
-          <a:solidFill>
-            <a:srgbClr val="CACAC7"/>
-          </a:solidFill>
-          <a:ln w="9525" cap="flat" cmpd="sng" algn="ctr">
-            <a:solidFill>
-              <a:srgbClr val="57564F"/>
-            </a:solidFill>
-            <a:prstDash val="solid"/>
-            <a:round/>
-            <a:headEnd type="none" w="med" len="med"/>
-            <a:tailEnd type="none" w="med" len="med"/>
-          </a:ln>
-          <a:effectLst/>
-          <a:extLst>
-            <a:ext uri="{AF507438-7753-43E0-B8FC-AC1667EBCBE1}">
-              <a14:hiddenEffects xmlns:a14="http://schemas.microsoft.com/office/drawing/2010/main">
-                <a:effectLst>
-                  <a:outerShdw dist="53882" dir="2700000" algn="ctr" rotWithShape="0">
-                    <a:schemeClr val="bg2">
-                      <a:alpha val="50000"/>
-                    </a:schemeClr>
-                  </a:outerShdw>
-                </a:effectLst>
-              </a14:hiddenEffects>
-            </a:ext>
-          </a:extLst>
-        </p:spPr>
-        <p:txBody>
-          <a:bodyPr vert="horz" wrap="none" lIns="91440" tIns="45720" rIns="91440" bIns="45720" numCol="1" rtlCol="0" anchor="ctr" anchorCtr="0" compatLnSpc="1">
-            <a:prstTxWarp prst="textNoShape">
-              <a:avLst/>
-            </a:prstTxWarp>
-          </a:bodyPr>
-          <a:lstStyle/>
-          <a:p>
-            <a:pPr marL="0" marR="0" indent="0" algn="ctr" defTabSz="914400" rtl="0" eaLnBrk="1" fontAlgn="ctr" latinLnBrk="0" hangingPunct="1">
-              <a:lnSpc>
-                <a:spcPct val="100000"/>
-              </a:lnSpc>
-              <a:spcBef>
-                <a:spcPct val="0"/>
-              </a:spcBef>
-              <a:spcAft>
-                <a:spcPct val="0"/>
-              </a:spcAft>
-              <a:buClrTx/>
-              <a:buSzTx/>
-              <a:buFontTx/>
-              <a:buNone/>
-              <a:tabLst/>
-            </a:pPr>
-            <a:r>
-              <a:rPr kumimoji="1" lang="en-US" sz="1100" b="0" i="0" u="none" strike="noStrike" cap="none" normalizeH="0" baseline="0" dirty="0" smtClean="0">
-                <a:ln>
-                  <a:noFill/>
-                </a:ln>
-                <a:effectLst/>
-                <a:latin typeface="Fujitsu Sans" panose="020B0404060202020204" pitchFamily="34" charset="0"/>
-              </a:rPr>
-              <a:t>Containers</a:t>
-            </a:r>
-          </a:p>
-        </p:txBody>
-      </p:sp>
-      <p:sp>
-        <p:nvSpPr>
-          <p:cNvPr id="71" name="Rounded Rectangle 70"/>
-          <p:cNvSpPr/>
-          <p:nvPr/>
-        </p:nvSpPr>
-        <p:spPr bwMode="gray">
-          <a:xfrm>
-            <a:off x="5544431" y="5607985"/>
-            <a:ext cx="1368000" cy="295200"/>
-          </a:xfrm>
-          <a:prstGeom prst="roundRect">
-            <a:avLst/>
-          </a:prstGeom>
-          <a:solidFill>
-            <a:srgbClr val="B22B30"/>
-          </a:solidFill>
-          <a:ln w="9525" cap="flat" cmpd="sng" algn="ctr">
-            <a:solidFill>
-              <a:srgbClr val="B22B30"/>
-            </a:solidFill>
-            <a:prstDash val="solid"/>
-            <a:round/>
-            <a:headEnd type="none" w="med" len="med"/>
-            <a:tailEnd type="none" w="med" len="med"/>
-          </a:ln>
-          <a:effectLst/>
-          <a:extLst>
-            <a:ext uri="{AF507438-7753-43E0-B8FC-AC1667EBCBE1}">
-              <a14:hiddenEffects xmlns:a14="http://schemas.microsoft.com/office/drawing/2010/main">
-                <a:effectLst>
-                  <a:outerShdw dist="53882" dir="2700000" algn="ctr" rotWithShape="0">
-                    <a:schemeClr val="bg2">
-                      <a:alpha val="50000"/>
-                    </a:schemeClr>
-                  </a:outerShdw>
-                </a:effectLst>
-              </a14:hiddenEffects>
-            </a:ext>
-          </a:extLst>
-        </p:spPr>
-        <p:txBody>
-          <a:bodyPr vert="horz" wrap="none" lIns="91440" tIns="45720" rIns="91440" bIns="45720" numCol="1" rtlCol="0" anchor="ctr" anchorCtr="0" compatLnSpc="1">
-            <a:prstTxWarp prst="textNoShape">
-              <a:avLst/>
-            </a:prstTxWarp>
-          </a:bodyPr>
-          <a:lstStyle/>
-          <a:p>
-            <a:pPr marL="0" marR="0" indent="0" algn="ctr" defTabSz="914400" rtl="0" eaLnBrk="1" fontAlgn="ctr" latinLnBrk="0" hangingPunct="1">
-              <a:lnSpc>
-                <a:spcPct val="100000"/>
-              </a:lnSpc>
-              <a:spcBef>
-                <a:spcPct val="0"/>
-              </a:spcBef>
-              <a:spcAft>
-                <a:spcPct val="0"/>
-              </a:spcAft>
-              <a:buClrTx/>
-              <a:buSzTx/>
-              <a:buFontTx/>
-              <a:buNone/>
-              <a:tabLst/>
-            </a:pPr>
-            <a:r>
-              <a:rPr kumimoji="1" lang="en-US" sz="1100" b="0" i="0" u="none" strike="noStrike" cap="none" normalizeH="0" baseline="0" dirty="0" smtClean="0">
-                <a:ln>
-                  <a:noFill/>
-                </a:ln>
-                <a:solidFill>
-                  <a:srgbClr val="FFFFFF"/>
-                </a:solidFill>
-                <a:effectLst/>
-                <a:latin typeface="Fujitsu Sans" panose="020B0404060202020204" pitchFamily="34" charset="0"/>
-              </a:rPr>
-              <a:t>Cluster</a:t>
-            </a:r>
-            <a:r>
-              <a:rPr kumimoji="1" lang="en-US" sz="1100" b="0" i="0" u="none" strike="noStrike" cap="none" normalizeH="0" dirty="0" smtClean="0">
-                <a:ln>
-                  <a:noFill/>
-                </a:ln>
-                <a:solidFill>
-                  <a:srgbClr val="FFFFFF"/>
-                </a:solidFill>
-                <a:effectLst/>
-                <a:latin typeface="Fujitsu Sans" panose="020B0404060202020204" pitchFamily="34" charset="0"/>
-              </a:rPr>
-              <a:t> Management</a:t>
-            </a:r>
-            <a:endParaRPr kumimoji="1" lang="en-US" sz="1100" b="0" i="0" u="none" strike="noStrike" cap="none" normalizeH="0" baseline="0" dirty="0" smtClean="0">
-              <a:ln>
-                <a:noFill/>
-              </a:ln>
-              <a:solidFill>
-                <a:srgbClr val="FFFFFF"/>
-              </a:solidFill>
-              <a:effectLst/>
-              <a:latin typeface="Fujitsu Sans" panose="020B0404060202020204" pitchFamily="34" charset="0"/>
-            </a:endParaRPr>
-          </a:p>
-        </p:txBody>
-      </p:sp>
-      <p:sp>
-        <p:nvSpPr>
-          <p:cNvPr id="386089" name="Rectangle 41"/>
-          <p:cNvSpPr>
-            <a:spLocks noGrp="1" noChangeArrowheads="1"/>
-          </p:cNvSpPr>
-          <p:nvPr>
-            <p:ph type="title"/>
-          </p:nvPr>
-        </p:nvSpPr>
-        <p:spPr/>
-        <p:txBody>
-          <a:bodyPr/>
-          <a:lstStyle/>
-          <a:p>
-            <a:r>
-              <a:rPr lang="de-DE" altLang="en-US" dirty="0" smtClean="0">
-                <a:latin typeface="Fujitsu Sans" panose="020B0404060202020204" pitchFamily="34" charset="0"/>
-              </a:rPr>
-              <a:t>NOT USED</a:t>
-            </a:r>
-            <a:endParaRPr lang="en-US" altLang="en-US" dirty="0">
-              <a:latin typeface="Fujitsu Sans" panose="020B0404060202020204" pitchFamily="34" charset="0"/>
-            </a:endParaRPr>
-          </a:p>
-        </p:txBody>
-      </p:sp>
-      <p:sp>
-        <p:nvSpPr>
-          <p:cNvPr id="50" name="TextBox 49"/>
-          <p:cNvSpPr txBox="1"/>
-          <p:nvPr/>
-        </p:nvSpPr>
-        <p:spPr>
-          <a:xfrm>
-            <a:off x="6948287" y="5803075"/>
-            <a:ext cx="776175" cy="253916"/>
-          </a:xfrm>
-          <a:prstGeom prst="rect">
-            <a:avLst/>
-          </a:prstGeom>
-          <a:noFill/>
-        </p:spPr>
-        <p:txBody>
-          <a:bodyPr wrap="none" rtlCol="0">
-            <a:spAutoFit/>
-          </a:bodyPr>
-          <a:lstStyle/>
-          <a:p>
-            <a:pPr algn="l"/>
-            <a:r>
-              <a:rPr lang="en-US" sz="1050" dirty="0" smtClean="0">
-                <a:latin typeface="Fujitsu Sans" panose="020B0404060202020204" pitchFamily="34" charset="0"/>
-              </a:rPr>
-              <a:t>OpenStack</a:t>
-            </a:r>
-            <a:endParaRPr lang="en-US" sz="1050" dirty="0">
-              <a:latin typeface="Fujitsu Sans" panose="020B0404060202020204" pitchFamily="34" charset="0"/>
-            </a:endParaRPr>
-          </a:p>
-        </p:txBody>
-      </p:sp>
-      <p:sp>
-        <p:nvSpPr>
-          <p:cNvPr id="52" name="TextBox 51"/>
-          <p:cNvSpPr txBox="1"/>
-          <p:nvPr/>
-        </p:nvSpPr>
-        <p:spPr>
-          <a:xfrm>
-            <a:off x="6948287" y="5261844"/>
-            <a:ext cx="851515" cy="253916"/>
-          </a:xfrm>
-          <a:prstGeom prst="rect">
-            <a:avLst/>
-          </a:prstGeom>
-          <a:noFill/>
-        </p:spPr>
-        <p:txBody>
-          <a:bodyPr wrap="none" rtlCol="0">
-            <a:spAutoFit/>
-          </a:bodyPr>
-          <a:lstStyle/>
-          <a:p>
-            <a:pPr algn="l"/>
-            <a:r>
-              <a:rPr lang="en-US" sz="1050" dirty="0" smtClean="0">
-                <a:latin typeface="Fujitsu Sans" panose="020B0404060202020204" pitchFamily="34" charset="0"/>
-              </a:rPr>
-              <a:t>Kubernetes</a:t>
-            </a:r>
-            <a:endParaRPr lang="en-US" sz="1050" dirty="0">
-              <a:latin typeface="Fujitsu Sans" panose="020B0404060202020204" pitchFamily="34" charset="0"/>
-            </a:endParaRPr>
-          </a:p>
-        </p:txBody>
-      </p:sp>
-      <p:sp>
-        <p:nvSpPr>
-          <p:cNvPr id="53" name="TextBox 52"/>
-          <p:cNvSpPr txBox="1"/>
-          <p:nvPr/>
-        </p:nvSpPr>
-        <p:spPr>
-          <a:xfrm>
-            <a:off x="6948287" y="4901804"/>
-            <a:ext cx="567784" cy="253916"/>
-          </a:xfrm>
-          <a:prstGeom prst="rect">
-            <a:avLst/>
-          </a:prstGeom>
-          <a:noFill/>
-        </p:spPr>
-        <p:txBody>
-          <a:bodyPr wrap="none" rtlCol="0">
-            <a:spAutoFit/>
-          </a:bodyPr>
-          <a:lstStyle/>
-          <a:p>
-            <a:pPr algn="l"/>
-            <a:r>
-              <a:rPr lang="en-US" sz="1050" dirty="0" err="1" smtClean="0">
-                <a:latin typeface="Fujitsu Sans" panose="020B0404060202020204" pitchFamily="34" charset="0"/>
-              </a:rPr>
-              <a:t>Docker</a:t>
-            </a:r>
-            <a:endParaRPr lang="en-US" sz="1050" dirty="0">
-              <a:latin typeface="Fujitsu Sans" panose="020B0404060202020204" pitchFamily="34" charset="0"/>
-            </a:endParaRPr>
-          </a:p>
-        </p:txBody>
-      </p:sp>
-      <p:sp>
-        <p:nvSpPr>
-          <p:cNvPr id="57" name="Right Brace 56"/>
-          <p:cNvSpPr/>
-          <p:nvPr/>
-        </p:nvSpPr>
-        <p:spPr bwMode="auto">
-          <a:xfrm>
-            <a:off x="6948287" y="5598737"/>
-            <a:ext cx="72220" cy="652043"/>
-          </a:xfrm>
-          <a:prstGeom prst="rightBrace">
-            <a:avLst>
-              <a:gd name="adj1" fmla="val 24326"/>
-              <a:gd name="adj2" fmla="val 50000"/>
-            </a:avLst>
-          </a:prstGeom>
-          <a:noFill/>
-          <a:ln w="9525" cap="flat" cmpd="sng" algn="ctr">
-            <a:solidFill>
-              <a:srgbClr val="57564F"/>
-            </a:solidFill>
-            <a:prstDash val="solid"/>
-            <a:round/>
-            <a:headEnd type="none" w="med" len="med"/>
-            <a:tailEnd type="none" w="med" len="med"/>
-          </a:ln>
-          <a:effectLst/>
-        </p:spPr>
-        <p:txBody>
-          <a:bodyPr vert="horz" wrap="none" lIns="91440" tIns="45720" rIns="91440" bIns="45720" numCol="1" rtlCol="0" anchor="ctr" anchorCtr="0" compatLnSpc="1">
-            <a:prstTxWarp prst="textNoShape">
-              <a:avLst/>
-            </a:prstTxWarp>
-          </a:bodyPr>
-          <a:lstStyle/>
-          <a:p>
-            <a:pPr marL="0" marR="0" indent="0" algn="ctr" defTabSz="914400" rtl="0" eaLnBrk="1" fontAlgn="ctr" latinLnBrk="0" hangingPunct="1">
-              <a:lnSpc>
-                <a:spcPct val="100000"/>
-              </a:lnSpc>
-              <a:spcBef>
-                <a:spcPct val="0"/>
-              </a:spcBef>
-              <a:spcAft>
-                <a:spcPct val="0"/>
-              </a:spcAft>
-              <a:buClrTx/>
-              <a:buSzTx/>
-              <a:buFontTx/>
-              <a:buNone/>
-              <a:tabLst/>
-            </a:pPr>
-            <a:endParaRPr kumimoji="1" lang="en-US" sz="1800" b="0" i="0" u="none" strike="noStrike" cap="none" normalizeH="0" baseline="0" smtClean="0">
-              <a:ln>
-                <a:noFill/>
-              </a:ln>
-              <a:solidFill>
-                <a:srgbClr val="000000"/>
-              </a:solidFill>
-              <a:effectLst/>
-              <a:latin typeface="ＭＳ Ｐゴシック" pitchFamily="50" charset="-128"/>
-              <a:ea typeface="ＭＳ Ｐゴシック" pitchFamily="50" charset="-128"/>
-            </a:endParaRPr>
-          </a:p>
-        </p:txBody>
-      </p:sp>
-      <p:sp>
-        <p:nvSpPr>
-          <p:cNvPr id="58" name="TextBox 57"/>
-          <p:cNvSpPr txBox="1"/>
-          <p:nvPr/>
-        </p:nvSpPr>
-        <p:spPr>
-          <a:xfrm>
-            <a:off x="6948287" y="4544922"/>
-            <a:ext cx="1125629" cy="253916"/>
-          </a:xfrm>
-          <a:prstGeom prst="rect">
-            <a:avLst/>
-          </a:prstGeom>
-          <a:noFill/>
-        </p:spPr>
-        <p:txBody>
-          <a:bodyPr wrap="none" rtlCol="0">
-            <a:spAutoFit/>
-          </a:bodyPr>
-          <a:lstStyle/>
-          <a:p>
-            <a:pPr algn="l"/>
-            <a:r>
-              <a:rPr lang="en-US" sz="1050" dirty="0" smtClean="0">
-                <a:latin typeface="Fujitsu Sans" panose="020B0404060202020204" pitchFamily="34" charset="0"/>
-              </a:rPr>
-              <a:t>User application</a:t>
-            </a:r>
-            <a:endParaRPr lang="en-US" sz="1050" dirty="0">
-              <a:latin typeface="Fujitsu Sans" panose="020B0404060202020204" pitchFamily="34" charset="0"/>
-            </a:endParaRPr>
-          </a:p>
-        </p:txBody>
-      </p:sp>
-      <p:sp>
-        <p:nvSpPr>
-          <p:cNvPr id="60" name="TextBox 59"/>
-          <p:cNvSpPr txBox="1"/>
-          <p:nvPr/>
-        </p:nvSpPr>
-        <p:spPr>
-          <a:xfrm>
-            <a:off x="4210411" y="5985081"/>
-            <a:ext cx="1334020" cy="253916"/>
-          </a:xfrm>
-          <a:prstGeom prst="rect">
-            <a:avLst/>
-          </a:prstGeom>
-          <a:noFill/>
-        </p:spPr>
-        <p:txBody>
-          <a:bodyPr wrap="none" rtlCol="0">
-            <a:spAutoFit/>
-          </a:bodyPr>
-          <a:lstStyle/>
-          <a:p>
-            <a:pPr algn="l"/>
-            <a:r>
-              <a:rPr lang="en-US" sz="1050" dirty="0" smtClean="0">
-                <a:latin typeface="Fujitsu Sans" panose="020B0404060202020204" pitchFamily="34" charset="0"/>
-              </a:rPr>
-              <a:t>OpenStack Operator</a:t>
-            </a:r>
-            <a:endParaRPr lang="en-US" sz="1050" dirty="0">
-              <a:latin typeface="Fujitsu Sans" panose="020B0404060202020204" pitchFamily="34" charset="0"/>
-            </a:endParaRPr>
-          </a:p>
-        </p:txBody>
-      </p:sp>
-      <p:sp>
-        <p:nvSpPr>
-          <p:cNvPr id="61" name="TextBox 60"/>
-          <p:cNvSpPr txBox="1"/>
-          <p:nvPr/>
-        </p:nvSpPr>
-        <p:spPr>
-          <a:xfrm>
-            <a:off x="4422008" y="5526057"/>
-            <a:ext cx="1122423" cy="253916"/>
-          </a:xfrm>
-          <a:prstGeom prst="rect">
-            <a:avLst/>
-          </a:prstGeom>
-          <a:noFill/>
-        </p:spPr>
-        <p:txBody>
-          <a:bodyPr wrap="none" rtlCol="0">
-            <a:spAutoFit/>
-          </a:bodyPr>
-          <a:lstStyle/>
-          <a:p>
-            <a:pPr algn="l"/>
-            <a:r>
-              <a:rPr lang="en-US" sz="1050" dirty="0" smtClean="0">
-                <a:latin typeface="Fujitsu Sans" panose="020B0404060202020204" pitchFamily="34" charset="0"/>
-              </a:rPr>
-              <a:t>Cluster Operator</a:t>
-            </a:r>
-            <a:endParaRPr lang="en-US" sz="1050" dirty="0">
-              <a:latin typeface="Fujitsu Sans" panose="020B0404060202020204" pitchFamily="34" charset="0"/>
-            </a:endParaRPr>
-          </a:p>
-        </p:txBody>
-      </p:sp>
-      <p:sp>
-        <p:nvSpPr>
-          <p:cNvPr id="64" name="TextBox 63"/>
-          <p:cNvSpPr txBox="1"/>
-          <p:nvPr/>
-        </p:nvSpPr>
-        <p:spPr>
-          <a:xfrm>
-            <a:off x="4668870" y="4819467"/>
-            <a:ext cx="875561" cy="253916"/>
-          </a:xfrm>
-          <a:prstGeom prst="rect">
-            <a:avLst/>
-          </a:prstGeom>
-          <a:noFill/>
-        </p:spPr>
-        <p:txBody>
-          <a:bodyPr wrap="none" rtlCol="0">
-            <a:spAutoFit/>
-          </a:bodyPr>
-          <a:lstStyle/>
-          <a:p>
-            <a:pPr algn="l"/>
-            <a:r>
-              <a:rPr lang="en-US" sz="1050" dirty="0" smtClean="0">
-                <a:latin typeface="Fujitsu Sans" panose="020B0404060202020204" pitchFamily="34" charset="0"/>
-              </a:rPr>
-              <a:t>Cluster User</a:t>
-            </a:r>
-            <a:endParaRPr lang="en-US" sz="1050" dirty="0">
-              <a:latin typeface="Fujitsu Sans" panose="020B0404060202020204" pitchFamily="34" charset="0"/>
-            </a:endParaRPr>
-          </a:p>
-        </p:txBody>
-      </p:sp>
-      <p:sp>
-        <p:nvSpPr>
-          <p:cNvPr id="65" name="Right Brace 64"/>
-          <p:cNvSpPr/>
-          <p:nvPr/>
-        </p:nvSpPr>
-        <p:spPr bwMode="auto">
-          <a:xfrm rot="10800000">
-            <a:off x="5438355" y="4527865"/>
-            <a:ext cx="72220" cy="837120"/>
-          </a:xfrm>
-          <a:prstGeom prst="rightBrace">
-            <a:avLst>
-              <a:gd name="adj1" fmla="val 24326"/>
-              <a:gd name="adj2" fmla="val 50000"/>
-            </a:avLst>
-          </a:prstGeom>
-          <a:noFill/>
-          <a:ln w="9525" cap="flat" cmpd="sng" algn="ctr">
-            <a:solidFill>
-              <a:srgbClr val="57564F"/>
-            </a:solidFill>
-            <a:prstDash val="solid"/>
-            <a:round/>
-            <a:headEnd type="none" w="med" len="med"/>
-            <a:tailEnd type="none" w="med" len="med"/>
-          </a:ln>
-          <a:effectLst/>
-        </p:spPr>
-        <p:txBody>
-          <a:bodyPr vert="horz" wrap="none" lIns="91440" tIns="45720" rIns="91440" bIns="45720" numCol="1" rtlCol="0" anchor="ctr" anchorCtr="0" compatLnSpc="1">
-            <a:prstTxWarp prst="textNoShape">
-              <a:avLst/>
-            </a:prstTxWarp>
-          </a:bodyPr>
-          <a:lstStyle/>
-          <a:p>
-            <a:pPr marL="0" marR="0" indent="0" algn="ctr" defTabSz="914400" rtl="0" eaLnBrk="1" fontAlgn="ctr" latinLnBrk="0" hangingPunct="1">
-              <a:lnSpc>
-                <a:spcPct val="100000"/>
-              </a:lnSpc>
-              <a:spcBef>
-                <a:spcPct val="0"/>
-              </a:spcBef>
-              <a:spcAft>
-                <a:spcPct val="0"/>
-              </a:spcAft>
-              <a:buClrTx/>
-              <a:buSzTx/>
-              <a:buFontTx/>
-              <a:buNone/>
-              <a:tabLst/>
-            </a:pPr>
-            <a:endParaRPr kumimoji="1" lang="en-US" sz="1800" b="0" i="0" u="none" strike="noStrike" cap="none" normalizeH="0" baseline="0" smtClean="0">
-              <a:ln>
-                <a:noFill/>
-              </a:ln>
-              <a:solidFill>
-                <a:srgbClr val="000000"/>
-              </a:solidFill>
-              <a:effectLst/>
-              <a:latin typeface="ＭＳ Ｐゴシック" pitchFamily="50" charset="-128"/>
-              <a:ea typeface="ＭＳ Ｐゴシック" pitchFamily="50" charset="-128"/>
-            </a:endParaRPr>
-          </a:p>
-        </p:txBody>
-      </p:sp>
-      <p:sp>
-        <p:nvSpPr>
-          <p:cNvPr id="66" name="Right Brace 65"/>
-          <p:cNvSpPr/>
-          <p:nvPr/>
-        </p:nvSpPr>
-        <p:spPr bwMode="auto">
-          <a:xfrm rot="10800000">
-            <a:off x="5438291" y="5410015"/>
-            <a:ext cx="72220" cy="486000"/>
-          </a:xfrm>
-          <a:prstGeom prst="rightBrace">
-            <a:avLst>
-              <a:gd name="adj1" fmla="val 24326"/>
-              <a:gd name="adj2" fmla="val 50000"/>
-            </a:avLst>
-          </a:prstGeom>
-          <a:noFill/>
-          <a:ln w="9525" cap="flat" cmpd="sng" algn="ctr">
-            <a:solidFill>
-              <a:srgbClr val="57564F"/>
-            </a:solidFill>
-            <a:prstDash val="solid"/>
-            <a:round/>
-            <a:headEnd type="none" w="med" len="med"/>
-            <a:tailEnd type="none" w="med" len="med"/>
-          </a:ln>
-          <a:effectLst/>
-        </p:spPr>
-        <p:txBody>
-          <a:bodyPr vert="horz" wrap="none" lIns="91440" tIns="45720" rIns="91440" bIns="45720" numCol="1" rtlCol="0" anchor="ctr" anchorCtr="0" compatLnSpc="1">
-            <a:prstTxWarp prst="textNoShape">
-              <a:avLst/>
-            </a:prstTxWarp>
-          </a:bodyPr>
-          <a:lstStyle/>
-          <a:p>
-            <a:pPr marL="0" marR="0" indent="0" algn="ctr" defTabSz="914400" rtl="0" eaLnBrk="1" fontAlgn="ctr" latinLnBrk="0" hangingPunct="1">
-              <a:lnSpc>
-                <a:spcPct val="100000"/>
-              </a:lnSpc>
-              <a:spcBef>
-                <a:spcPct val="0"/>
-              </a:spcBef>
-              <a:spcAft>
-                <a:spcPct val="0"/>
-              </a:spcAft>
-              <a:buClrTx/>
-              <a:buSzTx/>
-              <a:buFontTx/>
-              <a:buNone/>
-              <a:tabLst/>
-            </a:pPr>
-            <a:endParaRPr kumimoji="1" lang="en-US" sz="1800" b="0" i="0" u="none" strike="noStrike" cap="none" normalizeH="0" baseline="0" smtClean="0">
-              <a:ln>
-                <a:noFill/>
-              </a:ln>
-              <a:solidFill>
-                <a:srgbClr val="000000"/>
-              </a:solidFill>
-              <a:effectLst/>
-              <a:latin typeface="ＭＳ Ｐゴシック" pitchFamily="50" charset="-128"/>
-              <a:ea typeface="ＭＳ Ｐゴシック" pitchFamily="50" charset="-128"/>
-            </a:endParaRPr>
-          </a:p>
-        </p:txBody>
-      </p:sp>
-      <p:sp>
-        <p:nvSpPr>
-          <p:cNvPr id="46" name="Rounded Rectangle 45"/>
-          <p:cNvSpPr/>
-          <p:nvPr/>
-        </p:nvSpPr>
-        <p:spPr bwMode="gray">
-          <a:xfrm>
-            <a:off x="1372984" y="4531102"/>
-            <a:ext cx="1368152" cy="294839"/>
-          </a:xfrm>
-          <a:prstGeom prst="roundRect">
-            <a:avLst/>
-          </a:prstGeom>
-          <a:solidFill>
-            <a:srgbClr val="CACAC7"/>
-          </a:solidFill>
-          <a:ln w="9525" cap="flat" cmpd="sng" algn="ctr">
-            <a:solidFill>
-              <a:srgbClr val="57564F"/>
-            </a:solidFill>
-            <a:prstDash val="solid"/>
-            <a:round/>
-            <a:headEnd type="none" w="med" len="med"/>
-            <a:tailEnd type="none" w="med" len="med"/>
-          </a:ln>
-          <a:effectLst/>
-          <a:extLst/>
-        </p:spPr>
-        <p:txBody>
-          <a:bodyPr vert="horz" wrap="none" lIns="91440" tIns="45720" rIns="91440" bIns="45720" numCol="1" rtlCol="0" anchor="ctr" anchorCtr="0" compatLnSpc="1">
-            <a:prstTxWarp prst="textNoShape">
-              <a:avLst/>
-            </a:prstTxWarp>
-          </a:bodyPr>
-          <a:lstStyle/>
-          <a:p>
-            <a:pPr marL="0" marR="0" indent="0" algn="ctr" defTabSz="914400" rtl="0" eaLnBrk="1" fontAlgn="ctr" latinLnBrk="0" hangingPunct="1">
-              <a:lnSpc>
-                <a:spcPct val="100000"/>
-              </a:lnSpc>
-              <a:spcBef>
-                <a:spcPct val="0"/>
-              </a:spcBef>
-              <a:spcAft>
-                <a:spcPct val="0"/>
-              </a:spcAft>
-              <a:buClrTx/>
-              <a:buSzTx/>
-              <a:buFontTx/>
-              <a:buNone/>
-              <a:tabLst/>
-            </a:pPr>
-            <a:r>
-              <a:rPr kumimoji="1" lang="en-US" sz="1100" b="0" i="0" u="none" strike="noStrike" cap="none" normalizeH="0" baseline="0" dirty="0" smtClean="0">
-                <a:ln>
-                  <a:noFill/>
-                </a:ln>
-                <a:effectLst/>
-                <a:latin typeface="Fujitsu Sans" panose="020B0404060202020204" pitchFamily="34" charset="0"/>
-              </a:rPr>
-              <a:t>Workload</a:t>
-            </a:r>
-          </a:p>
-        </p:txBody>
-      </p:sp>
-      <p:sp>
-        <p:nvSpPr>
-          <p:cNvPr id="47" name="Rounded Rectangle 46"/>
-          <p:cNvSpPr/>
-          <p:nvPr/>
-        </p:nvSpPr>
-        <p:spPr bwMode="gray">
-          <a:xfrm>
-            <a:off x="1372984" y="5248024"/>
-            <a:ext cx="1368000" cy="295200"/>
-          </a:xfrm>
-          <a:prstGeom prst="roundRect">
-            <a:avLst/>
-          </a:prstGeom>
-          <a:solidFill>
-            <a:srgbClr val="B22B30"/>
-          </a:solidFill>
-          <a:ln w="9525" cap="flat" cmpd="sng" algn="ctr">
-            <a:solidFill>
-              <a:srgbClr val="B22B30"/>
-            </a:solidFill>
-            <a:prstDash val="solid"/>
-            <a:round/>
-            <a:headEnd type="none" w="med" len="med"/>
-            <a:tailEnd type="none" w="med" len="med"/>
-          </a:ln>
-          <a:effectLst/>
-          <a:extLst>
-            <a:ext uri="{AF507438-7753-43E0-B8FC-AC1667EBCBE1}">
-              <a14:hiddenEffects xmlns:a14="http://schemas.microsoft.com/office/drawing/2010/main">
-                <a:effectLst>
-                  <a:outerShdw dist="53882" dir="2700000" algn="ctr" rotWithShape="0">
-                    <a:schemeClr val="bg2">
-                      <a:alpha val="50000"/>
-                    </a:schemeClr>
-                  </a:outerShdw>
-                </a:effectLst>
-              </a14:hiddenEffects>
-            </a:ext>
-          </a:extLst>
-        </p:spPr>
-        <p:txBody>
-          <a:bodyPr vert="horz" wrap="none" lIns="91440" tIns="45720" rIns="91440" bIns="45720" numCol="1" rtlCol="0" anchor="ctr" anchorCtr="0" compatLnSpc="1">
-            <a:prstTxWarp prst="textNoShape">
-              <a:avLst/>
-            </a:prstTxWarp>
-          </a:bodyPr>
-          <a:lstStyle/>
-          <a:p>
-            <a:pPr marL="0" marR="0" indent="0" algn="ctr" defTabSz="914400" rtl="0" eaLnBrk="1" fontAlgn="ctr" latinLnBrk="0" hangingPunct="1">
-              <a:lnSpc>
-                <a:spcPct val="100000"/>
-              </a:lnSpc>
-              <a:spcBef>
-                <a:spcPct val="0"/>
-              </a:spcBef>
-              <a:spcAft>
-                <a:spcPct val="0"/>
-              </a:spcAft>
-              <a:buClrTx/>
-              <a:buSzTx/>
-              <a:buFontTx/>
-              <a:buNone/>
-              <a:tabLst/>
-            </a:pPr>
-            <a:r>
-              <a:rPr kumimoji="1" lang="en-US" sz="1100" b="0" i="0" u="none" strike="noStrike" cap="none" normalizeH="0" baseline="0" dirty="0" smtClean="0">
-                <a:ln>
-                  <a:noFill/>
-                </a:ln>
-                <a:solidFill>
-                  <a:srgbClr val="FFFFFF"/>
-                </a:solidFill>
-                <a:effectLst/>
-                <a:latin typeface="Fujitsu Sans" panose="020B0404060202020204" pitchFamily="34" charset="0"/>
-              </a:rPr>
-              <a:t>Cluster</a:t>
-            </a:r>
-            <a:r>
-              <a:rPr kumimoji="1" lang="en-US" sz="1100" b="0" i="0" u="none" strike="noStrike" cap="none" normalizeH="0" dirty="0" smtClean="0">
-                <a:ln>
-                  <a:noFill/>
-                </a:ln>
-                <a:solidFill>
-                  <a:srgbClr val="FFFFFF"/>
-                </a:solidFill>
-                <a:effectLst/>
-                <a:latin typeface="Fujitsu Sans" panose="020B0404060202020204" pitchFamily="34" charset="0"/>
-              </a:rPr>
-              <a:t> Orchestration</a:t>
-            </a:r>
-            <a:endParaRPr kumimoji="1" lang="en-US" sz="1100" b="0" i="0" u="none" strike="noStrike" cap="none" normalizeH="0" baseline="0" dirty="0" smtClean="0">
-              <a:ln>
-                <a:noFill/>
-              </a:ln>
-              <a:solidFill>
-                <a:srgbClr val="FFFFFF"/>
-              </a:solidFill>
-              <a:effectLst/>
-              <a:latin typeface="Fujitsu Sans" panose="020B0404060202020204" pitchFamily="34" charset="0"/>
-            </a:endParaRPr>
-          </a:p>
-        </p:txBody>
-      </p:sp>
-      <p:sp>
-        <p:nvSpPr>
-          <p:cNvPr id="48" name="Rounded Rectangle 47"/>
-          <p:cNvSpPr/>
-          <p:nvPr/>
-        </p:nvSpPr>
-        <p:spPr bwMode="gray">
-          <a:xfrm>
-            <a:off x="1373136" y="5971261"/>
-            <a:ext cx="1368000" cy="295200"/>
-          </a:xfrm>
-          <a:prstGeom prst="roundRect">
-            <a:avLst/>
-          </a:prstGeom>
-          <a:solidFill>
-            <a:schemeClr val="bg1"/>
-          </a:solidFill>
-          <a:ln w="9525" cap="flat" cmpd="sng" algn="ctr">
-            <a:solidFill>
-              <a:schemeClr val="tx1"/>
-            </a:solidFill>
-            <a:prstDash val="solid"/>
-            <a:round/>
-            <a:headEnd type="none" w="med" len="med"/>
-            <a:tailEnd type="none" w="med" len="med"/>
-          </a:ln>
-          <a:effectLst/>
-          <a:extLst/>
-        </p:spPr>
-        <p:txBody>
-          <a:bodyPr vert="horz" wrap="none" lIns="91440" tIns="45720" rIns="91440" bIns="45720" numCol="1" rtlCol="0" anchor="ctr" anchorCtr="0" compatLnSpc="1">
-            <a:prstTxWarp prst="textNoShape">
-              <a:avLst/>
-            </a:prstTxWarp>
-          </a:bodyPr>
-          <a:lstStyle/>
-          <a:p>
-            <a:pPr marL="0" marR="0" indent="0" algn="ctr" defTabSz="914400" rtl="0" eaLnBrk="1" fontAlgn="ctr" latinLnBrk="0" hangingPunct="1">
-              <a:lnSpc>
-                <a:spcPct val="100000"/>
-              </a:lnSpc>
-              <a:spcBef>
-                <a:spcPct val="0"/>
-              </a:spcBef>
-              <a:spcAft>
-                <a:spcPct val="0"/>
-              </a:spcAft>
-              <a:buClrTx/>
-              <a:buSzTx/>
-              <a:buFontTx/>
-              <a:buNone/>
-              <a:tabLst/>
-            </a:pPr>
-            <a:r>
-              <a:rPr kumimoji="1" lang="en-US" sz="1100" b="0" i="0" u="none" strike="noStrike" cap="none" normalizeH="0" baseline="0" dirty="0" smtClean="0">
-                <a:ln>
-                  <a:noFill/>
-                </a:ln>
-                <a:effectLst/>
-                <a:latin typeface="Fujitsu Sans" panose="020B0404060202020204" pitchFamily="34" charset="0"/>
-              </a:rPr>
-              <a:t>Infrastructure</a:t>
-            </a:r>
-          </a:p>
-        </p:txBody>
-      </p:sp>
-      <p:sp>
-        <p:nvSpPr>
-          <p:cNvPr id="49" name="Rounded Rectangle 48"/>
-          <p:cNvSpPr/>
-          <p:nvPr/>
-        </p:nvSpPr>
-        <p:spPr bwMode="gray">
-          <a:xfrm>
-            <a:off x="1372984" y="4890525"/>
-            <a:ext cx="1368152" cy="294839"/>
-          </a:xfrm>
-          <a:prstGeom prst="roundRect">
-            <a:avLst/>
-          </a:prstGeom>
-          <a:solidFill>
-            <a:srgbClr val="CACAC7"/>
-          </a:solidFill>
-          <a:ln w="9525" cap="flat" cmpd="sng" algn="ctr">
-            <a:solidFill>
-              <a:srgbClr val="57564F"/>
-            </a:solidFill>
-            <a:prstDash val="solid"/>
-            <a:round/>
-            <a:headEnd type="none" w="med" len="med"/>
-            <a:tailEnd type="none" w="med" len="med"/>
-          </a:ln>
-          <a:effectLst/>
-          <a:extLst>
-            <a:ext uri="{AF507438-7753-43E0-B8FC-AC1667EBCBE1}">
-              <a14:hiddenEffects xmlns:a14="http://schemas.microsoft.com/office/drawing/2010/main">
-                <a:effectLst>
-                  <a:outerShdw dist="53882" dir="2700000" algn="ctr" rotWithShape="0">
-                    <a:schemeClr val="bg2">
-                      <a:alpha val="50000"/>
-                    </a:schemeClr>
-                  </a:outerShdw>
-                </a:effectLst>
-              </a14:hiddenEffects>
-            </a:ext>
-          </a:extLst>
-        </p:spPr>
-        <p:txBody>
-          <a:bodyPr vert="horz" wrap="none" lIns="91440" tIns="45720" rIns="91440" bIns="45720" numCol="1" rtlCol="0" anchor="ctr" anchorCtr="0" compatLnSpc="1">
-            <a:prstTxWarp prst="textNoShape">
-              <a:avLst/>
-            </a:prstTxWarp>
-          </a:bodyPr>
-          <a:lstStyle/>
-          <a:p>
-            <a:pPr marL="0" marR="0" indent="0" algn="ctr" defTabSz="914400" rtl="0" eaLnBrk="1" fontAlgn="ctr" latinLnBrk="0" hangingPunct="1">
-              <a:lnSpc>
-                <a:spcPct val="100000"/>
-              </a:lnSpc>
-              <a:spcBef>
-                <a:spcPct val="0"/>
-              </a:spcBef>
-              <a:spcAft>
-                <a:spcPct val="0"/>
-              </a:spcAft>
-              <a:buClrTx/>
-              <a:buSzTx/>
-              <a:buFontTx/>
-              <a:buNone/>
-              <a:tabLst/>
-            </a:pPr>
-            <a:r>
-              <a:rPr kumimoji="1" lang="en-US" sz="1100" b="0" i="0" u="none" strike="noStrike" cap="none" normalizeH="0" baseline="0" dirty="0" smtClean="0">
-                <a:ln>
-                  <a:noFill/>
-                </a:ln>
-                <a:effectLst/>
-                <a:latin typeface="Fujitsu Sans" panose="020B0404060202020204" pitchFamily="34" charset="0"/>
-              </a:rPr>
-              <a:t>Containers</a:t>
-            </a:r>
-          </a:p>
-        </p:txBody>
-      </p:sp>
-      <p:sp>
-        <p:nvSpPr>
-          <p:cNvPr id="51" name="Rounded Rectangle 50"/>
-          <p:cNvSpPr/>
-          <p:nvPr/>
-        </p:nvSpPr>
-        <p:spPr bwMode="gray">
-          <a:xfrm>
-            <a:off x="1372984" y="5611222"/>
-            <a:ext cx="1368000" cy="295200"/>
-          </a:xfrm>
-          <a:prstGeom prst="roundRect">
-            <a:avLst/>
-          </a:prstGeom>
-          <a:solidFill>
-            <a:srgbClr val="B22B30"/>
-          </a:solidFill>
-          <a:ln w="9525" cap="flat" cmpd="sng" algn="ctr">
-            <a:solidFill>
-              <a:srgbClr val="B22B30"/>
-            </a:solidFill>
-            <a:prstDash val="solid"/>
-            <a:round/>
-            <a:headEnd type="none" w="med" len="med"/>
-            <a:tailEnd type="none" w="med" len="med"/>
-          </a:ln>
-          <a:effectLst/>
-          <a:extLst>
-            <a:ext uri="{AF507438-7753-43E0-B8FC-AC1667EBCBE1}">
-              <a14:hiddenEffects xmlns:a14="http://schemas.microsoft.com/office/drawing/2010/main">
-                <a:effectLst>
-                  <a:outerShdw dist="53882" dir="2700000" algn="ctr" rotWithShape="0">
-                    <a:schemeClr val="bg2">
-                      <a:alpha val="50000"/>
-                    </a:schemeClr>
-                  </a:outerShdw>
-                </a:effectLst>
-              </a14:hiddenEffects>
-            </a:ext>
-          </a:extLst>
-        </p:spPr>
-        <p:txBody>
-          <a:bodyPr vert="horz" wrap="none" lIns="91440" tIns="45720" rIns="91440" bIns="45720" numCol="1" rtlCol="0" anchor="ctr" anchorCtr="0" compatLnSpc="1">
-            <a:prstTxWarp prst="textNoShape">
-              <a:avLst/>
-            </a:prstTxWarp>
-          </a:bodyPr>
-          <a:lstStyle/>
-          <a:p>
-            <a:pPr marL="0" marR="0" indent="0" algn="ctr" defTabSz="914400" rtl="0" eaLnBrk="1" fontAlgn="ctr" latinLnBrk="0" hangingPunct="1">
-              <a:lnSpc>
-                <a:spcPct val="100000"/>
-              </a:lnSpc>
-              <a:spcBef>
-                <a:spcPct val="0"/>
-              </a:spcBef>
-              <a:spcAft>
-                <a:spcPct val="0"/>
-              </a:spcAft>
-              <a:buClrTx/>
-              <a:buSzTx/>
-              <a:buFontTx/>
-              <a:buNone/>
-              <a:tabLst/>
-            </a:pPr>
-            <a:r>
-              <a:rPr kumimoji="1" lang="en-US" sz="1100" b="0" i="0" u="none" strike="noStrike" cap="none" normalizeH="0" baseline="0" dirty="0" smtClean="0">
-                <a:ln>
-                  <a:noFill/>
-                </a:ln>
-                <a:solidFill>
-                  <a:srgbClr val="FFFFFF"/>
-                </a:solidFill>
-                <a:effectLst/>
-                <a:latin typeface="Fujitsu Sans" panose="020B0404060202020204" pitchFamily="34" charset="0"/>
-              </a:rPr>
-              <a:t>Cluster</a:t>
-            </a:r>
-            <a:r>
-              <a:rPr kumimoji="1" lang="en-US" sz="1100" b="0" i="0" u="none" strike="noStrike" cap="none" normalizeH="0" dirty="0" smtClean="0">
-                <a:ln>
-                  <a:noFill/>
-                </a:ln>
-                <a:solidFill>
-                  <a:srgbClr val="FFFFFF"/>
-                </a:solidFill>
-                <a:effectLst/>
-                <a:latin typeface="Fujitsu Sans" panose="020B0404060202020204" pitchFamily="34" charset="0"/>
-              </a:rPr>
-              <a:t> Management</a:t>
-            </a:r>
-            <a:endParaRPr kumimoji="1" lang="en-US" sz="1100" b="0" i="0" u="none" strike="noStrike" cap="none" normalizeH="0" baseline="0" dirty="0" smtClean="0">
-              <a:ln>
-                <a:noFill/>
-              </a:ln>
-              <a:solidFill>
-                <a:srgbClr val="FFFFFF"/>
-              </a:solidFill>
-              <a:effectLst/>
-              <a:latin typeface="Fujitsu Sans" panose="020B0404060202020204" pitchFamily="34" charset="0"/>
-            </a:endParaRPr>
-          </a:p>
-        </p:txBody>
-      </p:sp>
-      <p:sp>
-        <p:nvSpPr>
-          <p:cNvPr id="63" name="TextBox 62"/>
-          <p:cNvSpPr txBox="1"/>
-          <p:nvPr/>
-        </p:nvSpPr>
-        <p:spPr>
-          <a:xfrm>
-            <a:off x="38964" y="5988318"/>
-            <a:ext cx="1334020" cy="253916"/>
-          </a:xfrm>
-          <a:prstGeom prst="rect">
-            <a:avLst/>
-          </a:prstGeom>
-          <a:noFill/>
-        </p:spPr>
-        <p:txBody>
-          <a:bodyPr wrap="none" rtlCol="0">
-            <a:spAutoFit/>
-          </a:bodyPr>
-          <a:lstStyle/>
-          <a:p>
-            <a:pPr algn="l"/>
-            <a:r>
-              <a:rPr lang="en-US" sz="1050" dirty="0" smtClean="0">
-                <a:latin typeface="Fujitsu Sans" panose="020B0404060202020204" pitchFamily="34" charset="0"/>
-              </a:rPr>
-              <a:t>OpenStack Operator</a:t>
-            </a:r>
-            <a:endParaRPr lang="en-US" sz="1050" dirty="0">
-              <a:latin typeface="Fujitsu Sans" panose="020B0404060202020204" pitchFamily="34" charset="0"/>
-            </a:endParaRPr>
-          </a:p>
-        </p:txBody>
-      </p:sp>
-      <p:sp>
-        <p:nvSpPr>
-          <p:cNvPr id="70" name="TextBox 69"/>
-          <p:cNvSpPr txBox="1"/>
-          <p:nvPr/>
-        </p:nvSpPr>
-        <p:spPr>
-          <a:xfrm>
-            <a:off x="250561" y="5529294"/>
-            <a:ext cx="1122423" cy="253916"/>
-          </a:xfrm>
-          <a:prstGeom prst="rect">
-            <a:avLst/>
-          </a:prstGeom>
-          <a:noFill/>
-        </p:spPr>
-        <p:txBody>
-          <a:bodyPr wrap="none" rtlCol="0">
-            <a:spAutoFit/>
-          </a:bodyPr>
-          <a:lstStyle/>
-          <a:p>
-            <a:pPr algn="l"/>
-            <a:r>
-              <a:rPr lang="en-US" sz="1050" dirty="0" smtClean="0">
-                <a:latin typeface="Fujitsu Sans" panose="020B0404060202020204" pitchFamily="34" charset="0"/>
-              </a:rPr>
-              <a:t>Cluster Operator</a:t>
-            </a:r>
-            <a:endParaRPr lang="en-US" sz="1050" dirty="0">
-              <a:latin typeface="Fujitsu Sans" panose="020B0404060202020204" pitchFamily="34" charset="0"/>
-            </a:endParaRPr>
-          </a:p>
-        </p:txBody>
-      </p:sp>
-      <p:sp>
-        <p:nvSpPr>
-          <p:cNvPr id="72" name="TextBox 71"/>
-          <p:cNvSpPr txBox="1"/>
-          <p:nvPr/>
-        </p:nvSpPr>
-        <p:spPr>
-          <a:xfrm>
-            <a:off x="497423" y="4822704"/>
-            <a:ext cx="875561" cy="253916"/>
-          </a:xfrm>
-          <a:prstGeom prst="rect">
-            <a:avLst/>
-          </a:prstGeom>
-          <a:noFill/>
-        </p:spPr>
-        <p:txBody>
-          <a:bodyPr wrap="none" rtlCol="0">
-            <a:spAutoFit/>
-          </a:bodyPr>
-          <a:lstStyle/>
-          <a:p>
-            <a:pPr algn="l"/>
-            <a:r>
-              <a:rPr lang="en-US" sz="1050" dirty="0" smtClean="0">
-                <a:latin typeface="Fujitsu Sans" panose="020B0404060202020204" pitchFamily="34" charset="0"/>
-              </a:rPr>
-              <a:t>Cluster User</a:t>
-            </a:r>
-            <a:endParaRPr lang="en-US" sz="1050" dirty="0">
-              <a:latin typeface="Fujitsu Sans" panose="020B0404060202020204" pitchFamily="34" charset="0"/>
-            </a:endParaRPr>
-          </a:p>
-        </p:txBody>
-      </p:sp>
-      <p:sp>
-        <p:nvSpPr>
-          <p:cNvPr id="73" name="Right Brace 72"/>
-          <p:cNvSpPr/>
-          <p:nvPr/>
-        </p:nvSpPr>
-        <p:spPr bwMode="auto">
-          <a:xfrm rot="10800000">
-            <a:off x="1266908" y="4531102"/>
-            <a:ext cx="72220" cy="837120"/>
-          </a:xfrm>
-          <a:prstGeom prst="rightBrace">
-            <a:avLst>
-              <a:gd name="adj1" fmla="val 24326"/>
-              <a:gd name="adj2" fmla="val 50000"/>
-            </a:avLst>
-          </a:prstGeom>
-          <a:noFill/>
-          <a:ln w="9525" cap="flat" cmpd="sng" algn="ctr">
-            <a:solidFill>
-              <a:srgbClr val="57564F"/>
-            </a:solidFill>
-            <a:prstDash val="solid"/>
-            <a:round/>
-            <a:headEnd type="none" w="med" len="med"/>
-            <a:tailEnd type="none" w="med" len="med"/>
-          </a:ln>
-          <a:effectLst/>
-        </p:spPr>
-        <p:txBody>
-          <a:bodyPr vert="horz" wrap="none" lIns="91440" tIns="45720" rIns="91440" bIns="45720" numCol="1" rtlCol="0" anchor="ctr" anchorCtr="0" compatLnSpc="1">
-            <a:prstTxWarp prst="textNoShape">
-              <a:avLst/>
-            </a:prstTxWarp>
-          </a:bodyPr>
-          <a:lstStyle/>
-          <a:p>
-            <a:pPr marL="0" marR="0" indent="0" algn="ctr" defTabSz="914400" rtl="0" eaLnBrk="1" fontAlgn="ctr" latinLnBrk="0" hangingPunct="1">
-              <a:lnSpc>
-                <a:spcPct val="100000"/>
-              </a:lnSpc>
-              <a:spcBef>
-                <a:spcPct val="0"/>
-              </a:spcBef>
-              <a:spcAft>
-                <a:spcPct val="0"/>
-              </a:spcAft>
-              <a:buClrTx/>
-              <a:buSzTx/>
-              <a:buFontTx/>
-              <a:buNone/>
-              <a:tabLst/>
-            </a:pPr>
-            <a:endParaRPr kumimoji="1" lang="en-US" sz="1800" b="0" i="0" u="none" strike="noStrike" cap="none" normalizeH="0" baseline="0" smtClean="0">
-              <a:ln>
-                <a:noFill/>
-              </a:ln>
-              <a:solidFill>
-                <a:srgbClr val="000000"/>
-              </a:solidFill>
-              <a:effectLst/>
-              <a:latin typeface="ＭＳ Ｐゴシック" pitchFamily="50" charset="-128"/>
-              <a:ea typeface="ＭＳ Ｐゴシック" pitchFamily="50" charset="-128"/>
-            </a:endParaRPr>
-          </a:p>
-        </p:txBody>
-      </p:sp>
-      <p:sp>
-        <p:nvSpPr>
-          <p:cNvPr id="74" name="Right Brace 73"/>
-          <p:cNvSpPr/>
-          <p:nvPr/>
-        </p:nvSpPr>
-        <p:spPr bwMode="auto">
-          <a:xfrm rot="10800000">
-            <a:off x="1266844" y="5413252"/>
-            <a:ext cx="72220" cy="486000"/>
-          </a:xfrm>
-          <a:prstGeom prst="rightBrace">
-            <a:avLst>
-              <a:gd name="adj1" fmla="val 24326"/>
-              <a:gd name="adj2" fmla="val 50000"/>
-            </a:avLst>
-          </a:prstGeom>
-          <a:noFill/>
-          <a:ln w="9525" cap="flat" cmpd="sng" algn="ctr">
-            <a:solidFill>
-              <a:srgbClr val="57564F"/>
-            </a:solidFill>
-            <a:prstDash val="solid"/>
-            <a:round/>
-            <a:headEnd type="none" w="med" len="med"/>
-            <a:tailEnd type="none" w="med" len="med"/>
-          </a:ln>
-          <a:effectLst/>
-        </p:spPr>
-        <p:txBody>
-          <a:bodyPr vert="horz" wrap="none" lIns="91440" tIns="45720" rIns="91440" bIns="45720" numCol="1" rtlCol="0" anchor="ctr" anchorCtr="0" compatLnSpc="1">
-            <a:prstTxWarp prst="textNoShape">
-              <a:avLst/>
-            </a:prstTxWarp>
-          </a:bodyPr>
-          <a:lstStyle/>
-          <a:p>
-            <a:pPr marL="0" marR="0" indent="0" algn="ctr" defTabSz="914400" rtl="0" eaLnBrk="1" fontAlgn="ctr" latinLnBrk="0" hangingPunct="1">
-              <a:lnSpc>
-                <a:spcPct val="100000"/>
-              </a:lnSpc>
-              <a:spcBef>
-                <a:spcPct val="0"/>
-              </a:spcBef>
-              <a:spcAft>
-                <a:spcPct val="0"/>
-              </a:spcAft>
-              <a:buClrTx/>
-              <a:buSzTx/>
-              <a:buFontTx/>
-              <a:buNone/>
-              <a:tabLst/>
-            </a:pPr>
-            <a:endParaRPr kumimoji="1" lang="en-US" sz="1800" b="0" i="0" u="none" strike="noStrike" cap="none" normalizeH="0" baseline="0" smtClean="0">
-              <a:ln>
-                <a:noFill/>
-              </a:ln>
-              <a:solidFill>
-                <a:srgbClr val="000000"/>
-              </a:solidFill>
-              <a:effectLst/>
-              <a:latin typeface="ＭＳ Ｐゴシック" pitchFamily="50" charset="-128"/>
-              <a:ea typeface="ＭＳ Ｐゴシック" pitchFamily="50" charset="-128"/>
-            </a:endParaRPr>
-          </a:p>
-        </p:txBody>
-      </p:sp>
-      <p:sp>
-        <p:nvSpPr>
-          <p:cNvPr id="31" name="TextBox 30"/>
-          <p:cNvSpPr txBox="1"/>
-          <p:nvPr/>
-        </p:nvSpPr>
-        <p:spPr>
-          <a:xfrm>
-            <a:off x="5022611" y="1325246"/>
-            <a:ext cx="675185" cy="253916"/>
-          </a:xfrm>
-          <a:prstGeom prst="rect">
-            <a:avLst/>
-          </a:prstGeom>
-          <a:noFill/>
-        </p:spPr>
-        <p:txBody>
-          <a:bodyPr wrap="none" rtlCol="0">
-            <a:spAutoFit/>
-          </a:bodyPr>
-          <a:lstStyle/>
-          <a:p>
-            <a:pPr algn="l"/>
-            <a:r>
-              <a:rPr lang="en-US" sz="1050" dirty="0" smtClean="0">
-                <a:latin typeface="Fujitsu Sans" panose="020B0404060202020204" pitchFamily="34" charset="0"/>
-              </a:rPr>
-              <a:t>End User</a:t>
-            </a:r>
-            <a:endParaRPr lang="en-US" sz="1050" dirty="0">
-              <a:latin typeface="Fujitsu Sans" panose="020B0404060202020204" pitchFamily="34" charset="0"/>
-            </a:endParaRPr>
-          </a:p>
-        </p:txBody>
-      </p:sp>
-      <p:sp>
-        <p:nvSpPr>
-          <p:cNvPr id="81" name="Rounded Rectangle 80"/>
-          <p:cNvSpPr/>
-          <p:nvPr/>
-        </p:nvSpPr>
-        <p:spPr bwMode="gray">
-          <a:xfrm>
-            <a:off x="3615067" y="1304785"/>
-            <a:ext cx="1368152" cy="294839"/>
-          </a:xfrm>
-          <a:prstGeom prst="roundRect">
-            <a:avLst/>
-          </a:prstGeom>
-          <a:solidFill>
-            <a:srgbClr val="CACAC7"/>
-          </a:solidFill>
-          <a:ln w="9525" cap="flat" cmpd="sng" algn="ctr">
-            <a:solidFill>
-              <a:srgbClr val="57564F"/>
-            </a:solidFill>
-            <a:prstDash val="solid"/>
-            <a:round/>
-            <a:headEnd type="none" w="med" len="med"/>
-            <a:tailEnd type="none" w="med" len="med"/>
-          </a:ln>
-          <a:effectLst/>
-          <a:extLst/>
-        </p:spPr>
-        <p:txBody>
-          <a:bodyPr vert="horz" wrap="none" lIns="91440" tIns="45720" rIns="91440" bIns="45720" numCol="1" rtlCol="0" anchor="ctr" anchorCtr="0" compatLnSpc="1">
-            <a:prstTxWarp prst="textNoShape">
-              <a:avLst/>
-            </a:prstTxWarp>
-          </a:bodyPr>
-          <a:lstStyle/>
-          <a:p>
-            <a:pPr marL="0" marR="0" indent="0" algn="ctr" defTabSz="914400" rtl="0" eaLnBrk="1" fontAlgn="ctr" latinLnBrk="0" hangingPunct="1">
-              <a:lnSpc>
-                <a:spcPct val="100000"/>
-              </a:lnSpc>
-              <a:spcBef>
-                <a:spcPct val="0"/>
-              </a:spcBef>
-              <a:spcAft>
-                <a:spcPct val="0"/>
-              </a:spcAft>
-              <a:buClrTx/>
-              <a:buSzTx/>
-              <a:buFontTx/>
-              <a:buNone/>
-              <a:tabLst/>
-            </a:pPr>
-            <a:r>
-              <a:rPr kumimoji="1" lang="en-US" sz="1100" b="0" i="0" u="none" strike="noStrike" cap="none" normalizeH="0" baseline="0" dirty="0" smtClean="0">
-                <a:ln>
-                  <a:noFill/>
-                </a:ln>
-                <a:effectLst/>
-                <a:latin typeface="Fujitsu Sans" panose="020B0404060202020204" pitchFamily="34" charset="0"/>
-              </a:rPr>
-              <a:t>Workload</a:t>
-            </a:r>
-          </a:p>
-        </p:txBody>
-      </p:sp>
-      <p:sp>
-        <p:nvSpPr>
-          <p:cNvPr id="82" name="Rounded Rectangle 81"/>
-          <p:cNvSpPr/>
-          <p:nvPr/>
-        </p:nvSpPr>
-        <p:spPr bwMode="gray">
-          <a:xfrm>
-            <a:off x="3615067" y="2021707"/>
-            <a:ext cx="1368000" cy="295200"/>
-          </a:xfrm>
-          <a:prstGeom prst="roundRect">
-            <a:avLst/>
-          </a:prstGeom>
-          <a:solidFill>
-            <a:srgbClr val="B22B30"/>
-          </a:solidFill>
-          <a:ln w="9525" cap="flat" cmpd="sng" algn="ctr">
-            <a:solidFill>
-              <a:srgbClr val="B22B30"/>
-            </a:solidFill>
-            <a:prstDash val="solid"/>
-            <a:round/>
-            <a:headEnd type="none" w="med" len="med"/>
-            <a:tailEnd type="none" w="med" len="med"/>
-          </a:ln>
-          <a:effectLst/>
-          <a:extLst>
-            <a:ext uri="{AF507438-7753-43E0-B8FC-AC1667EBCBE1}">
-              <a14:hiddenEffects xmlns:a14="http://schemas.microsoft.com/office/drawing/2010/main">
-                <a:effectLst>
-                  <a:outerShdw dist="53882" dir="2700000" algn="ctr" rotWithShape="0">
-                    <a:schemeClr val="bg2">
-                      <a:alpha val="50000"/>
-                    </a:schemeClr>
-                  </a:outerShdw>
-                </a:effectLst>
-              </a14:hiddenEffects>
-            </a:ext>
-          </a:extLst>
-        </p:spPr>
-        <p:txBody>
-          <a:bodyPr vert="horz" wrap="none" lIns="91440" tIns="45720" rIns="91440" bIns="45720" numCol="1" rtlCol="0" anchor="ctr" anchorCtr="0" compatLnSpc="1">
-            <a:prstTxWarp prst="textNoShape">
-              <a:avLst/>
-            </a:prstTxWarp>
-          </a:bodyPr>
-          <a:lstStyle/>
-          <a:p>
-            <a:pPr marL="0" marR="0" indent="0" algn="ctr" defTabSz="914400" rtl="0" eaLnBrk="1" fontAlgn="ctr" latinLnBrk="0" hangingPunct="1">
-              <a:lnSpc>
-                <a:spcPct val="100000"/>
-              </a:lnSpc>
-              <a:spcBef>
-                <a:spcPct val="0"/>
-              </a:spcBef>
-              <a:spcAft>
-                <a:spcPct val="0"/>
-              </a:spcAft>
-              <a:buClrTx/>
-              <a:buSzTx/>
-              <a:buFontTx/>
-              <a:buNone/>
-              <a:tabLst/>
-            </a:pPr>
-            <a:r>
-              <a:rPr kumimoji="1" lang="en-US" sz="1100" b="0" i="0" u="none" strike="noStrike" cap="none" normalizeH="0" baseline="0" dirty="0" smtClean="0">
-                <a:ln>
-                  <a:noFill/>
-                </a:ln>
-                <a:solidFill>
-                  <a:srgbClr val="FFFFFF"/>
-                </a:solidFill>
-                <a:effectLst/>
-                <a:latin typeface="Fujitsu Sans" panose="020B0404060202020204" pitchFamily="34" charset="0"/>
-              </a:rPr>
-              <a:t>Cluster</a:t>
-            </a:r>
-            <a:r>
-              <a:rPr kumimoji="1" lang="en-US" sz="1100" b="0" i="0" u="none" strike="noStrike" cap="none" normalizeH="0" dirty="0" smtClean="0">
-                <a:ln>
-                  <a:noFill/>
-                </a:ln>
-                <a:solidFill>
-                  <a:srgbClr val="FFFFFF"/>
-                </a:solidFill>
-                <a:effectLst/>
-                <a:latin typeface="Fujitsu Sans" panose="020B0404060202020204" pitchFamily="34" charset="0"/>
-              </a:rPr>
-              <a:t> Orchestration</a:t>
-            </a:r>
-            <a:endParaRPr kumimoji="1" lang="en-US" sz="1100" b="0" i="0" u="none" strike="noStrike" cap="none" normalizeH="0" baseline="0" dirty="0" smtClean="0">
-              <a:ln>
-                <a:noFill/>
-              </a:ln>
-              <a:solidFill>
-                <a:srgbClr val="FFFFFF"/>
-              </a:solidFill>
-              <a:effectLst/>
-              <a:latin typeface="Fujitsu Sans" panose="020B0404060202020204" pitchFamily="34" charset="0"/>
-            </a:endParaRPr>
-          </a:p>
-        </p:txBody>
-      </p:sp>
-      <p:sp>
-        <p:nvSpPr>
-          <p:cNvPr id="83" name="Rounded Rectangle 82"/>
-          <p:cNvSpPr/>
-          <p:nvPr/>
-        </p:nvSpPr>
-        <p:spPr bwMode="gray">
-          <a:xfrm>
-            <a:off x="3615219" y="2744944"/>
-            <a:ext cx="1368000" cy="295200"/>
-          </a:xfrm>
-          <a:prstGeom prst="roundRect">
-            <a:avLst/>
-          </a:prstGeom>
-          <a:solidFill>
-            <a:schemeClr val="bg1"/>
-          </a:solidFill>
-          <a:ln w="9525" cap="flat" cmpd="sng" algn="ctr">
-            <a:solidFill>
-              <a:schemeClr val="tx1"/>
-            </a:solidFill>
-            <a:prstDash val="solid"/>
-            <a:round/>
-            <a:headEnd type="none" w="med" len="med"/>
-            <a:tailEnd type="none" w="med" len="med"/>
-          </a:ln>
-          <a:effectLst/>
-          <a:extLst/>
-        </p:spPr>
-        <p:txBody>
-          <a:bodyPr vert="horz" wrap="none" lIns="91440" tIns="45720" rIns="91440" bIns="45720" numCol="1" rtlCol="0" anchor="ctr" anchorCtr="0" compatLnSpc="1">
-            <a:prstTxWarp prst="textNoShape">
-              <a:avLst/>
-            </a:prstTxWarp>
-          </a:bodyPr>
-          <a:lstStyle/>
-          <a:p>
-            <a:pPr marL="0" marR="0" indent="0" algn="ctr" defTabSz="914400" rtl="0" eaLnBrk="1" fontAlgn="ctr" latinLnBrk="0" hangingPunct="1">
-              <a:lnSpc>
-                <a:spcPct val="100000"/>
-              </a:lnSpc>
-              <a:spcBef>
-                <a:spcPct val="0"/>
-              </a:spcBef>
-              <a:spcAft>
-                <a:spcPct val="0"/>
-              </a:spcAft>
-              <a:buClrTx/>
-              <a:buSzTx/>
-              <a:buFontTx/>
-              <a:buNone/>
-              <a:tabLst/>
-            </a:pPr>
-            <a:r>
-              <a:rPr kumimoji="1" lang="en-US" sz="1100" b="0" i="0" u="none" strike="noStrike" cap="none" normalizeH="0" baseline="0" dirty="0" smtClean="0">
-                <a:ln>
-                  <a:noFill/>
-                </a:ln>
-                <a:effectLst/>
-                <a:latin typeface="Fujitsu Sans" panose="020B0404060202020204" pitchFamily="34" charset="0"/>
-              </a:rPr>
-              <a:t>Infrastructure</a:t>
-            </a:r>
-          </a:p>
-        </p:txBody>
-      </p:sp>
-      <p:sp>
-        <p:nvSpPr>
-          <p:cNvPr id="84" name="Rounded Rectangle 83"/>
-          <p:cNvSpPr/>
-          <p:nvPr/>
-        </p:nvSpPr>
-        <p:spPr bwMode="gray">
-          <a:xfrm>
-            <a:off x="3615067" y="1664208"/>
-            <a:ext cx="1368152" cy="294839"/>
-          </a:xfrm>
-          <a:prstGeom prst="roundRect">
-            <a:avLst/>
-          </a:prstGeom>
-          <a:solidFill>
-            <a:srgbClr val="CACAC7"/>
-          </a:solidFill>
-          <a:ln w="9525" cap="flat" cmpd="sng" algn="ctr">
-            <a:solidFill>
-              <a:srgbClr val="57564F"/>
-            </a:solidFill>
-            <a:prstDash val="solid"/>
-            <a:round/>
-            <a:headEnd type="none" w="med" len="med"/>
-            <a:tailEnd type="none" w="med" len="med"/>
-          </a:ln>
-          <a:effectLst/>
-          <a:extLst>
-            <a:ext uri="{AF507438-7753-43E0-B8FC-AC1667EBCBE1}">
-              <a14:hiddenEffects xmlns:a14="http://schemas.microsoft.com/office/drawing/2010/main">
-                <a:effectLst>
-                  <a:outerShdw dist="53882" dir="2700000" algn="ctr" rotWithShape="0">
-                    <a:schemeClr val="bg2">
-                      <a:alpha val="50000"/>
-                    </a:schemeClr>
-                  </a:outerShdw>
-                </a:effectLst>
-              </a14:hiddenEffects>
-            </a:ext>
-          </a:extLst>
-        </p:spPr>
-        <p:txBody>
-          <a:bodyPr vert="horz" wrap="none" lIns="91440" tIns="45720" rIns="91440" bIns="45720" numCol="1" rtlCol="0" anchor="ctr" anchorCtr="0" compatLnSpc="1">
-            <a:prstTxWarp prst="textNoShape">
-              <a:avLst/>
-            </a:prstTxWarp>
-          </a:bodyPr>
-          <a:lstStyle/>
-          <a:p>
-            <a:pPr marL="0" marR="0" indent="0" algn="ctr" defTabSz="914400" rtl="0" eaLnBrk="1" fontAlgn="ctr" latinLnBrk="0" hangingPunct="1">
-              <a:lnSpc>
-                <a:spcPct val="100000"/>
-              </a:lnSpc>
-              <a:spcBef>
-                <a:spcPct val="0"/>
-              </a:spcBef>
-              <a:spcAft>
-                <a:spcPct val="0"/>
-              </a:spcAft>
-              <a:buClrTx/>
-              <a:buSzTx/>
-              <a:buFontTx/>
-              <a:buNone/>
-              <a:tabLst/>
-            </a:pPr>
-            <a:r>
-              <a:rPr kumimoji="1" lang="en-US" sz="1100" b="0" i="0" u="none" strike="noStrike" cap="none" normalizeH="0" baseline="0" dirty="0" smtClean="0">
-                <a:ln>
-                  <a:noFill/>
-                </a:ln>
-                <a:effectLst/>
-                <a:latin typeface="Fujitsu Sans" panose="020B0404060202020204" pitchFamily="34" charset="0"/>
-              </a:rPr>
-              <a:t>Containers</a:t>
-            </a:r>
-          </a:p>
-        </p:txBody>
-      </p:sp>
-      <p:sp>
-        <p:nvSpPr>
-          <p:cNvPr id="85" name="Rounded Rectangle 84"/>
-          <p:cNvSpPr/>
-          <p:nvPr/>
-        </p:nvSpPr>
-        <p:spPr bwMode="gray">
-          <a:xfrm>
-            <a:off x="3615067" y="2384905"/>
-            <a:ext cx="1368000" cy="295200"/>
-          </a:xfrm>
-          <a:prstGeom prst="roundRect">
-            <a:avLst/>
-          </a:prstGeom>
-          <a:solidFill>
-            <a:srgbClr val="B22B30"/>
-          </a:solidFill>
-          <a:ln w="9525" cap="flat" cmpd="sng" algn="ctr">
-            <a:solidFill>
-              <a:srgbClr val="B22B30"/>
-            </a:solidFill>
-            <a:prstDash val="solid"/>
-            <a:round/>
-            <a:headEnd type="none" w="med" len="med"/>
-            <a:tailEnd type="none" w="med" len="med"/>
-          </a:ln>
-          <a:effectLst/>
-          <a:extLst>
-            <a:ext uri="{AF507438-7753-43E0-B8FC-AC1667EBCBE1}">
-              <a14:hiddenEffects xmlns:a14="http://schemas.microsoft.com/office/drawing/2010/main">
-                <a:effectLst>
-                  <a:outerShdw dist="53882" dir="2700000" algn="ctr" rotWithShape="0">
-                    <a:schemeClr val="bg2">
-                      <a:alpha val="50000"/>
-                    </a:schemeClr>
-                  </a:outerShdw>
-                </a:effectLst>
-              </a14:hiddenEffects>
-            </a:ext>
-          </a:extLst>
-        </p:spPr>
-        <p:txBody>
-          <a:bodyPr vert="horz" wrap="none" lIns="91440" tIns="45720" rIns="91440" bIns="45720" numCol="1" rtlCol="0" anchor="ctr" anchorCtr="0" compatLnSpc="1">
-            <a:prstTxWarp prst="textNoShape">
-              <a:avLst/>
-            </a:prstTxWarp>
-          </a:bodyPr>
-          <a:lstStyle/>
-          <a:p>
-            <a:pPr marL="0" marR="0" indent="0" algn="ctr" defTabSz="914400" rtl="0" eaLnBrk="1" fontAlgn="ctr" latinLnBrk="0" hangingPunct="1">
-              <a:lnSpc>
-                <a:spcPct val="100000"/>
-              </a:lnSpc>
-              <a:spcBef>
-                <a:spcPct val="0"/>
-              </a:spcBef>
-              <a:spcAft>
-                <a:spcPct val="0"/>
-              </a:spcAft>
-              <a:buClrTx/>
-              <a:buSzTx/>
-              <a:buFontTx/>
-              <a:buNone/>
-              <a:tabLst/>
-            </a:pPr>
-            <a:r>
-              <a:rPr kumimoji="1" lang="en-US" sz="1100" b="0" i="0" u="none" strike="noStrike" cap="none" normalizeH="0" baseline="0" dirty="0" smtClean="0">
-                <a:ln>
-                  <a:noFill/>
-                </a:ln>
-                <a:solidFill>
-                  <a:srgbClr val="FFFFFF"/>
-                </a:solidFill>
-                <a:effectLst/>
-                <a:latin typeface="Fujitsu Sans" panose="020B0404060202020204" pitchFamily="34" charset="0"/>
-              </a:rPr>
-              <a:t>Cluster</a:t>
-            </a:r>
-            <a:r>
-              <a:rPr kumimoji="1" lang="en-US" sz="1100" b="0" i="0" u="none" strike="noStrike" cap="none" normalizeH="0" dirty="0" smtClean="0">
-                <a:ln>
-                  <a:noFill/>
-                </a:ln>
-                <a:solidFill>
-                  <a:srgbClr val="FFFFFF"/>
-                </a:solidFill>
-                <a:effectLst/>
-                <a:latin typeface="Fujitsu Sans" panose="020B0404060202020204" pitchFamily="34" charset="0"/>
-              </a:rPr>
-              <a:t> Management</a:t>
-            </a:r>
-            <a:endParaRPr kumimoji="1" lang="en-US" sz="1100" b="0" i="0" u="none" strike="noStrike" cap="none" normalizeH="0" baseline="0" dirty="0" smtClean="0">
-              <a:ln>
-                <a:noFill/>
-              </a:ln>
-              <a:solidFill>
-                <a:srgbClr val="FFFFFF"/>
-              </a:solidFill>
-              <a:effectLst/>
-              <a:latin typeface="Fujitsu Sans" panose="020B0404060202020204" pitchFamily="34" charset="0"/>
-            </a:endParaRPr>
-          </a:p>
-        </p:txBody>
-      </p:sp>
-      <p:sp>
-        <p:nvSpPr>
-          <p:cNvPr id="86" name="TextBox 85"/>
-          <p:cNvSpPr txBox="1"/>
-          <p:nvPr/>
-        </p:nvSpPr>
-        <p:spPr>
-          <a:xfrm>
-            <a:off x="2281047" y="2762001"/>
-            <a:ext cx="1334020" cy="253916"/>
-          </a:xfrm>
-          <a:prstGeom prst="rect">
-            <a:avLst/>
-          </a:prstGeom>
-          <a:noFill/>
-        </p:spPr>
-        <p:txBody>
-          <a:bodyPr wrap="none" rtlCol="0">
-            <a:spAutoFit/>
-          </a:bodyPr>
-          <a:lstStyle/>
-          <a:p>
-            <a:pPr algn="l"/>
-            <a:r>
-              <a:rPr lang="en-US" sz="1050" dirty="0" smtClean="0">
-                <a:latin typeface="Fujitsu Sans" panose="020B0404060202020204" pitchFamily="34" charset="0"/>
-              </a:rPr>
-              <a:t>OpenStack Operator</a:t>
-            </a:r>
-            <a:endParaRPr lang="en-US" sz="1050" dirty="0">
-              <a:latin typeface="Fujitsu Sans" panose="020B0404060202020204" pitchFamily="34" charset="0"/>
-            </a:endParaRPr>
-          </a:p>
-        </p:txBody>
-      </p:sp>
-      <p:sp>
-        <p:nvSpPr>
-          <p:cNvPr id="87" name="TextBox 86"/>
-          <p:cNvSpPr txBox="1"/>
-          <p:nvPr/>
-        </p:nvSpPr>
-        <p:spPr>
-          <a:xfrm>
-            <a:off x="5022611" y="2302977"/>
-            <a:ext cx="1122423" cy="253916"/>
-          </a:xfrm>
-          <a:prstGeom prst="rect">
-            <a:avLst/>
-          </a:prstGeom>
-          <a:noFill/>
-        </p:spPr>
-        <p:txBody>
-          <a:bodyPr wrap="none" rtlCol="0">
-            <a:spAutoFit/>
-          </a:bodyPr>
-          <a:lstStyle/>
-          <a:p>
-            <a:pPr algn="l"/>
-            <a:r>
-              <a:rPr lang="en-US" sz="1050" dirty="0" smtClean="0">
-                <a:latin typeface="Fujitsu Sans" panose="020B0404060202020204" pitchFamily="34" charset="0"/>
-              </a:rPr>
-              <a:t>Cluster Operator</a:t>
-            </a:r>
-            <a:endParaRPr lang="en-US" sz="1050" dirty="0">
-              <a:latin typeface="Fujitsu Sans" panose="020B0404060202020204" pitchFamily="34" charset="0"/>
-            </a:endParaRPr>
-          </a:p>
-        </p:txBody>
-      </p:sp>
-      <p:sp>
-        <p:nvSpPr>
-          <p:cNvPr id="88" name="TextBox 87"/>
-          <p:cNvSpPr txBox="1"/>
-          <p:nvPr/>
-        </p:nvSpPr>
-        <p:spPr>
-          <a:xfrm>
-            <a:off x="2739506" y="1596387"/>
-            <a:ext cx="875561" cy="253916"/>
-          </a:xfrm>
-          <a:prstGeom prst="rect">
-            <a:avLst/>
-          </a:prstGeom>
-          <a:noFill/>
-        </p:spPr>
-        <p:txBody>
-          <a:bodyPr wrap="none" rtlCol="0">
-            <a:spAutoFit/>
-          </a:bodyPr>
-          <a:lstStyle/>
-          <a:p>
-            <a:pPr algn="l"/>
-            <a:r>
-              <a:rPr lang="en-US" sz="1050" dirty="0" smtClean="0">
-                <a:latin typeface="Fujitsu Sans" panose="020B0404060202020204" pitchFamily="34" charset="0"/>
-              </a:rPr>
-              <a:t>Cluster User</a:t>
-            </a:r>
-            <a:endParaRPr lang="en-US" sz="1050" dirty="0">
-              <a:latin typeface="Fujitsu Sans" panose="020B0404060202020204" pitchFamily="34" charset="0"/>
-            </a:endParaRPr>
-          </a:p>
-        </p:txBody>
-      </p:sp>
-      <p:sp>
-        <p:nvSpPr>
-          <p:cNvPr id="89" name="Right Brace 88"/>
-          <p:cNvSpPr/>
-          <p:nvPr/>
-        </p:nvSpPr>
-        <p:spPr bwMode="auto">
-          <a:xfrm rot="10800000">
-            <a:off x="3508991" y="1304785"/>
-            <a:ext cx="72220" cy="837120"/>
-          </a:xfrm>
-          <a:prstGeom prst="rightBrace">
-            <a:avLst>
-              <a:gd name="adj1" fmla="val 24326"/>
-              <a:gd name="adj2" fmla="val 50000"/>
-            </a:avLst>
-          </a:prstGeom>
-          <a:noFill/>
-          <a:ln w="9525" cap="flat" cmpd="sng" algn="ctr">
-            <a:solidFill>
-              <a:srgbClr val="57564F"/>
-            </a:solidFill>
-            <a:prstDash val="solid"/>
-            <a:round/>
-            <a:headEnd type="none" w="med" len="med"/>
-            <a:tailEnd type="none" w="med" len="med"/>
-          </a:ln>
-          <a:effectLst/>
-        </p:spPr>
-        <p:txBody>
-          <a:bodyPr vert="horz" wrap="none" lIns="91440" tIns="45720" rIns="91440" bIns="45720" numCol="1" rtlCol="0" anchor="ctr" anchorCtr="0" compatLnSpc="1">
-            <a:prstTxWarp prst="textNoShape">
-              <a:avLst/>
-            </a:prstTxWarp>
-          </a:bodyPr>
-          <a:lstStyle/>
-          <a:p>
-            <a:pPr marL="0" marR="0" indent="0" algn="ctr" defTabSz="914400" rtl="0" eaLnBrk="1" fontAlgn="ctr" latinLnBrk="0" hangingPunct="1">
-              <a:lnSpc>
-                <a:spcPct val="100000"/>
-              </a:lnSpc>
-              <a:spcBef>
-                <a:spcPct val="0"/>
-              </a:spcBef>
-              <a:spcAft>
-                <a:spcPct val="0"/>
-              </a:spcAft>
-              <a:buClrTx/>
-              <a:buSzTx/>
-              <a:buFontTx/>
-              <a:buNone/>
-              <a:tabLst/>
-            </a:pPr>
-            <a:endParaRPr kumimoji="1" lang="en-US" sz="1800" b="0" i="0" u="none" strike="noStrike" cap="none" normalizeH="0" baseline="0" smtClean="0">
-              <a:ln>
-                <a:noFill/>
-              </a:ln>
-              <a:solidFill>
-                <a:srgbClr val="000000"/>
-              </a:solidFill>
-              <a:effectLst/>
-              <a:latin typeface="ＭＳ Ｐゴシック" pitchFamily="50" charset="-128"/>
-              <a:ea typeface="ＭＳ Ｐゴシック" pitchFamily="50" charset="-128"/>
-            </a:endParaRPr>
-          </a:p>
-        </p:txBody>
-      </p:sp>
-      <p:sp>
-        <p:nvSpPr>
-          <p:cNvPr id="90" name="Right Brace 89"/>
-          <p:cNvSpPr/>
-          <p:nvPr/>
-        </p:nvSpPr>
-        <p:spPr bwMode="auto">
-          <a:xfrm rot="10800000" flipH="1">
-            <a:off x="5023731" y="2186935"/>
-            <a:ext cx="72220" cy="486000"/>
-          </a:xfrm>
-          <a:prstGeom prst="rightBrace">
-            <a:avLst>
-              <a:gd name="adj1" fmla="val 24326"/>
-              <a:gd name="adj2" fmla="val 50000"/>
-            </a:avLst>
-          </a:prstGeom>
-          <a:noFill/>
-          <a:ln w="9525" cap="flat" cmpd="sng" algn="ctr">
-            <a:solidFill>
-              <a:srgbClr val="57564F"/>
-            </a:solidFill>
-            <a:prstDash val="solid"/>
-            <a:round/>
-            <a:headEnd type="none" w="med" len="med"/>
-            <a:tailEnd type="none" w="med" len="med"/>
-          </a:ln>
-          <a:effectLst/>
-        </p:spPr>
-        <p:txBody>
-          <a:bodyPr vert="horz" wrap="none" lIns="91440" tIns="45720" rIns="91440" bIns="45720" numCol="1" rtlCol="0" anchor="ctr" anchorCtr="0" compatLnSpc="1">
-            <a:prstTxWarp prst="textNoShape">
-              <a:avLst/>
-            </a:prstTxWarp>
-          </a:bodyPr>
-          <a:lstStyle/>
-          <a:p>
-            <a:pPr marL="0" marR="0" indent="0" algn="ctr" defTabSz="914400" rtl="0" eaLnBrk="1" fontAlgn="ctr" latinLnBrk="0" hangingPunct="1">
-              <a:lnSpc>
-                <a:spcPct val="100000"/>
-              </a:lnSpc>
-              <a:spcBef>
-                <a:spcPct val="0"/>
-              </a:spcBef>
-              <a:spcAft>
-                <a:spcPct val="0"/>
-              </a:spcAft>
-              <a:buClrTx/>
-              <a:buSzTx/>
-              <a:buFontTx/>
-              <a:buNone/>
-              <a:tabLst/>
-            </a:pPr>
-            <a:endParaRPr kumimoji="1" lang="en-US" sz="1800" b="0" i="0" u="none" strike="noStrike" cap="none" normalizeH="0" baseline="0" smtClean="0">
-              <a:ln>
-                <a:noFill/>
-              </a:ln>
-              <a:solidFill>
-                <a:srgbClr val="000000"/>
-              </a:solidFill>
-              <a:effectLst/>
-              <a:latin typeface="ＭＳ Ｐゴシック" pitchFamily="50" charset="-128"/>
-              <a:ea typeface="ＭＳ Ｐゴシック" pitchFamily="50" charset="-128"/>
-            </a:endParaRPr>
-          </a:p>
-        </p:txBody>
-      </p:sp>
-    </p:spTree>
-    <p:extLst>
-      <p:ext uri="{BB962C8B-B14F-4D97-AF65-F5344CB8AC3E}">
-        <p14:creationId xmlns:p14="http://schemas.microsoft.com/office/powerpoint/2010/main" val="2323192329"/>
-      </p:ext>
-    </p:extLst>
-  </p:cSld>
-  <p:clrMapOvr>
-    <a:masterClrMapping/>
-  </p:clrMapOvr>
-  <p:timing>
-    <p:tnLst>
-      <p:par>
-        <p:cTn id="1" dur="indefinite" restart="never" nodeType="tmRoot"/>
-      </p:par>
-    </p:tnLst>
-  </p:timing>
 </p:sld>
 </file>
 

--- a/DocSources/images/tenantuser.pptx
+++ b/DocSources/images/tenantuser.pptx
@@ -104,6 +104,11 @@
       </a:defRPr>
     </a:lvl9pPr>
   </p:defaultTextStyle>
+  <p:extLst>
+    <p:ext uri="{EFAFB233-063F-42B5-8137-9DF3F51BA10A}">
+      <p15:sldGuideLst xmlns:p15="http://schemas.microsoft.com/office/powerpoint/2012/main"/>
+    </p:ext>
+  </p:extLst>
 </p:presentation>
 </file>
 
@@ -238,7 +243,7 @@
           <a:p>
             <a:fld id="{F0DEE4FE-D66D-43D5-8C7A-01E070916668}" type="datetimeFigureOut">
               <a:rPr lang="en-US" smtClean="0"/>
-              <a:t>4/19/2017</a:t>
+              <a:t>4/25/2017</a:t>
             </a:fld>
             <a:endParaRPr lang="en-US"/>
           </a:p>
@@ -408,7 +413,7 @@
           <a:p>
             <a:fld id="{F0DEE4FE-D66D-43D5-8C7A-01E070916668}" type="datetimeFigureOut">
               <a:rPr lang="en-US" smtClean="0"/>
-              <a:t>4/19/2017</a:t>
+              <a:t>4/25/2017</a:t>
             </a:fld>
             <a:endParaRPr lang="en-US"/>
           </a:p>
@@ -588,7 +593,7 @@
           <a:p>
             <a:fld id="{F0DEE4FE-D66D-43D5-8C7A-01E070916668}" type="datetimeFigureOut">
               <a:rPr lang="en-US" smtClean="0"/>
-              <a:t>4/19/2017</a:t>
+              <a:t>4/25/2017</a:t>
             </a:fld>
             <a:endParaRPr lang="en-US"/>
           </a:p>
@@ -758,7 +763,7 @@
           <a:p>
             <a:fld id="{F0DEE4FE-D66D-43D5-8C7A-01E070916668}" type="datetimeFigureOut">
               <a:rPr lang="en-US" smtClean="0"/>
-              <a:t>4/19/2017</a:t>
+              <a:t>4/25/2017</a:t>
             </a:fld>
             <a:endParaRPr lang="en-US"/>
           </a:p>
@@ -1004,7 +1009,7 @@
           <a:p>
             <a:fld id="{F0DEE4FE-D66D-43D5-8C7A-01E070916668}" type="datetimeFigureOut">
               <a:rPr lang="en-US" smtClean="0"/>
-              <a:t>4/19/2017</a:t>
+              <a:t>4/25/2017</a:t>
             </a:fld>
             <a:endParaRPr lang="en-US"/>
           </a:p>
@@ -1236,7 +1241,7 @@
           <a:p>
             <a:fld id="{F0DEE4FE-D66D-43D5-8C7A-01E070916668}" type="datetimeFigureOut">
               <a:rPr lang="en-US" smtClean="0"/>
-              <a:t>4/19/2017</a:t>
+              <a:t>4/25/2017</a:t>
             </a:fld>
             <a:endParaRPr lang="en-US"/>
           </a:p>
@@ -1603,7 +1608,7 @@
           <a:p>
             <a:fld id="{F0DEE4FE-D66D-43D5-8C7A-01E070916668}" type="datetimeFigureOut">
               <a:rPr lang="en-US" smtClean="0"/>
-              <a:t>4/19/2017</a:t>
+              <a:t>4/25/2017</a:t>
             </a:fld>
             <a:endParaRPr lang="en-US"/>
           </a:p>
@@ -1721,7 +1726,7 @@
           <a:p>
             <a:fld id="{F0DEE4FE-D66D-43D5-8C7A-01E070916668}" type="datetimeFigureOut">
               <a:rPr lang="en-US" smtClean="0"/>
-              <a:t>4/19/2017</a:t>
+              <a:t>4/25/2017</a:t>
             </a:fld>
             <a:endParaRPr lang="en-US"/>
           </a:p>
@@ -1816,7 +1821,7 @@
           <a:p>
             <a:fld id="{F0DEE4FE-D66D-43D5-8C7A-01E070916668}" type="datetimeFigureOut">
               <a:rPr lang="en-US" smtClean="0"/>
-              <a:t>4/19/2017</a:t>
+              <a:t>4/25/2017</a:t>
             </a:fld>
             <a:endParaRPr lang="en-US"/>
           </a:p>
@@ -2093,7 +2098,7 @@
           <a:p>
             <a:fld id="{F0DEE4FE-D66D-43D5-8C7A-01E070916668}" type="datetimeFigureOut">
               <a:rPr lang="en-US" smtClean="0"/>
-              <a:t>4/19/2017</a:t>
+              <a:t>4/25/2017</a:t>
             </a:fld>
             <a:endParaRPr lang="en-US"/>
           </a:p>
@@ -2346,7 +2351,7 @@
           <a:p>
             <a:fld id="{F0DEE4FE-D66D-43D5-8C7A-01E070916668}" type="datetimeFigureOut">
               <a:rPr lang="en-US" smtClean="0"/>
-              <a:t>4/19/2017</a:t>
+              <a:t>4/25/2017</a:t>
             </a:fld>
             <a:endParaRPr lang="en-US"/>
           </a:p>
@@ -2559,7 +2564,7 @@
           <a:p>
             <a:fld id="{F0DEE4FE-D66D-43D5-8C7A-01E070916668}" type="datetimeFigureOut">
               <a:rPr lang="en-US" smtClean="0"/>
-              <a:t>4/19/2017</a:t>
+              <a:t>4/25/2017</a:t>
             </a:fld>
             <a:endParaRPr lang="en-US"/>
           </a:p>
@@ -3205,8 +3210,8 @@
           </p:nvSpPr>
           <p:spPr bwMode="auto">
             <a:xfrm>
-              <a:off x="4860032" y="2636912"/>
-              <a:ext cx="1440160" cy="261764"/>
+              <a:off x="4932040" y="2636912"/>
+              <a:ext cx="1224136" cy="261764"/>
             </a:xfrm>
             <a:prstGeom prst="rect">
               <a:avLst/>
